--- a/企业微信开发自建应用代开发篇.pptx
+++ b/企业微信开发自建应用代开发篇.pptx
@@ -6,20 +6,27 @@
   </p:sldMasterIdLst>
   <p:sldIdLst>
     <p:sldId id="256" r:id="rId3"/>
-    <p:sldId id="257" r:id="rId4"/>
-    <p:sldId id="314" r:id="rId5"/>
-    <p:sldId id="291" r:id="rId6"/>
-    <p:sldId id="317" r:id="rId7"/>
-    <p:sldId id="318" r:id="rId8"/>
-    <p:sldId id="319" r:id="rId9"/>
-    <p:sldId id="321" r:id="rId10"/>
-    <p:sldId id="327" r:id="rId11"/>
-    <p:sldId id="323" r:id="rId12"/>
-    <p:sldId id="325" r:id="rId13"/>
-    <p:sldId id="326" r:id="rId14"/>
-    <p:sldId id="331" r:id="rId15"/>
-    <p:sldId id="332" r:id="rId16"/>
-    <p:sldId id="333" r:id="rId17"/>
+    <p:sldId id="334" r:id="rId4"/>
+    <p:sldId id="335" r:id="rId5"/>
+    <p:sldId id="257" r:id="rId6"/>
+    <p:sldId id="314" r:id="rId7"/>
+    <p:sldId id="291" r:id="rId8"/>
+    <p:sldId id="317" r:id="rId9"/>
+    <p:sldId id="318" r:id="rId10"/>
+    <p:sldId id="319" r:id="rId11"/>
+    <p:sldId id="321" r:id="rId12"/>
+    <p:sldId id="327" r:id="rId13"/>
+    <p:sldId id="323" r:id="rId14"/>
+    <p:sldId id="325" r:id="rId15"/>
+    <p:sldId id="326" r:id="rId16"/>
+    <p:sldId id="331" r:id="rId17"/>
+    <p:sldId id="350" r:id="rId18"/>
+    <p:sldId id="351" r:id="rId19"/>
+    <p:sldId id="352" r:id="rId20"/>
+    <p:sldId id="355" r:id="rId21"/>
+    <p:sldId id="358" r:id="rId22"/>
+    <p:sldId id="332" r:id="rId23"/>
+    <p:sldId id="333" r:id="rId24"/>
   </p:sldIdLst>
   <p:sldSz cx="12192000" cy="6858000"/>
   <p:notesSz cx="7103745" cy="10234295"/>
@@ -2755,6 +2762,2116 @@
         <p:spPr>
           <a:xfrm>
             <a:off x="482600" y="411480"/>
+            <a:ext cx="11515090" cy="16402685"/>
+          </a:xfrm>
+          <a:prstGeom prst="rect">
+            <a:avLst/>
+          </a:prstGeom>
+          <a:noFill/>
+          <a:ln w="12700" cap="flat">
+            <a:noFill/>
+            <a:miter lim="400000"/>
+          </a:ln>
+        </p:spPr>
+        <p:style>
+          <a:lnRef idx="0">
+            <a:scrgbClr r="0" g="0" b="0"/>
+          </a:lnRef>
+          <a:fillRef idx="0">
+            <a:scrgbClr r="0" g="0" b="0"/>
+          </a:fillRef>
+          <a:effectRef idx="0">
+            <a:scrgbClr r="0" g="0" b="0"/>
+          </a:effectRef>
+          <a:fontRef idx="none"/>
+        </p:style>
+        <p:txBody>
+          <a:bodyPr rot="0" vertOverflow="overflow" horzOverflow="overflow" vert="horz" wrap="square" lIns="45719" tIns="45719" rIns="45719" bIns="45719" numCol="1" spcCol="38100" rtlCol="0" anchor="t" forceAA="0">
+            <a:spAutoFit/>
+          </a:bodyPr>
+          <a:p>
+            <a:pPr marL="0" marR="0" indent="0" algn="l" defTabSz="914400" rtl="0" fontAlgn="auto" latinLnBrk="0" hangingPunct="0">
+              <a:lnSpc>
+                <a:spcPct val="100000"/>
+              </a:lnSpc>
+              <a:spcBef>
+                <a:spcPts val="0"/>
+              </a:spcBef>
+              <a:spcAft>
+                <a:spcPts val="0"/>
+              </a:spcAft>
+              <a:buClrTx/>
+              <a:buSzTx/>
+              <a:buFontTx/>
+              <a:buNone/>
+            </a:pPr>
+            <a:endParaRPr kumimoji="0" lang="zh-CN" altLang="en-US" sz="2000" b="0" i="0" u="none" strike="noStrike" cap="none" spc="0" normalizeH="0" baseline="0" dirty="0" smtClean="0">
+              <a:solidFill>
+                <a:schemeClr val="bg1">
+                  <a:lumMod val="50000"/>
+                </a:schemeClr>
+              </a:solidFill>
+              <a:latin typeface="苹方-简" panose="020B0400000000000000" charset="-122"/>
+              <a:ea typeface="苹方-简" panose="020B0400000000000000" charset="-122"/>
+              <a:cs typeface="苹方-简" panose="020B0400000000000000" charset="-122"/>
+              <a:sym typeface="Times New Roman" panose="02020803070505020304"/>
+            </a:endParaRPr>
+          </a:p>
+          <a:p>
+            <a:pPr marL="0" marR="0" indent="0" algn="l" defTabSz="914400" rtl="0" fontAlgn="auto" latinLnBrk="0" hangingPunct="0">
+              <a:lnSpc>
+                <a:spcPct val="100000"/>
+              </a:lnSpc>
+              <a:spcBef>
+                <a:spcPts val="0"/>
+              </a:spcBef>
+              <a:spcAft>
+                <a:spcPts val="0"/>
+              </a:spcAft>
+              <a:buClrTx/>
+              <a:buSzTx/>
+              <a:buFontTx/>
+              <a:buNone/>
+            </a:pPr>
+            <a:endParaRPr kumimoji="0" lang="zh-CN" altLang="en-US" sz="2000" b="0" i="0" u="none" strike="noStrike" cap="none" spc="0" normalizeH="0" baseline="0" dirty="0" smtClean="0">
+              <a:solidFill>
+                <a:schemeClr val="bg1">
+                  <a:lumMod val="50000"/>
+                </a:schemeClr>
+              </a:solidFill>
+              <a:latin typeface="苹方-简" panose="020B0400000000000000" charset="-122"/>
+              <a:ea typeface="苹方-简" panose="020B0400000000000000" charset="-122"/>
+              <a:cs typeface="苹方-简" panose="020B0400000000000000" charset="-122"/>
+              <a:sym typeface="Times New Roman" panose="02020803070505020304"/>
+            </a:endParaRPr>
+          </a:p>
+          <a:p>
+            <a:pPr marL="0" marR="0" indent="0" algn="l" defTabSz="914400" rtl="0" fontAlgn="auto" latinLnBrk="0" hangingPunct="0">
+              <a:lnSpc>
+                <a:spcPct val="100000"/>
+              </a:lnSpc>
+              <a:spcBef>
+                <a:spcPts val="0"/>
+              </a:spcBef>
+              <a:spcAft>
+                <a:spcPts val="0"/>
+              </a:spcAft>
+              <a:buClrTx/>
+              <a:buSzTx/>
+              <a:buFontTx/>
+              <a:buNone/>
+            </a:pPr>
+            <a:r>
+              <a:rPr kumimoji="0" lang="zh-CN" altLang="en-US" sz="2000" b="0" i="0" u="none" strike="noStrike" cap="none" spc="0" normalizeH="0" baseline="0" dirty="0" smtClean="0">
+                <a:solidFill>
+                  <a:schemeClr val="bg1">
+                    <a:lumMod val="50000"/>
+                  </a:schemeClr>
+                </a:solidFill>
+                <a:latin typeface="苹方-简" panose="020B0400000000000000" charset="-122"/>
+                <a:ea typeface="苹方-简" panose="020B0400000000000000" charset="-122"/>
+                <a:cs typeface="苹方-简" panose="020B0400000000000000" charset="-122"/>
+                <a:sym typeface="Times New Roman" panose="02020803070505020304"/>
+              </a:rPr>
+              <a:t>{</a:t>
+            </a:r>
+            <a:endParaRPr kumimoji="0" lang="zh-CN" altLang="en-US" sz="2000" b="0" i="0" u="none" strike="noStrike" cap="none" spc="0" normalizeH="0" baseline="0" dirty="0" smtClean="0">
+              <a:solidFill>
+                <a:schemeClr val="bg1">
+                  <a:lumMod val="50000"/>
+                </a:schemeClr>
+              </a:solidFill>
+              <a:latin typeface="苹方-简" panose="020B0400000000000000" charset="-122"/>
+              <a:ea typeface="苹方-简" panose="020B0400000000000000" charset="-122"/>
+              <a:cs typeface="苹方-简" panose="020B0400000000000000" charset="-122"/>
+              <a:sym typeface="Times New Roman" panose="02020803070505020304"/>
+            </a:endParaRPr>
+          </a:p>
+          <a:p>
+            <a:pPr marL="0" marR="0" indent="0" algn="l" defTabSz="914400" rtl="0" fontAlgn="auto" latinLnBrk="0" hangingPunct="0">
+              <a:lnSpc>
+                <a:spcPct val="100000"/>
+              </a:lnSpc>
+              <a:spcBef>
+                <a:spcPts val="0"/>
+              </a:spcBef>
+              <a:spcAft>
+                <a:spcPts val="0"/>
+              </a:spcAft>
+              <a:buClrTx/>
+              <a:buSzTx/>
+              <a:buFontTx/>
+              <a:buNone/>
+            </a:pPr>
+            <a:r>
+              <a:rPr kumimoji="0" lang="zh-CN" altLang="en-US" sz="2000" b="0" i="0" u="none" strike="noStrike" cap="none" spc="0" normalizeH="0" baseline="0" dirty="0" smtClean="0">
+                <a:solidFill>
+                  <a:schemeClr val="bg1">
+                    <a:lumMod val="50000"/>
+                  </a:schemeClr>
+                </a:solidFill>
+                <a:latin typeface="苹方-简" panose="020B0400000000000000" charset="-122"/>
+                <a:ea typeface="苹方-简" panose="020B0400000000000000" charset="-122"/>
+                <a:cs typeface="苹方-简" panose="020B0400000000000000" charset="-122"/>
+                <a:sym typeface="Times New Roman" panose="02020803070505020304"/>
+              </a:rPr>
+              <a:t>    "permanent_code": "HjHWLrE13B36myBA7Qxd-xy0UKE5TgDD0Iz9UDtrqpc",</a:t>
+            </a:r>
+            <a:endParaRPr kumimoji="0" lang="zh-CN" altLang="en-US" sz="2000" b="0" i="0" u="none" strike="noStrike" cap="none" spc="0" normalizeH="0" baseline="0" dirty="0" smtClean="0">
+              <a:solidFill>
+                <a:schemeClr val="bg1">
+                  <a:lumMod val="50000"/>
+                </a:schemeClr>
+              </a:solidFill>
+              <a:latin typeface="苹方-简" panose="020B0400000000000000" charset="-122"/>
+              <a:ea typeface="苹方-简" panose="020B0400000000000000" charset="-122"/>
+              <a:cs typeface="苹方-简" panose="020B0400000000000000" charset="-122"/>
+              <a:sym typeface="Times New Roman" panose="02020803070505020304"/>
+            </a:endParaRPr>
+          </a:p>
+          <a:p>
+            <a:pPr marL="0" marR="0" indent="0" algn="l" defTabSz="914400" rtl="0" fontAlgn="auto" latinLnBrk="0" hangingPunct="0">
+              <a:lnSpc>
+                <a:spcPct val="100000"/>
+              </a:lnSpc>
+              <a:spcBef>
+                <a:spcPts val="0"/>
+              </a:spcBef>
+              <a:spcAft>
+                <a:spcPts val="0"/>
+              </a:spcAft>
+              <a:buClrTx/>
+              <a:buSzTx/>
+              <a:buFontTx/>
+              <a:buNone/>
+            </a:pPr>
+            <a:r>
+              <a:rPr kumimoji="0" lang="zh-CN" altLang="en-US" sz="2000" b="0" i="0" u="none" strike="noStrike" cap="none" spc="0" normalizeH="0" baseline="0" dirty="0" smtClean="0">
+                <a:solidFill>
+                  <a:schemeClr val="bg1">
+                    <a:lumMod val="50000"/>
+                  </a:schemeClr>
+                </a:solidFill>
+                <a:latin typeface="苹方-简" panose="020B0400000000000000" charset="-122"/>
+                <a:ea typeface="苹方-简" panose="020B0400000000000000" charset="-122"/>
+                <a:cs typeface="苹方-简" panose="020B0400000000000000" charset="-122"/>
+                <a:sym typeface="Times New Roman" panose="02020803070505020304"/>
+              </a:rPr>
+              <a:t>    "auth_corp_info": {</a:t>
+            </a:r>
+            <a:endParaRPr kumimoji="0" lang="zh-CN" altLang="en-US" sz="2000" b="0" i="0" u="none" strike="noStrike" cap="none" spc="0" normalizeH="0" baseline="0" dirty="0" smtClean="0">
+              <a:solidFill>
+                <a:schemeClr val="bg1">
+                  <a:lumMod val="50000"/>
+                </a:schemeClr>
+              </a:solidFill>
+              <a:latin typeface="苹方-简" panose="020B0400000000000000" charset="-122"/>
+              <a:ea typeface="苹方-简" panose="020B0400000000000000" charset="-122"/>
+              <a:cs typeface="苹方-简" panose="020B0400000000000000" charset="-122"/>
+              <a:sym typeface="Times New Roman" panose="02020803070505020304"/>
+            </a:endParaRPr>
+          </a:p>
+          <a:p>
+            <a:pPr marL="0" marR="0" indent="0" algn="l" defTabSz="914400" rtl="0" fontAlgn="auto" latinLnBrk="0" hangingPunct="0">
+              <a:lnSpc>
+                <a:spcPct val="100000"/>
+              </a:lnSpc>
+              <a:spcBef>
+                <a:spcPts val="0"/>
+              </a:spcBef>
+              <a:spcAft>
+                <a:spcPts val="0"/>
+              </a:spcAft>
+              <a:buClrTx/>
+              <a:buSzTx/>
+              <a:buFontTx/>
+              <a:buNone/>
+            </a:pPr>
+            <a:r>
+              <a:rPr kumimoji="0" lang="zh-CN" altLang="en-US" sz="2000" b="0" i="0" u="none" strike="noStrike" cap="none" spc="0" normalizeH="0" baseline="0" dirty="0" smtClean="0">
+                <a:solidFill>
+                  <a:schemeClr val="bg1">
+                    <a:lumMod val="50000"/>
+                  </a:schemeClr>
+                </a:solidFill>
+                <a:latin typeface="苹方-简" panose="020B0400000000000000" charset="-122"/>
+                <a:ea typeface="苹方-简" panose="020B0400000000000000" charset="-122"/>
+                <a:cs typeface="苹方-简" panose="020B0400000000000000" charset="-122"/>
+                <a:sym typeface="Times New Roman" panose="02020803070505020304"/>
+              </a:rPr>
+              <a:t>        "corpid": "wwe58c8eb857ded23d",</a:t>
+            </a:r>
+            <a:endParaRPr kumimoji="0" lang="zh-CN" altLang="en-US" sz="2000" b="0" i="0" u="none" strike="noStrike" cap="none" spc="0" normalizeH="0" baseline="0" dirty="0" smtClean="0">
+              <a:solidFill>
+                <a:schemeClr val="bg1">
+                  <a:lumMod val="50000"/>
+                </a:schemeClr>
+              </a:solidFill>
+              <a:latin typeface="苹方-简" panose="020B0400000000000000" charset="-122"/>
+              <a:ea typeface="苹方-简" panose="020B0400000000000000" charset="-122"/>
+              <a:cs typeface="苹方-简" panose="020B0400000000000000" charset="-122"/>
+              <a:sym typeface="Times New Roman" panose="02020803070505020304"/>
+            </a:endParaRPr>
+          </a:p>
+          <a:p>
+            <a:pPr marL="0" marR="0" indent="0" algn="l" defTabSz="914400" rtl="0" fontAlgn="auto" latinLnBrk="0" hangingPunct="0">
+              <a:lnSpc>
+                <a:spcPct val="100000"/>
+              </a:lnSpc>
+              <a:spcBef>
+                <a:spcPts val="0"/>
+              </a:spcBef>
+              <a:spcAft>
+                <a:spcPts val="0"/>
+              </a:spcAft>
+              <a:buClrTx/>
+              <a:buSzTx/>
+              <a:buFontTx/>
+              <a:buNone/>
+            </a:pPr>
+            <a:r>
+              <a:rPr kumimoji="0" lang="zh-CN" altLang="en-US" sz="2000" b="0" i="0" u="none" strike="noStrike" cap="none" spc="0" normalizeH="0" baseline="0" dirty="0" smtClean="0">
+                <a:solidFill>
+                  <a:schemeClr val="bg1">
+                    <a:lumMod val="50000"/>
+                  </a:schemeClr>
+                </a:solidFill>
+                <a:latin typeface="苹方-简" panose="020B0400000000000000" charset="-122"/>
+                <a:ea typeface="苹方-简" panose="020B0400000000000000" charset="-122"/>
+                <a:cs typeface="苹方-简" panose="020B0400000000000000" charset="-122"/>
+                <a:sym typeface="Times New Roman" panose="02020803070505020304"/>
+              </a:rPr>
+              <a:t>        "corp_name": "ToBDev李月喜",</a:t>
+            </a:r>
+            <a:endParaRPr kumimoji="0" lang="zh-CN" altLang="en-US" sz="2000" b="0" i="0" u="none" strike="noStrike" cap="none" spc="0" normalizeH="0" baseline="0" dirty="0" smtClean="0">
+              <a:solidFill>
+                <a:schemeClr val="bg1">
+                  <a:lumMod val="50000"/>
+                </a:schemeClr>
+              </a:solidFill>
+              <a:latin typeface="苹方-简" panose="020B0400000000000000" charset="-122"/>
+              <a:ea typeface="苹方-简" panose="020B0400000000000000" charset="-122"/>
+              <a:cs typeface="苹方-简" panose="020B0400000000000000" charset="-122"/>
+              <a:sym typeface="Times New Roman" panose="02020803070505020304"/>
+            </a:endParaRPr>
+          </a:p>
+          <a:p>
+            <a:pPr marL="0" marR="0" indent="0" algn="l" defTabSz="914400" rtl="0" fontAlgn="auto" latinLnBrk="0" hangingPunct="0">
+              <a:lnSpc>
+                <a:spcPct val="100000"/>
+              </a:lnSpc>
+              <a:spcBef>
+                <a:spcPts val="0"/>
+              </a:spcBef>
+              <a:spcAft>
+                <a:spcPts val="0"/>
+              </a:spcAft>
+              <a:buClrTx/>
+              <a:buSzTx/>
+              <a:buFontTx/>
+              <a:buNone/>
+            </a:pPr>
+            <a:r>
+              <a:rPr kumimoji="0" lang="zh-CN" altLang="en-US" sz="2000" b="0" i="0" u="none" strike="noStrike" cap="none" spc="0" normalizeH="0" baseline="0" dirty="0" smtClean="0">
+                <a:solidFill>
+                  <a:schemeClr val="bg1">
+                    <a:lumMod val="50000"/>
+                  </a:schemeClr>
+                </a:solidFill>
+                <a:latin typeface="苹方-简" panose="020B0400000000000000" charset="-122"/>
+                <a:ea typeface="苹方-简" panose="020B0400000000000000" charset="-122"/>
+                <a:cs typeface="苹方-简" panose="020B0400000000000000" charset="-122"/>
+                <a:sym typeface="Times New Roman" panose="02020803070505020304"/>
+              </a:rPr>
+              <a:t>        "corp_type": "unverified",</a:t>
+            </a:r>
+            <a:endParaRPr kumimoji="0" lang="zh-CN" altLang="en-US" sz="2000" b="0" i="0" u="none" strike="noStrike" cap="none" spc="0" normalizeH="0" baseline="0" dirty="0" smtClean="0">
+              <a:solidFill>
+                <a:schemeClr val="bg1">
+                  <a:lumMod val="50000"/>
+                </a:schemeClr>
+              </a:solidFill>
+              <a:latin typeface="苹方-简" panose="020B0400000000000000" charset="-122"/>
+              <a:ea typeface="苹方-简" panose="020B0400000000000000" charset="-122"/>
+              <a:cs typeface="苹方-简" panose="020B0400000000000000" charset="-122"/>
+              <a:sym typeface="Times New Roman" panose="02020803070505020304"/>
+            </a:endParaRPr>
+          </a:p>
+          <a:p>
+            <a:pPr marL="0" marR="0" indent="0" algn="l" defTabSz="914400" rtl="0" fontAlgn="auto" latinLnBrk="0" hangingPunct="0">
+              <a:lnSpc>
+                <a:spcPct val="100000"/>
+              </a:lnSpc>
+              <a:spcBef>
+                <a:spcPts val="0"/>
+              </a:spcBef>
+              <a:spcAft>
+                <a:spcPts val="0"/>
+              </a:spcAft>
+              <a:buClrTx/>
+              <a:buSzTx/>
+              <a:buFontTx/>
+              <a:buNone/>
+            </a:pPr>
+            <a:r>
+              <a:rPr kumimoji="0" lang="zh-CN" altLang="en-US" sz="2000" b="0" i="0" u="none" strike="noStrike" cap="none" spc="0" normalizeH="0" baseline="0" dirty="0" smtClean="0">
+                <a:solidFill>
+                  <a:schemeClr val="bg1">
+                    <a:lumMod val="50000"/>
+                  </a:schemeClr>
+                </a:solidFill>
+                <a:latin typeface="苹方-简" panose="020B0400000000000000" charset="-122"/>
+                <a:ea typeface="苹方-简" panose="020B0400000000000000" charset="-122"/>
+                <a:cs typeface="苹方-简" panose="020B0400000000000000" charset="-122"/>
+                <a:sym typeface="Times New Roman" panose="02020803070505020304"/>
+              </a:rPr>
+              <a:t>        "corp_round_logo_url": "https://wework.qpic.cn/wwpic/773052_ji6dX80sT76XZG9_1598797067/0",</a:t>
+            </a:r>
+            <a:endParaRPr kumimoji="0" lang="zh-CN" altLang="en-US" sz="2000" b="0" i="0" u="none" strike="noStrike" cap="none" spc="0" normalizeH="0" baseline="0" dirty="0" smtClean="0">
+              <a:solidFill>
+                <a:schemeClr val="bg1">
+                  <a:lumMod val="50000"/>
+                </a:schemeClr>
+              </a:solidFill>
+              <a:latin typeface="苹方-简" panose="020B0400000000000000" charset="-122"/>
+              <a:ea typeface="苹方-简" panose="020B0400000000000000" charset="-122"/>
+              <a:cs typeface="苹方-简" panose="020B0400000000000000" charset="-122"/>
+              <a:sym typeface="Times New Roman" panose="02020803070505020304"/>
+            </a:endParaRPr>
+          </a:p>
+          <a:p>
+            <a:pPr marL="0" marR="0" indent="0" algn="l" defTabSz="914400" rtl="0" fontAlgn="auto" latinLnBrk="0" hangingPunct="0">
+              <a:lnSpc>
+                <a:spcPct val="100000"/>
+              </a:lnSpc>
+              <a:spcBef>
+                <a:spcPts val="0"/>
+              </a:spcBef>
+              <a:spcAft>
+                <a:spcPts val="0"/>
+              </a:spcAft>
+              <a:buClrTx/>
+              <a:buSzTx/>
+              <a:buFontTx/>
+              <a:buNone/>
+            </a:pPr>
+            <a:r>
+              <a:rPr kumimoji="0" lang="zh-CN" altLang="en-US" sz="2000" b="0" i="0" u="none" strike="noStrike" cap="none" spc="0" normalizeH="0" baseline="0" dirty="0" smtClean="0">
+                <a:solidFill>
+                  <a:schemeClr val="bg1">
+                    <a:lumMod val="50000"/>
+                  </a:schemeClr>
+                </a:solidFill>
+                <a:latin typeface="苹方-简" panose="020B0400000000000000" charset="-122"/>
+                <a:ea typeface="苹方-简" panose="020B0400000000000000" charset="-122"/>
+                <a:cs typeface="苹方-简" panose="020B0400000000000000" charset="-122"/>
+                <a:sym typeface="Times New Roman" panose="02020803070505020304"/>
+              </a:rPr>
+              <a:t>        "corp_square_logo_url": "https://p.qlogo.cn/bizmail/lKt1bRlxFOiaRmH5lu8IGbRqib68aTWzQY9RibtylwsH9fhXDd75M6QlA/0",</a:t>
+            </a:r>
+            <a:endParaRPr kumimoji="0" lang="zh-CN" altLang="en-US" sz="2000" b="0" i="0" u="none" strike="noStrike" cap="none" spc="0" normalizeH="0" baseline="0" dirty="0" smtClean="0">
+              <a:solidFill>
+                <a:schemeClr val="bg1">
+                  <a:lumMod val="50000"/>
+                </a:schemeClr>
+              </a:solidFill>
+              <a:latin typeface="苹方-简" panose="020B0400000000000000" charset="-122"/>
+              <a:ea typeface="苹方-简" panose="020B0400000000000000" charset="-122"/>
+              <a:cs typeface="苹方-简" panose="020B0400000000000000" charset="-122"/>
+              <a:sym typeface="Times New Roman" panose="02020803070505020304"/>
+            </a:endParaRPr>
+          </a:p>
+          <a:p>
+            <a:pPr marL="0" marR="0" indent="0" algn="l" defTabSz="914400" rtl="0" fontAlgn="auto" latinLnBrk="0" hangingPunct="0">
+              <a:lnSpc>
+                <a:spcPct val="100000"/>
+              </a:lnSpc>
+              <a:spcBef>
+                <a:spcPts val="0"/>
+              </a:spcBef>
+              <a:spcAft>
+                <a:spcPts val="0"/>
+              </a:spcAft>
+              <a:buClrTx/>
+              <a:buSzTx/>
+              <a:buFontTx/>
+              <a:buNone/>
+            </a:pPr>
+            <a:r>
+              <a:rPr kumimoji="0" lang="zh-CN" altLang="en-US" sz="2000" b="0" i="0" u="none" strike="noStrike" cap="none" spc="0" normalizeH="0" baseline="0" dirty="0" smtClean="0">
+                <a:solidFill>
+                  <a:schemeClr val="bg1">
+                    <a:lumMod val="50000"/>
+                  </a:schemeClr>
+                </a:solidFill>
+                <a:latin typeface="苹方-简" panose="020B0400000000000000" charset="-122"/>
+                <a:ea typeface="苹方-简" panose="020B0400000000000000" charset="-122"/>
+                <a:cs typeface="苹方-简" panose="020B0400000000000000" charset="-122"/>
+                <a:sym typeface="Times New Roman" panose="02020803070505020304"/>
+              </a:rPr>
+              <a:t>        "corp_user_max": 200,</a:t>
+            </a:r>
+            <a:endParaRPr kumimoji="0" lang="zh-CN" altLang="en-US" sz="2000" b="0" i="0" u="none" strike="noStrike" cap="none" spc="0" normalizeH="0" baseline="0" dirty="0" smtClean="0">
+              <a:solidFill>
+                <a:schemeClr val="bg1">
+                  <a:lumMod val="50000"/>
+                </a:schemeClr>
+              </a:solidFill>
+              <a:latin typeface="苹方-简" panose="020B0400000000000000" charset="-122"/>
+              <a:ea typeface="苹方-简" panose="020B0400000000000000" charset="-122"/>
+              <a:cs typeface="苹方-简" panose="020B0400000000000000" charset="-122"/>
+              <a:sym typeface="Times New Roman" panose="02020803070505020304"/>
+            </a:endParaRPr>
+          </a:p>
+          <a:p>
+            <a:pPr marL="0" marR="0" indent="0" algn="l" defTabSz="914400" rtl="0" fontAlgn="auto" latinLnBrk="0" hangingPunct="0">
+              <a:lnSpc>
+                <a:spcPct val="100000"/>
+              </a:lnSpc>
+              <a:spcBef>
+                <a:spcPts val="0"/>
+              </a:spcBef>
+              <a:spcAft>
+                <a:spcPts val="0"/>
+              </a:spcAft>
+              <a:buClrTx/>
+              <a:buSzTx/>
+              <a:buFontTx/>
+              <a:buNone/>
+            </a:pPr>
+            <a:r>
+              <a:rPr kumimoji="0" lang="zh-CN" altLang="en-US" sz="2000" b="0" i="0" u="none" strike="noStrike" cap="none" spc="0" normalizeH="0" baseline="0" dirty="0" smtClean="0">
+                <a:solidFill>
+                  <a:schemeClr val="bg1">
+                    <a:lumMod val="50000"/>
+                  </a:schemeClr>
+                </a:solidFill>
+                <a:latin typeface="苹方-简" panose="020B0400000000000000" charset="-122"/>
+                <a:ea typeface="苹方-简" panose="020B0400000000000000" charset="-122"/>
+                <a:cs typeface="苹方-简" panose="020B0400000000000000" charset="-122"/>
+                <a:sym typeface="Times New Roman" panose="02020803070505020304"/>
+              </a:rPr>
+              <a:t>        "corp_wxqrcode": "https://wework.qpic.cn/wwpic/7446_-F29bhrTS-eulUt_1638805526/0",</a:t>
+            </a:r>
+            <a:endParaRPr kumimoji="0" lang="zh-CN" altLang="en-US" sz="2000" b="0" i="0" u="none" strike="noStrike" cap="none" spc="0" normalizeH="0" baseline="0" dirty="0" smtClean="0">
+              <a:solidFill>
+                <a:schemeClr val="bg1">
+                  <a:lumMod val="50000"/>
+                </a:schemeClr>
+              </a:solidFill>
+              <a:latin typeface="苹方-简" panose="020B0400000000000000" charset="-122"/>
+              <a:ea typeface="苹方-简" panose="020B0400000000000000" charset="-122"/>
+              <a:cs typeface="苹方-简" panose="020B0400000000000000" charset="-122"/>
+              <a:sym typeface="Times New Roman" panose="02020803070505020304"/>
+            </a:endParaRPr>
+          </a:p>
+          <a:p>
+            <a:pPr marL="0" marR="0" indent="0" algn="l" defTabSz="914400" rtl="0" fontAlgn="auto" latinLnBrk="0" hangingPunct="0">
+              <a:lnSpc>
+                <a:spcPct val="100000"/>
+              </a:lnSpc>
+              <a:spcBef>
+                <a:spcPts val="0"/>
+              </a:spcBef>
+              <a:spcAft>
+                <a:spcPts val="0"/>
+              </a:spcAft>
+              <a:buClrTx/>
+              <a:buSzTx/>
+              <a:buFontTx/>
+              <a:buNone/>
+            </a:pPr>
+            <a:r>
+              <a:rPr kumimoji="0" lang="zh-CN" altLang="en-US" sz="2000" b="0" i="0" u="none" strike="noStrike" cap="none" spc="0" normalizeH="0" baseline="0" dirty="0" smtClean="0">
+                <a:solidFill>
+                  <a:schemeClr val="bg1">
+                    <a:lumMod val="50000"/>
+                  </a:schemeClr>
+                </a:solidFill>
+                <a:latin typeface="苹方-简" panose="020B0400000000000000" charset="-122"/>
+                <a:ea typeface="苹方-简" panose="020B0400000000000000" charset="-122"/>
+                <a:cs typeface="苹方-简" panose="020B0400000000000000" charset="-122"/>
+                <a:sym typeface="Times New Roman" panose="02020803070505020304"/>
+              </a:rPr>
+              <a:t>        "subject_type": 1,</a:t>
+            </a:r>
+            <a:endParaRPr kumimoji="0" lang="zh-CN" altLang="en-US" sz="2000" b="0" i="0" u="none" strike="noStrike" cap="none" spc="0" normalizeH="0" baseline="0" dirty="0" smtClean="0">
+              <a:solidFill>
+                <a:schemeClr val="bg1">
+                  <a:lumMod val="50000"/>
+                </a:schemeClr>
+              </a:solidFill>
+              <a:latin typeface="苹方-简" panose="020B0400000000000000" charset="-122"/>
+              <a:ea typeface="苹方-简" panose="020B0400000000000000" charset="-122"/>
+              <a:cs typeface="苹方-简" panose="020B0400000000000000" charset="-122"/>
+              <a:sym typeface="Times New Roman" panose="02020803070505020304"/>
+            </a:endParaRPr>
+          </a:p>
+          <a:p>
+            <a:pPr marL="0" marR="0" indent="0" algn="l" defTabSz="914400" rtl="0" fontAlgn="auto" latinLnBrk="0" hangingPunct="0">
+              <a:lnSpc>
+                <a:spcPct val="100000"/>
+              </a:lnSpc>
+              <a:spcBef>
+                <a:spcPts val="0"/>
+              </a:spcBef>
+              <a:spcAft>
+                <a:spcPts val="0"/>
+              </a:spcAft>
+              <a:buClrTx/>
+              <a:buSzTx/>
+              <a:buFontTx/>
+              <a:buNone/>
+            </a:pPr>
+            <a:r>
+              <a:rPr kumimoji="0" lang="zh-CN" altLang="en-US" sz="2000" b="0" i="0" u="none" strike="noStrike" cap="none" spc="0" normalizeH="0" baseline="0" dirty="0" smtClean="0">
+                <a:solidFill>
+                  <a:schemeClr val="bg1">
+                    <a:lumMod val="50000"/>
+                  </a:schemeClr>
+                </a:solidFill>
+                <a:latin typeface="苹方-简" panose="020B0400000000000000" charset="-122"/>
+                <a:ea typeface="苹方-简" panose="020B0400000000000000" charset="-122"/>
+                <a:cs typeface="苹方-简" panose="020B0400000000000000" charset="-122"/>
+                <a:sym typeface="Times New Roman" panose="02020803070505020304"/>
+              </a:rPr>
+              <a:t>        "corp_scale": "1-50人",</a:t>
+            </a:r>
+            <a:endParaRPr kumimoji="0" lang="zh-CN" altLang="en-US" sz="2000" b="0" i="0" u="none" strike="noStrike" cap="none" spc="0" normalizeH="0" baseline="0" dirty="0" smtClean="0">
+              <a:solidFill>
+                <a:schemeClr val="bg1">
+                  <a:lumMod val="50000"/>
+                </a:schemeClr>
+              </a:solidFill>
+              <a:latin typeface="苹方-简" panose="020B0400000000000000" charset="-122"/>
+              <a:ea typeface="苹方-简" panose="020B0400000000000000" charset="-122"/>
+              <a:cs typeface="苹方-简" panose="020B0400000000000000" charset="-122"/>
+              <a:sym typeface="Times New Roman" panose="02020803070505020304"/>
+            </a:endParaRPr>
+          </a:p>
+          <a:p>
+            <a:pPr marL="0" marR="0" indent="0" algn="l" defTabSz="914400" rtl="0" fontAlgn="auto" latinLnBrk="0" hangingPunct="0">
+              <a:lnSpc>
+                <a:spcPct val="100000"/>
+              </a:lnSpc>
+              <a:spcBef>
+                <a:spcPts val="0"/>
+              </a:spcBef>
+              <a:spcAft>
+                <a:spcPts val="0"/>
+              </a:spcAft>
+              <a:buClrTx/>
+              <a:buSzTx/>
+              <a:buFontTx/>
+              <a:buNone/>
+            </a:pPr>
+            <a:r>
+              <a:rPr kumimoji="0" lang="zh-CN" altLang="en-US" sz="2000" b="0" i="0" u="none" strike="noStrike" cap="none" spc="0" normalizeH="0" baseline="0" dirty="0" smtClean="0">
+                <a:solidFill>
+                  <a:schemeClr val="bg1">
+                    <a:lumMod val="50000"/>
+                  </a:schemeClr>
+                </a:solidFill>
+                <a:latin typeface="苹方-简" panose="020B0400000000000000" charset="-122"/>
+                <a:ea typeface="苹方-简" panose="020B0400000000000000" charset="-122"/>
+                <a:cs typeface="苹方-简" panose="020B0400000000000000" charset="-122"/>
+                <a:sym typeface="Times New Roman" panose="02020803070505020304"/>
+              </a:rPr>
+              <a:t>        "corp_industry": "教育",</a:t>
+            </a:r>
+            <a:endParaRPr kumimoji="0" lang="zh-CN" altLang="en-US" sz="2000" b="0" i="0" u="none" strike="noStrike" cap="none" spc="0" normalizeH="0" baseline="0" dirty="0" smtClean="0">
+              <a:solidFill>
+                <a:schemeClr val="bg1">
+                  <a:lumMod val="50000"/>
+                </a:schemeClr>
+              </a:solidFill>
+              <a:latin typeface="苹方-简" panose="020B0400000000000000" charset="-122"/>
+              <a:ea typeface="苹方-简" panose="020B0400000000000000" charset="-122"/>
+              <a:cs typeface="苹方-简" panose="020B0400000000000000" charset="-122"/>
+              <a:sym typeface="Times New Roman" panose="02020803070505020304"/>
+            </a:endParaRPr>
+          </a:p>
+          <a:p>
+            <a:pPr marL="0" marR="0" indent="0" algn="l" defTabSz="914400" rtl="0" fontAlgn="auto" latinLnBrk="0" hangingPunct="0">
+              <a:lnSpc>
+                <a:spcPct val="100000"/>
+              </a:lnSpc>
+              <a:spcBef>
+                <a:spcPts val="0"/>
+              </a:spcBef>
+              <a:spcAft>
+                <a:spcPts val="0"/>
+              </a:spcAft>
+              <a:buClrTx/>
+              <a:buSzTx/>
+              <a:buFontTx/>
+              <a:buNone/>
+            </a:pPr>
+            <a:r>
+              <a:rPr kumimoji="0" lang="zh-CN" altLang="en-US" sz="2000" b="0" i="0" u="none" strike="noStrike" cap="none" spc="0" normalizeH="0" baseline="0" dirty="0" smtClean="0">
+                <a:solidFill>
+                  <a:schemeClr val="bg1">
+                    <a:lumMod val="50000"/>
+                  </a:schemeClr>
+                </a:solidFill>
+                <a:latin typeface="苹方-简" panose="020B0400000000000000" charset="-122"/>
+                <a:ea typeface="苹方-简" panose="020B0400000000000000" charset="-122"/>
+                <a:cs typeface="苹方-简" panose="020B0400000000000000" charset="-122"/>
+                <a:sym typeface="Times New Roman" panose="02020803070505020304"/>
+              </a:rPr>
+              <a:t>        "corp_sub_industry": "其他",</a:t>
+            </a:r>
+            <a:endParaRPr kumimoji="0" lang="zh-CN" altLang="en-US" sz="2000" b="0" i="0" u="none" strike="noStrike" cap="none" spc="0" normalizeH="0" baseline="0" dirty="0" smtClean="0">
+              <a:solidFill>
+                <a:schemeClr val="bg1">
+                  <a:lumMod val="50000"/>
+                </a:schemeClr>
+              </a:solidFill>
+              <a:latin typeface="苹方-简" panose="020B0400000000000000" charset="-122"/>
+              <a:ea typeface="苹方-简" panose="020B0400000000000000" charset="-122"/>
+              <a:cs typeface="苹方-简" panose="020B0400000000000000" charset="-122"/>
+              <a:sym typeface="Times New Roman" panose="02020803070505020304"/>
+            </a:endParaRPr>
+          </a:p>
+          <a:p>
+            <a:pPr marL="0" marR="0" indent="0" algn="l" defTabSz="914400" rtl="0" fontAlgn="auto" latinLnBrk="0" hangingPunct="0">
+              <a:lnSpc>
+                <a:spcPct val="100000"/>
+              </a:lnSpc>
+              <a:spcBef>
+                <a:spcPts val="0"/>
+              </a:spcBef>
+              <a:spcAft>
+                <a:spcPts val="0"/>
+              </a:spcAft>
+              <a:buClrTx/>
+              <a:buSzTx/>
+              <a:buFontTx/>
+              <a:buNone/>
+            </a:pPr>
+            <a:r>
+              <a:rPr kumimoji="0" lang="zh-CN" altLang="en-US" sz="2000" b="0" i="0" u="none" strike="noStrike" cap="none" spc="0" normalizeH="0" baseline="0" dirty="0" smtClean="0">
+                <a:solidFill>
+                  <a:schemeClr val="bg1">
+                    <a:lumMod val="50000"/>
+                  </a:schemeClr>
+                </a:solidFill>
+                <a:latin typeface="苹方-简" panose="020B0400000000000000" charset="-122"/>
+                <a:ea typeface="苹方-简" panose="020B0400000000000000" charset="-122"/>
+                <a:cs typeface="苹方-简" panose="020B0400000000000000" charset="-122"/>
+                <a:sym typeface="Times New Roman" panose="02020803070505020304"/>
+              </a:rPr>
+              <a:t>        "location": ""</a:t>
+            </a:r>
+            <a:endParaRPr kumimoji="0" lang="zh-CN" altLang="en-US" sz="2000" b="0" i="0" u="none" strike="noStrike" cap="none" spc="0" normalizeH="0" baseline="0" dirty="0" smtClean="0">
+              <a:solidFill>
+                <a:schemeClr val="bg1">
+                  <a:lumMod val="50000"/>
+                </a:schemeClr>
+              </a:solidFill>
+              <a:latin typeface="苹方-简" panose="020B0400000000000000" charset="-122"/>
+              <a:ea typeface="苹方-简" panose="020B0400000000000000" charset="-122"/>
+              <a:cs typeface="苹方-简" panose="020B0400000000000000" charset="-122"/>
+              <a:sym typeface="Times New Roman" panose="02020803070505020304"/>
+            </a:endParaRPr>
+          </a:p>
+          <a:p>
+            <a:pPr marL="0" marR="0" indent="0" algn="l" defTabSz="914400" rtl="0" fontAlgn="auto" latinLnBrk="0" hangingPunct="0">
+              <a:lnSpc>
+                <a:spcPct val="100000"/>
+              </a:lnSpc>
+              <a:spcBef>
+                <a:spcPts val="0"/>
+              </a:spcBef>
+              <a:spcAft>
+                <a:spcPts val="0"/>
+              </a:spcAft>
+              <a:buClrTx/>
+              <a:buSzTx/>
+              <a:buFontTx/>
+              <a:buNone/>
+            </a:pPr>
+            <a:r>
+              <a:rPr kumimoji="0" lang="zh-CN" altLang="en-US" sz="2000" b="0" i="0" u="none" strike="noStrike" cap="none" spc="0" normalizeH="0" baseline="0" dirty="0" smtClean="0">
+                <a:solidFill>
+                  <a:schemeClr val="bg1">
+                    <a:lumMod val="50000"/>
+                  </a:schemeClr>
+                </a:solidFill>
+                <a:latin typeface="苹方-简" panose="020B0400000000000000" charset="-122"/>
+                <a:ea typeface="苹方-简" panose="020B0400000000000000" charset="-122"/>
+                <a:cs typeface="苹方-简" panose="020B0400000000000000" charset="-122"/>
+                <a:sym typeface="Times New Roman" panose="02020803070505020304"/>
+              </a:rPr>
+              <a:t>    },</a:t>
+            </a:r>
+            <a:endParaRPr kumimoji="0" lang="zh-CN" altLang="en-US" sz="2000" b="0" i="0" u="none" strike="noStrike" cap="none" spc="0" normalizeH="0" baseline="0" dirty="0" smtClean="0">
+              <a:solidFill>
+                <a:schemeClr val="bg1">
+                  <a:lumMod val="50000"/>
+                </a:schemeClr>
+              </a:solidFill>
+              <a:latin typeface="苹方-简" panose="020B0400000000000000" charset="-122"/>
+              <a:ea typeface="苹方-简" panose="020B0400000000000000" charset="-122"/>
+              <a:cs typeface="苹方-简" panose="020B0400000000000000" charset="-122"/>
+              <a:sym typeface="Times New Roman" panose="02020803070505020304"/>
+            </a:endParaRPr>
+          </a:p>
+          <a:p>
+            <a:pPr marL="0" marR="0" indent="0" algn="l" defTabSz="914400" rtl="0" fontAlgn="auto" latinLnBrk="0" hangingPunct="0">
+              <a:lnSpc>
+                <a:spcPct val="100000"/>
+              </a:lnSpc>
+              <a:spcBef>
+                <a:spcPts val="0"/>
+              </a:spcBef>
+              <a:spcAft>
+                <a:spcPts val="0"/>
+              </a:spcAft>
+              <a:buClrTx/>
+              <a:buSzTx/>
+              <a:buFontTx/>
+              <a:buNone/>
+            </a:pPr>
+            <a:r>
+              <a:rPr kumimoji="0" lang="zh-CN" altLang="en-US" sz="2000" b="0" i="0" u="none" strike="noStrike" cap="none" spc="0" normalizeH="0" baseline="0" dirty="0" smtClean="0">
+                <a:solidFill>
+                  <a:schemeClr val="bg1">
+                    <a:lumMod val="50000"/>
+                  </a:schemeClr>
+                </a:solidFill>
+                <a:latin typeface="苹方-简" panose="020B0400000000000000" charset="-122"/>
+                <a:ea typeface="苹方-简" panose="020B0400000000000000" charset="-122"/>
+                <a:cs typeface="苹方-简" panose="020B0400000000000000" charset="-122"/>
+                <a:sym typeface="Times New Roman" panose="02020803070505020304"/>
+              </a:rPr>
+              <a:t>    "auth_info": {</a:t>
+            </a:r>
+            <a:endParaRPr kumimoji="0" lang="zh-CN" altLang="en-US" sz="2000" b="0" i="0" u="none" strike="noStrike" cap="none" spc="0" normalizeH="0" baseline="0" dirty="0" smtClean="0">
+              <a:solidFill>
+                <a:schemeClr val="bg1">
+                  <a:lumMod val="50000"/>
+                </a:schemeClr>
+              </a:solidFill>
+              <a:latin typeface="苹方-简" panose="020B0400000000000000" charset="-122"/>
+              <a:ea typeface="苹方-简" panose="020B0400000000000000" charset="-122"/>
+              <a:cs typeface="苹方-简" panose="020B0400000000000000" charset="-122"/>
+              <a:sym typeface="Times New Roman" panose="02020803070505020304"/>
+            </a:endParaRPr>
+          </a:p>
+          <a:p>
+            <a:pPr marL="0" marR="0" indent="0" algn="l" defTabSz="914400" rtl="0" fontAlgn="auto" latinLnBrk="0" hangingPunct="0">
+              <a:lnSpc>
+                <a:spcPct val="100000"/>
+              </a:lnSpc>
+              <a:spcBef>
+                <a:spcPts val="0"/>
+              </a:spcBef>
+              <a:spcAft>
+                <a:spcPts val="0"/>
+              </a:spcAft>
+              <a:buClrTx/>
+              <a:buSzTx/>
+              <a:buFontTx/>
+              <a:buNone/>
+            </a:pPr>
+            <a:r>
+              <a:rPr kumimoji="0" lang="zh-CN" altLang="en-US" sz="2000" b="0" i="0" u="none" strike="noStrike" cap="none" spc="0" normalizeH="0" baseline="0" dirty="0" smtClean="0">
+                <a:solidFill>
+                  <a:schemeClr val="bg1">
+                    <a:lumMod val="50000"/>
+                  </a:schemeClr>
+                </a:solidFill>
+                <a:latin typeface="苹方-简" panose="020B0400000000000000" charset="-122"/>
+                <a:ea typeface="苹方-简" panose="020B0400000000000000" charset="-122"/>
+                <a:cs typeface="苹方-简" panose="020B0400000000000000" charset="-122"/>
+                <a:sym typeface="Times New Roman" panose="02020803070505020304"/>
+              </a:rPr>
+              <a:t>        "agent": [</a:t>
+            </a:r>
+            <a:endParaRPr kumimoji="0" lang="zh-CN" altLang="en-US" sz="2000" b="0" i="0" u="none" strike="noStrike" cap="none" spc="0" normalizeH="0" baseline="0" dirty="0" smtClean="0">
+              <a:solidFill>
+                <a:schemeClr val="bg1">
+                  <a:lumMod val="50000"/>
+                </a:schemeClr>
+              </a:solidFill>
+              <a:latin typeface="苹方-简" panose="020B0400000000000000" charset="-122"/>
+              <a:ea typeface="苹方-简" panose="020B0400000000000000" charset="-122"/>
+              <a:cs typeface="苹方-简" panose="020B0400000000000000" charset="-122"/>
+              <a:sym typeface="Times New Roman" panose="02020803070505020304"/>
+            </a:endParaRPr>
+          </a:p>
+          <a:p>
+            <a:pPr marL="0" marR="0" indent="0" algn="l" defTabSz="914400" rtl="0" fontAlgn="auto" latinLnBrk="0" hangingPunct="0">
+              <a:lnSpc>
+                <a:spcPct val="100000"/>
+              </a:lnSpc>
+              <a:spcBef>
+                <a:spcPts val="0"/>
+              </a:spcBef>
+              <a:spcAft>
+                <a:spcPts val="0"/>
+              </a:spcAft>
+              <a:buClrTx/>
+              <a:buSzTx/>
+              <a:buFontTx/>
+              <a:buNone/>
+            </a:pPr>
+            <a:r>
+              <a:rPr kumimoji="0" lang="zh-CN" altLang="en-US" sz="2000" b="0" i="0" u="none" strike="noStrike" cap="none" spc="0" normalizeH="0" baseline="0" dirty="0" smtClean="0">
+                <a:solidFill>
+                  <a:schemeClr val="bg1">
+                    <a:lumMod val="50000"/>
+                  </a:schemeClr>
+                </a:solidFill>
+                <a:latin typeface="苹方-简" panose="020B0400000000000000" charset="-122"/>
+                <a:ea typeface="苹方-简" panose="020B0400000000000000" charset="-122"/>
+                <a:cs typeface="苹方-简" panose="020B0400000000000000" charset="-122"/>
+                <a:sym typeface="Times New Roman" panose="02020803070505020304"/>
+              </a:rPr>
+              <a:t>            {</a:t>
+            </a:r>
+            <a:endParaRPr kumimoji="0" lang="zh-CN" altLang="en-US" sz="2000" b="0" i="0" u="none" strike="noStrike" cap="none" spc="0" normalizeH="0" baseline="0" dirty="0" smtClean="0">
+              <a:solidFill>
+                <a:schemeClr val="bg1">
+                  <a:lumMod val="50000"/>
+                </a:schemeClr>
+              </a:solidFill>
+              <a:latin typeface="苹方-简" panose="020B0400000000000000" charset="-122"/>
+              <a:ea typeface="苹方-简" panose="020B0400000000000000" charset="-122"/>
+              <a:cs typeface="苹方-简" panose="020B0400000000000000" charset="-122"/>
+              <a:sym typeface="Times New Roman" panose="02020803070505020304"/>
+            </a:endParaRPr>
+          </a:p>
+          <a:p>
+            <a:pPr marL="0" marR="0" indent="0" algn="l" defTabSz="914400" rtl="0" fontAlgn="auto" latinLnBrk="0" hangingPunct="0">
+              <a:lnSpc>
+                <a:spcPct val="100000"/>
+              </a:lnSpc>
+              <a:spcBef>
+                <a:spcPts val="0"/>
+              </a:spcBef>
+              <a:spcAft>
+                <a:spcPts val="0"/>
+              </a:spcAft>
+              <a:buClrTx/>
+              <a:buSzTx/>
+              <a:buFontTx/>
+              <a:buNone/>
+            </a:pPr>
+            <a:r>
+              <a:rPr kumimoji="0" lang="zh-CN" altLang="en-US" sz="2000" b="0" i="0" u="none" strike="noStrike" cap="none" spc="0" normalizeH="0" baseline="0" dirty="0" smtClean="0">
+                <a:solidFill>
+                  <a:schemeClr val="bg1">
+                    <a:lumMod val="50000"/>
+                  </a:schemeClr>
+                </a:solidFill>
+                <a:latin typeface="苹方-简" panose="020B0400000000000000" charset="-122"/>
+                <a:ea typeface="苹方-简" panose="020B0400000000000000" charset="-122"/>
+                <a:cs typeface="苹方-简" panose="020B0400000000000000" charset="-122"/>
+                <a:sym typeface="Times New Roman" panose="02020803070505020304"/>
+              </a:rPr>
+              <a:t>                "agentid": 1000063,</a:t>
+            </a:r>
+            <a:endParaRPr kumimoji="0" lang="zh-CN" altLang="en-US" sz="2000" b="0" i="0" u="none" strike="noStrike" cap="none" spc="0" normalizeH="0" baseline="0" dirty="0" smtClean="0">
+              <a:solidFill>
+                <a:schemeClr val="bg1">
+                  <a:lumMod val="50000"/>
+                </a:schemeClr>
+              </a:solidFill>
+              <a:latin typeface="苹方-简" panose="020B0400000000000000" charset="-122"/>
+              <a:ea typeface="苹方-简" panose="020B0400000000000000" charset="-122"/>
+              <a:cs typeface="苹方-简" panose="020B0400000000000000" charset="-122"/>
+              <a:sym typeface="Times New Roman" panose="02020803070505020304"/>
+            </a:endParaRPr>
+          </a:p>
+          <a:p>
+            <a:pPr marL="0" marR="0" indent="0" algn="l" defTabSz="914400" rtl="0" fontAlgn="auto" latinLnBrk="0" hangingPunct="0">
+              <a:lnSpc>
+                <a:spcPct val="100000"/>
+              </a:lnSpc>
+              <a:spcBef>
+                <a:spcPts val="0"/>
+              </a:spcBef>
+              <a:spcAft>
+                <a:spcPts val="0"/>
+              </a:spcAft>
+              <a:buClrTx/>
+              <a:buSzTx/>
+              <a:buFontTx/>
+              <a:buNone/>
+            </a:pPr>
+            <a:r>
+              <a:rPr kumimoji="0" lang="zh-CN" altLang="en-US" sz="2000" b="0" i="0" u="none" strike="noStrike" cap="none" spc="0" normalizeH="0" baseline="0" dirty="0" smtClean="0">
+                <a:solidFill>
+                  <a:schemeClr val="bg1">
+                    <a:lumMod val="50000"/>
+                  </a:schemeClr>
+                </a:solidFill>
+                <a:latin typeface="苹方-简" panose="020B0400000000000000" charset="-122"/>
+                <a:ea typeface="苹方-简" panose="020B0400000000000000" charset="-122"/>
+                <a:cs typeface="苹方-简" panose="020B0400000000000000" charset="-122"/>
+                <a:sym typeface="Times New Roman" panose="02020803070505020304"/>
+              </a:rPr>
+              <a:t>                "name": "ToB Dev",</a:t>
+            </a:r>
+            <a:endParaRPr kumimoji="0" lang="zh-CN" altLang="en-US" sz="2000" b="0" i="0" u="none" strike="noStrike" cap="none" spc="0" normalizeH="0" baseline="0" dirty="0" smtClean="0">
+              <a:solidFill>
+                <a:schemeClr val="bg1">
+                  <a:lumMod val="50000"/>
+                </a:schemeClr>
+              </a:solidFill>
+              <a:latin typeface="苹方-简" panose="020B0400000000000000" charset="-122"/>
+              <a:ea typeface="苹方-简" panose="020B0400000000000000" charset="-122"/>
+              <a:cs typeface="苹方-简" panose="020B0400000000000000" charset="-122"/>
+              <a:sym typeface="Times New Roman" panose="02020803070505020304"/>
+            </a:endParaRPr>
+          </a:p>
+          <a:p>
+            <a:pPr marL="0" marR="0" indent="0" algn="l" defTabSz="914400" rtl="0" fontAlgn="auto" latinLnBrk="0" hangingPunct="0">
+              <a:lnSpc>
+                <a:spcPct val="100000"/>
+              </a:lnSpc>
+              <a:spcBef>
+                <a:spcPts val="0"/>
+              </a:spcBef>
+              <a:spcAft>
+                <a:spcPts val="0"/>
+              </a:spcAft>
+              <a:buClrTx/>
+              <a:buSzTx/>
+              <a:buFontTx/>
+              <a:buNone/>
+            </a:pPr>
+            <a:r>
+              <a:rPr kumimoji="0" lang="zh-CN" altLang="en-US" sz="2000" b="0" i="0" u="none" strike="noStrike" cap="none" spc="0" normalizeH="0" baseline="0" dirty="0" smtClean="0">
+                <a:solidFill>
+                  <a:schemeClr val="bg1">
+                    <a:lumMod val="50000"/>
+                  </a:schemeClr>
+                </a:solidFill>
+                <a:latin typeface="苹方-简" panose="020B0400000000000000" charset="-122"/>
+                <a:ea typeface="苹方-简" panose="020B0400000000000000" charset="-122"/>
+                <a:cs typeface="苹方-简" panose="020B0400000000000000" charset="-122"/>
+                <a:sym typeface="Times New Roman" panose="02020803070505020304"/>
+              </a:rPr>
+              <a:t>                "square_logo_url": "https://wework.qpic.cn/bizmail/nDiaoF2008iboG1NIsQd5YpNJDvniazCGwIziccvgNc98RWxPU2VI6pefA/0",</a:t>
+            </a:r>
+            <a:endParaRPr kumimoji="0" lang="zh-CN" altLang="en-US" sz="2000" b="0" i="0" u="none" strike="noStrike" cap="none" spc="0" normalizeH="0" baseline="0" dirty="0" smtClean="0">
+              <a:solidFill>
+                <a:schemeClr val="bg1">
+                  <a:lumMod val="50000"/>
+                </a:schemeClr>
+              </a:solidFill>
+              <a:latin typeface="苹方-简" panose="020B0400000000000000" charset="-122"/>
+              <a:ea typeface="苹方-简" panose="020B0400000000000000" charset="-122"/>
+              <a:cs typeface="苹方-简" panose="020B0400000000000000" charset="-122"/>
+              <a:sym typeface="Times New Roman" panose="02020803070505020304"/>
+            </a:endParaRPr>
+          </a:p>
+          <a:p>
+            <a:pPr marL="0" marR="0" indent="0" algn="l" defTabSz="914400" rtl="0" fontAlgn="auto" latinLnBrk="0" hangingPunct="0">
+              <a:lnSpc>
+                <a:spcPct val="100000"/>
+              </a:lnSpc>
+              <a:spcBef>
+                <a:spcPts val="0"/>
+              </a:spcBef>
+              <a:spcAft>
+                <a:spcPts val="0"/>
+              </a:spcAft>
+              <a:buClrTx/>
+              <a:buSzTx/>
+              <a:buFontTx/>
+              <a:buNone/>
+            </a:pPr>
+            <a:r>
+              <a:rPr kumimoji="0" lang="zh-CN" altLang="en-US" sz="2000" b="0" i="0" u="none" strike="noStrike" cap="none" spc="0" normalizeH="0" baseline="0" dirty="0" smtClean="0">
+                <a:solidFill>
+                  <a:schemeClr val="bg1">
+                    <a:lumMod val="50000"/>
+                  </a:schemeClr>
+                </a:solidFill>
+                <a:latin typeface="苹方-简" panose="020B0400000000000000" charset="-122"/>
+                <a:ea typeface="苹方-简" panose="020B0400000000000000" charset="-122"/>
+                <a:cs typeface="苹方-简" panose="020B0400000000000000" charset="-122"/>
+                <a:sym typeface="Times New Roman" panose="02020803070505020304"/>
+              </a:rPr>
+              <a:t>                "privilege": {</a:t>
+            </a:r>
+            <a:endParaRPr kumimoji="0" lang="zh-CN" altLang="en-US" sz="2000" b="0" i="0" u="none" strike="noStrike" cap="none" spc="0" normalizeH="0" baseline="0" dirty="0" smtClean="0">
+              <a:solidFill>
+                <a:schemeClr val="bg1">
+                  <a:lumMod val="50000"/>
+                </a:schemeClr>
+              </a:solidFill>
+              <a:latin typeface="苹方-简" panose="020B0400000000000000" charset="-122"/>
+              <a:ea typeface="苹方-简" panose="020B0400000000000000" charset="-122"/>
+              <a:cs typeface="苹方-简" panose="020B0400000000000000" charset="-122"/>
+              <a:sym typeface="Times New Roman" panose="02020803070505020304"/>
+            </a:endParaRPr>
+          </a:p>
+          <a:p>
+            <a:pPr marL="0" marR="0" indent="0" algn="l" defTabSz="914400" rtl="0" fontAlgn="auto" latinLnBrk="0" hangingPunct="0">
+              <a:lnSpc>
+                <a:spcPct val="100000"/>
+              </a:lnSpc>
+              <a:spcBef>
+                <a:spcPts val="0"/>
+              </a:spcBef>
+              <a:spcAft>
+                <a:spcPts val="0"/>
+              </a:spcAft>
+              <a:buClrTx/>
+              <a:buSzTx/>
+              <a:buFontTx/>
+              <a:buNone/>
+            </a:pPr>
+            <a:r>
+              <a:rPr kumimoji="0" lang="zh-CN" altLang="en-US" sz="2000" b="0" i="0" u="none" strike="noStrike" cap="none" spc="0" normalizeH="0" baseline="0" dirty="0" smtClean="0">
+                <a:solidFill>
+                  <a:schemeClr val="bg1">
+                    <a:lumMod val="50000"/>
+                  </a:schemeClr>
+                </a:solidFill>
+                <a:latin typeface="苹方-简" panose="020B0400000000000000" charset="-122"/>
+                <a:ea typeface="苹方-简" panose="020B0400000000000000" charset="-122"/>
+                <a:cs typeface="苹方-简" panose="020B0400000000000000" charset="-122"/>
+                <a:sym typeface="Times New Roman" panose="02020803070505020304"/>
+              </a:rPr>
+              <a:t>                    "level": 0,</a:t>
+            </a:r>
+            <a:endParaRPr kumimoji="0" lang="zh-CN" altLang="en-US" sz="2000" b="0" i="0" u="none" strike="noStrike" cap="none" spc="0" normalizeH="0" baseline="0" dirty="0" smtClean="0">
+              <a:solidFill>
+                <a:schemeClr val="bg1">
+                  <a:lumMod val="50000"/>
+                </a:schemeClr>
+              </a:solidFill>
+              <a:latin typeface="苹方-简" panose="020B0400000000000000" charset="-122"/>
+              <a:ea typeface="苹方-简" panose="020B0400000000000000" charset="-122"/>
+              <a:cs typeface="苹方-简" panose="020B0400000000000000" charset="-122"/>
+              <a:sym typeface="Times New Roman" panose="02020803070505020304"/>
+            </a:endParaRPr>
+          </a:p>
+          <a:p>
+            <a:pPr marL="0" marR="0" indent="0" algn="l" defTabSz="914400" rtl="0" fontAlgn="auto" latinLnBrk="0" hangingPunct="0">
+              <a:lnSpc>
+                <a:spcPct val="100000"/>
+              </a:lnSpc>
+              <a:spcBef>
+                <a:spcPts val="0"/>
+              </a:spcBef>
+              <a:spcAft>
+                <a:spcPts val="0"/>
+              </a:spcAft>
+              <a:buClrTx/>
+              <a:buSzTx/>
+              <a:buFontTx/>
+              <a:buNone/>
+            </a:pPr>
+            <a:r>
+              <a:rPr kumimoji="0" lang="zh-CN" altLang="en-US" sz="2000" b="0" i="0" u="none" strike="noStrike" cap="none" spc="0" normalizeH="0" baseline="0" dirty="0" smtClean="0">
+                <a:solidFill>
+                  <a:schemeClr val="bg1">
+                    <a:lumMod val="50000"/>
+                  </a:schemeClr>
+                </a:solidFill>
+                <a:latin typeface="苹方-简" panose="020B0400000000000000" charset="-122"/>
+                <a:ea typeface="苹方-简" panose="020B0400000000000000" charset="-122"/>
+                <a:cs typeface="苹方-简" panose="020B0400000000000000" charset="-122"/>
+                <a:sym typeface="Times New Roman" panose="02020803070505020304"/>
+              </a:rPr>
+              <a:t>                    "allow_party": [],</a:t>
+            </a:r>
+            <a:endParaRPr kumimoji="0" lang="zh-CN" altLang="en-US" sz="2000" b="0" i="0" u="none" strike="noStrike" cap="none" spc="0" normalizeH="0" baseline="0" dirty="0" smtClean="0">
+              <a:solidFill>
+                <a:schemeClr val="bg1">
+                  <a:lumMod val="50000"/>
+                </a:schemeClr>
+              </a:solidFill>
+              <a:latin typeface="苹方-简" panose="020B0400000000000000" charset="-122"/>
+              <a:ea typeface="苹方-简" panose="020B0400000000000000" charset="-122"/>
+              <a:cs typeface="苹方-简" panose="020B0400000000000000" charset="-122"/>
+              <a:sym typeface="Times New Roman" panose="02020803070505020304"/>
+            </a:endParaRPr>
+          </a:p>
+          <a:p>
+            <a:pPr marL="0" marR="0" indent="0" algn="l" defTabSz="914400" rtl="0" fontAlgn="auto" latinLnBrk="0" hangingPunct="0">
+              <a:lnSpc>
+                <a:spcPct val="100000"/>
+              </a:lnSpc>
+              <a:spcBef>
+                <a:spcPts val="0"/>
+              </a:spcBef>
+              <a:spcAft>
+                <a:spcPts val="0"/>
+              </a:spcAft>
+              <a:buClrTx/>
+              <a:buSzTx/>
+              <a:buFontTx/>
+              <a:buNone/>
+            </a:pPr>
+            <a:r>
+              <a:rPr kumimoji="0" lang="zh-CN" altLang="en-US" sz="2000" b="0" i="0" u="none" strike="noStrike" cap="none" spc="0" normalizeH="0" baseline="0" dirty="0" smtClean="0">
+                <a:solidFill>
+                  <a:schemeClr val="bg1">
+                    <a:lumMod val="50000"/>
+                  </a:schemeClr>
+                </a:solidFill>
+                <a:latin typeface="苹方-简" panose="020B0400000000000000" charset="-122"/>
+                <a:ea typeface="苹方-简" panose="020B0400000000000000" charset="-122"/>
+                <a:cs typeface="苹方-简" panose="020B0400000000000000" charset="-122"/>
+                <a:sym typeface="Times New Roman" panose="02020803070505020304"/>
+              </a:rPr>
+              <a:t>                    "allow_user": [],</a:t>
+            </a:r>
+            <a:endParaRPr kumimoji="0" lang="zh-CN" altLang="en-US" sz="2000" b="0" i="0" u="none" strike="noStrike" cap="none" spc="0" normalizeH="0" baseline="0" dirty="0" smtClean="0">
+              <a:solidFill>
+                <a:schemeClr val="bg1">
+                  <a:lumMod val="50000"/>
+                </a:schemeClr>
+              </a:solidFill>
+              <a:latin typeface="苹方-简" panose="020B0400000000000000" charset="-122"/>
+              <a:ea typeface="苹方-简" panose="020B0400000000000000" charset="-122"/>
+              <a:cs typeface="苹方-简" panose="020B0400000000000000" charset="-122"/>
+              <a:sym typeface="Times New Roman" panose="02020803070505020304"/>
+            </a:endParaRPr>
+          </a:p>
+          <a:p>
+            <a:pPr marL="0" marR="0" indent="0" algn="l" defTabSz="914400" rtl="0" fontAlgn="auto" latinLnBrk="0" hangingPunct="0">
+              <a:lnSpc>
+                <a:spcPct val="100000"/>
+              </a:lnSpc>
+              <a:spcBef>
+                <a:spcPts val="0"/>
+              </a:spcBef>
+              <a:spcAft>
+                <a:spcPts val="0"/>
+              </a:spcAft>
+              <a:buClrTx/>
+              <a:buSzTx/>
+              <a:buFontTx/>
+              <a:buNone/>
+            </a:pPr>
+            <a:r>
+              <a:rPr kumimoji="0" lang="zh-CN" altLang="en-US" sz="2000" b="0" i="0" u="none" strike="noStrike" cap="none" spc="0" normalizeH="0" baseline="0" dirty="0" smtClean="0">
+                <a:solidFill>
+                  <a:schemeClr val="bg1">
+                    <a:lumMod val="50000"/>
+                  </a:schemeClr>
+                </a:solidFill>
+                <a:latin typeface="苹方-简" panose="020B0400000000000000" charset="-122"/>
+                <a:ea typeface="苹方-简" panose="020B0400000000000000" charset="-122"/>
+                <a:cs typeface="苹方-简" panose="020B0400000000000000" charset="-122"/>
+                <a:sym typeface="Times New Roman" panose="02020803070505020304"/>
+              </a:rPr>
+              <a:t>                    "allow_tag": [],</a:t>
+            </a:r>
+            <a:endParaRPr kumimoji="0" lang="zh-CN" altLang="en-US" sz="2000" b="0" i="0" u="none" strike="noStrike" cap="none" spc="0" normalizeH="0" baseline="0" dirty="0" smtClean="0">
+              <a:solidFill>
+                <a:schemeClr val="bg1">
+                  <a:lumMod val="50000"/>
+                </a:schemeClr>
+              </a:solidFill>
+              <a:latin typeface="苹方-简" panose="020B0400000000000000" charset="-122"/>
+              <a:ea typeface="苹方-简" panose="020B0400000000000000" charset="-122"/>
+              <a:cs typeface="苹方-简" panose="020B0400000000000000" charset="-122"/>
+              <a:sym typeface="Times New Roman" panose="02020803070505020304"/>
+            </a:endParaRPr>
+          </a:p>
+          <a:p>
+            <a:pPr marL="0" marR="0" indent="0" algn="l" defTabSz="914400" rtl="0" fontAlgn="auto" latinLnBrk="0" hangingPunct="0">
+              <a:lnSpc>
+                <a:spcPct val="100000"/>
+              </a:lnSpc>
+              <a:spcBef>
+                <a:spcPts val="0"/>
+              </a:spcBef>
+              <a:spcAft>
+                <a:spcPts val="0"/>
+              </a:spcAft>
+              <a:buClrTx/>
+              <a:buSzTx/>
+              <a:buFontTx/>
+              <a:buNone/>
+            </a:pPr>
+            <a:r>
+              <a:rPr kumimoji="0" lang="zh-CN" altLang="en-US" sz="2000" b="0" i="0" u="none" strike="noStrike" cap="none" spc="0" normalizeH="0" baseline="0" dirty="0" smtClean="0">
+                <a:solidFill>
+                  <a:schemeClr val="bg1">
+                    <a:lumMod val="50000"/>
+                  </a:schemeClr>
+                </a:solidFill>
+                <a:latin typeface="苹方-简" panose="020B0400000000000000" charset="-122"/>
+                <a:ea typeface="苹方-简" panose="020B0400000000000000" charset="-122"/>
+                <a:cs typeface="苹方-简" panose="020B0400000000000000" charset="-122"/>
+                <a:sym typeface="Times New Roman" panose="02020803070505020304"/>
+              </a:rPr>
+              <a:t>                    "extra_party": [],</a:t>
+            </a:r>
+            <a:endParaRPr kumimoji="0" lang="zh-CN" altLang="en-US" sz="2000" b="0" i="0" u="none" strike="noStrike" cap="none" spc="0" normalizeH="0" baseline="0" dirty="0" smtClean="0">
+              <a:solidFill>
+                <a:schemeClr val="bg1">
+                  <a:lumMod val="50000"/>
+                </a:schemeClr>
+              </a:solidFill>
+              <a:latin typeface="苹方-简" panose="020B0400000000000000" charset="-122"/>
+              <a:ea typeface="苹方-简" panose="020B0400000000000000" charset="-122"/>
+              <a:cs typeface="苹方-简" panose="020B0400000000000000" charset="-122"/>
+              <a:sym typeface="Times New Roman" panose="02020803070505020304"/>
+            </a:endParaRPr>
+          </a:p>
+          <a:p>
+            <a:pPr marL="0" marR="0" indent="0" algn="l" defTabSz="914400" rtl="0" fontAlgn="auto" latinLnBrk="0" hangingPunct="0">
+              <a:lnSpc>
+                <a:spcPct val="100000"/>
+              </a:lnSpc>
+              <a:spcBef>
+                <a:spcPts val="0"/>
+              </a:spcBef>
+              <a:spcAft>
+                <a:spcPts val="0"/>
+              </a:spcAft>
+              <a:buClrTx/>
+              <a:buSzTx/>
+              <a:buFontTx/>
+              <a:buNone/>
+            </a:pPr>
+            <a:r>
+              <a:rPr kumimoji="0" lang="zh-CN" altLang="en-US" sz="2000" b="0" i="0" u="none" strike="noStrike" cap="none" spc="0" normalizeH="0" baseline="0" dirty="0" smtClean="0">
+                <a:solidFill>
+                  <a:schemeClr val="bg1">
+                    <a:lumMod val="50000"/>
+                  </a:schemeClr>
+                </a:solidFill>
+                <a:latin typeface="苹方-简" panose="020B0400000000000000" charset="-122"/>
+                <a:ea typeface="苹方-简" panose="020B0400000000000000" charset="-122"/>
+                <a:cs typeface="苹方-简" panose="020B0400000000000000" charset="-122"/>
+                <a:sym typeface="Times New Roman" panose="02020803070505020304"/>
+              </a:rPr>
+              <a:t>                    "extra_user": [],</a:t>
+            </a:r>
+            <a:endParaRPr kumimoji="0" lang="zh-CN" altLang="en-US" sz="2000" b="0" i="0" u="none" strike="noStrike" cap="none" spc="0" normalizeH="0" baseline="0" dirty="0" smtClean="0">
+              <a:solidFill>
+                <a:schemeClr val="bg1">
+                  <a:lumMod val="50000"/>
+                </a:schemeClr>
+              </a:solidFill>
+              <a:latin typeface="苹方-简" panose="020B0400000000000000" charset="-122"/>
+              <a:ea typeface="苹方-简" panose="020B0400000000000000" charset="-122"/>
+              <a:cs typeface="苹方-简" panose="020B0400000000000000" charset="-122"/>
+              <a:sym typeface="Times New Roman" panose="02020803070505020304"/>
+            </a:endParaRPr>
+          </a:p>
+          <a:p>
+            <a:pPr marL="0" marR="0" indent="0" algn="l" defTabSz="914400" rtl="0" fontAlgn="auto" latinLnBrk="0" hangingPunct="0">
+              <a:lnSpc>
+                <a:spcPct val="100000"/>
+              </a:lnSpc>
+              <a:spcBef>
+                <a:spcPts val="0"/>
+              </a:spcBef>
+              <a:spcAft>
+                <a:spcPts val="0"/>
+              </a:spcAft>
+              <a:buClrTx/>
+              <a:buSzTx/>
+              <a:buFontTx/>
+              <a:buNone/>
+            </a:pPr>
+            <a:r>
+              <a:rPr kumimoji="0" lang="zh-CN" altLang="en-US" sz="2000" b="0" i="0" u="none" strike="noStrike" cap="none" spc="0" normalizeH="0" baseline="0" dirty="0" smtClean="0">
+                <a:solidFill>
+                  <a:schemeClr val="bg1">
+                    <a:lumMod val="50000"/>
+                  </a:schemeClr>
+                </a:solidFill>
+                <a:latin typeface="苹方-简" panose="020B0400000000000000" charset="-122"/>
+                <a:ea typeface="苹方-简" panose="020B0400000000000000" charset="-122"/>
+                <a:cs typeface="苹方-简" panose="020B0400000000000000" charset="-122"/>
+                <a:sym typeface="Times New Roman" panose="02020803070505020304"/>
+              </a:rPr>
+              <a:t>                    "extra_tag": []</a:t>
+            </a:r>
+            <a:endParaRPr kumimoji="0" lang="zh-CN" altLang="en-US" sz="2000" b="0" i="0" u="none" strike="noStrike" cap="none" spc="0" normalizeH="0" baseline="0" dirty="0" smtClean="0">
+              <a:solidFill>
+                <a:schemeClr val="bg1">
+                  <a:lumMod val="50000"/>
+                </a:schemeClr>
+              </a:solidFill>
+              <a:latin typeface="苹方-简" panose="020B0400000000000000" charset="-122"/>
+              <a:ea typeface="苹方-简" panose="020B0400000000000000" charset="-122"/>
+              <a:cs typeface="苹方-简" panose="020B0400000000000000" charset="-122"/>
+              <a:sym typeface="Times New Roman" panose="02020803070505020304"/>
+            </a:endParaRPr>
+          </a:p>
+          <a:p>
+            <a:pPr marL="0" marR="0" indent="0" algn="l" defTabSz="914400" rtl="0" fontAlgn="auto" latinLnBrk="0" hangingPunct="0">
+              <a:lnSpc>
+                <a:spcPct val="100000"/>
+              </a:lnSpc>
+              <a:spcBef>
+                <a:spcPts val="0"/>
+              </a:spcBef>
+              <a:spcAft>
+                <a:spcPts val="0"/>
+              </a:spcAft>
+              <a:buClrTx/>
+              <a:buSzTx/>
+              <a:buFontTx/>
+              <a:buNone/>
+            </a:pPr>
+            <a:r>
+              <a:rPr kumimoji="0" lang="zh-CN" altLang="en-US" sz="2000" b="0" i="0" u="none" strike="noStrike" cap="none" spc="0" normalizeH="0" baseline="0" dirty="0" smtClean="0">
+                <a:solidFill>
+                  <a:schemeClr val="bg1">
+                    <a:lumMod val="50000"/>
+                  </a:schemeClr>
+                </a:solidFill>
+                <a:latin typeface="苹方-简" panose="020B0400000000000000" charset="-122"/>
+                <a:ea typeface="苹方-简" panose="020B0400000000000000" charset="-122"/>
+                <a:cs typeface="苹方-简" panose="020B0400000000000000" charset="-122"/>
+                <a:sym typeface="Times New Roman" panose="02020803070505020304"/>
+              </a:rPr>
+              <a:t>                },</a:t>
+            </a:r>
+            <a:endParaRPr kumimoji="0" lang="zh-CN" altLang="en-US" sz="2000" b="0" i="0" u="none" strike="noStrike" cap="none" spc="0" normalizeH="0" baseline="0" dirty="0" smtClean="0">
+              <a:solidFill>
+                <a:schemeClr val="bg1">
+                  <a:lumMod val="50000"/>
+                </a:schemeClr>
+              </a:solidFill>
+              <a:latin typeface="苹方-简" panose="020B0400000000000000" charset="-122"/>
+              <a:ea typeface="苹方-简" panose="020B0400000000000000" charset="-122"/>
+              <a:cs typeface="苹方-简" panose="020B0400000000000000" charset="-122"/>
+              <a:sym typeface="Times New Roman" panose="02020803070505020304"/>
+            </a:endParaRPr>
+          </a:p>
+          <a:p>
+            <a:pPr marL="0" marR="0" indent="0" algn="l" defTabSz="914400" rtl="0" fontAlgn="auto" latinLnBrk="0" hangingPunct="0">
+              <a:lnSpc>
+                <a:spcPct val="100000"/>
+              </a:lnSpc>
+              <a:spcBef>
+                <a:spcPts val="0"/>
+              </a:spcBef>
+              <a:spcAft>
+                <a:spcPts val="0"/>
+              </a:spcAft>
+              <a:buClrTx/>
+              <a:buSzTx/>
+              <a:buFontTx/>
+              <a:buNone/>
+            </a:pPr>
+            <a:r>
+              <a:rPr kumimoji="0" lang="zh-CN" altLang="en-US" sz="2000" b="0" i="0" u="none" strike="noStrike" cap="none" spc="0" normalizeH="0" baseline="0" dirty="0" smtClean="0">
+                <a:solidFill>
+                  <a:schemeClr val="bg1">
+                    <a:lumMod val="50000"/>
+                  </a:schemeClr>
+                </a:solidFill>
+                <a:latin typeface="苹方-简" panose="020B0400000000000000" charset="-122"/>
+                <a:ea typeface="苹方-简" panose="020B0400000000000000" charset="-122"/>
+                <a:cs typeface="苹方-简" panose="020B0400000000000000" charset="-122"/>
+                <a:sym typeface="Times New Roman" panose="02020803070505020304"/>
+              </a:rPr>
+              <a:t>                "is_customized_app": true</a:t>
+            </a:r>
+            <a:endParaRPr kumimoji="0" lang="zh-CN" altLang="en-US" sz="2000" b="0" i="0" u="none" strike="noStrike" cap="none" spc="0" normalizeH="0" baseline="0" dirty="0" smtClean="0">
+              <a:solidFill>
+                <a:schemeClr val="bg1">
+                  <a:lumMod val="50000"/>
+                </a:schemeClr>
+              </a:solidFill>
+              <a:latin typeface="苹方-简" panose="020B0400000000000000" charset="-122"/>
+              <a:ea typeface="苹方-简" panose="020B0400000000000000" charset="-122"/>
+              <a:cs typeface="苹方-简" panose="020B0400000000000000" charset="-122"/>
+              <a:sym typeface="Times New Roman" panose="02020803070505020304"/>
+            </a:endParaRPr>
+          </a:p>
+          <a:p>
+            <a:pPr marL="0" marR="0" indent="0" algn="l" defTabSz="914400" rtl="0" fontAlgn="auto" latinLnBrk="0" hangingPunct="0">
+              <a:lnSpc>
+                <a:spcPct val="100000"/>
+              </a:lnSpc>
+              <a:spcBef>
+                <a:spcPts val="0"/>
+              </a:spcBef>
+              <a:spcAft>
+                <a:spcPts val="0"/>
+              </a:spcAft>
+              <a:buClrTx/>
+              <a:buSzTx/>
+              <a:buFontTx/>
+              <a:buNone/>
+            </a:pPr>
+            <a:r>
+              <a:rPr kumimoji="0" lang="zh-CN" altLang="en-US" sz="2000" b="0" i="0" u="none" strike="noStrike" cap="none" spc="0" normalizeH="0" baseline="0" dirty="0" smtClean="0">
+                <a:solidFill>
+                  <a:schemeClr val="bg1">
+                    <a:lumMod val="50000"/>
+                  </a:schemeClr>
+                </a:solidFill>
+                <a:latin typeface="苹方-简" panose="020B0400000000000000" charset="-122"/>
+                <a:ea typeface="苹方-简" panose="020B0400000000000000" charset="-122"/>
+                <a:cs typeface="苹方-简" panose="020B0400000000000000" charset="-122"/>
+                <a:sym typeface="Times New Roman" panose="02020803070505020304"/>
+              </a:rPr>
+              <a:t>            }</a:t>
+            </a:r>
+            <a:endParaRPr kumimoji="0" lang="zh-CN" altLang="en-US" sz="2000" b="0" i="0" u="none" strike="noStrike" cap="none" spc="0" normalizeH="0" baseline="0" dirty="0" smtClean="0">
+              <a:solidFill>
+                <a:schemeClr val="bg1">
+                  <a:lumMod val="50000"/>
+                </a:schemeClr>
+              </a:solidFill>
+              <a:latin typeface="苹方-简" panose="020B0400000000000000" charset="-122"/>
+              <a:ea typeface="苹方-简" panose="020B0400000000000000" charset="-122"/>
+              <a:cs typeface="苹方-简" panose="020B0400000000000000" charset="-122"/>
+              <a:sym typeface="Times New Roman" panose="02020803070505020304"/>
+            </a:endParaRPr>
+          </a:p>
+          <a:p>
+            <a:pPr marL="0" marR="0" indent="0" algn="l" defTabSz="914400" rtl="0" fontAlgn="auto" latinLnBrk="0" hangingPunct="0">
+              <a:lnSpc>
+                <a:spcPct val="100000"/>
+              </a:lnSpc>
+              <a:spcBef>
+                <a:spcPts val="0"/>
+              </a:spcBef>
+              <a:spcAft>
+                <a:spcPts val="0"/>
+              </a:spcAft>
+              <a:buClrTx/>
+              <a:buSzTx/>
+              <a:buFontTx/>
+              <a:buNone/>
+            </a:pPr>
+            <a:r>
+              <a:rPr kumimoji="0" lang="zh-CN" altLang="en-US" sz="2000" b="0" i="0" u="none" strike="noStrike" cap="none" spc="0" normalizeH="0" baseline="0" dirty="0" smtClean="0">
+                <a:solidFill>
+                  <a:schemeClr val="bg1">
+                    <a:lumMod val="50000"/>
+                  </a:schemeClr>
+                </a:solidFill>
+                <a:latin typeface="苹方-简" panose="020B0400000000000000" charset="-122"/>
+                <a:ea typeface="苹方-简" panose="020B0400000000000000" charset="-122"/>
+                <a:cs typeface="苹方-简" panose="020B0400000000000000" charset="-122"/>
+                <a:sym typeface="Times New Roman" panose="02020803070505020304"/>
+              </a:rPr>
+              <a:t>        ]</a:t>
+            </a:r>
+            <a:endParaRPr kumimoji="0" lang="zh-CN" altLang="en-US" sz="2000" b="0" i="0" u="none" strike="noStrike" cap="none" spc="0" normalizeH="0" baseline="0" dirty="0" smtClean="0">
+              <a:solidFill>
+                <a:schemeClr val="bg1">
+                  <a:lumMod val="50000"/>
+                </a:schemeClr>
+              </a:solidFill>
+              <a:latin typeface="苹方-简" panose="020B0400000000000000" charset="-122"/>
+              <a:ea typeface="苹方-简" panose="020B0400000000000000" charset="-122"/>
+              <a:cs typeface="苹方-简" panose="020B0400000000000000" charset="-122"/>
+              <a:sym typeface="Times New Roman" panose="02020803070505020304"/>
+            </a:endParaRPr>
+          </a:p>
+          <a:p>
+            <a:pPr marL="0" marR="0" indent="0" algn="l" defTabSz="914400" rtl="0" fontAlgn="auto" latinLnBrk="0" hangingPunct="0">
+              <a:lnSpc>
+                <a:spcPct val="100000"/>
+              </a:lnSpc>
+              <a:spcBef>
+                <a:spcPts val="0"/>
+              </a:spcBef>
+              <a:spcAft>
+                <a:spcPts val="0"/>
+              </a:spcAft>
+              <a:buClrTx/>
+              <a:buSzTx/>
+              <a:buFontTx/>
+              <a:buNone/>
+            </a:pPr>
+            <a:r>
+              <a:rPr kumimoji="0" lang="zh-CN" altLang="en-US" sz="2000" b="0" i="0" u="none" strike="noStrike" cap="none" spc="0" normalizeH="0" baseline="0" dirty="0" smtClean="0">
+                <a:solidFill>
+                  <a:schemeClr val="bg1">
+                    <a:lumMod val="50000"/>
+                  </a:schemeClr>
+                </a:solidFill>
+                <a:latin typeface="苹方-简" panose="020B0400000000000000" charset="-122"/>
+                <a:ea typeface="苹方-简" panose="020B0400000000000000" charset="-122"/>
+                <a:cs typeface="苹方-简" panose="020B0400000000000000" charset="-122"/>
+                <a:sym typeface="Times New Roman" panose="02020803070505020304"/>
+              </a:rPr>
+              <a:t>    },</a:t>
+            </a:r>
+            <a:endParaRPr kumimoji="0" lang="zh-CN" altLang="en-US" sz="2000" b="0" i="0" u="none" strike="noStrike" cap="none" spc="0" normalizeH="0" baseline="0" dirty="0" smtClean="0">
+              <a:solidFill>
+                <a:schemeClr val="bg1">
+                  <a:lumMod val="50000"/>
+                </a:schemeClr>
+              </a:solidFill>
+              <a:latin typeface="苹方-简" panose="020B0400000000000000" charset="-122"/>
+              <a:ea typeface="苹方-简" panose="020B0400000000000000" charset="-122"/>
+              <a:cs typeface="苹方-简" panose="020B0400000000000000" charset="-122"/>
+              <a:sym typeface="Times New Roman" panose="02020803070505020304"/>
+            </a:endParaRPr>
+          </a:p>
+          <a:p>
+            <a:pPr marL="0" marR="0" indent="0" algn="l" defTabSz="914400" rtl="0" fontAlgn="auto" latinLnBrk="0" hangingPunct="0">
+              <a:lnSpc>
+                <a:spcPct val="100000"/>
+              </a:lnSpc>
+              <a:spcBef>
+                <a:spcPts val="0"/>
+              </a:spcBef>
+              <a:spcAft>
+                <a:spcPts val="0"/>
+              </a:spcAft>
+              <a:buClrTx/>
+              <a:buSzTx/>
+              <a:buFontTx/>
+              <a:buNone/>
+            </a:pPr>
+            <a:r>
+              <a:rPr kumimoji="0" lang="zh-CN" altLang="en-US" sz="2000" b="0" i="0" u="none" strike="noStrike" cap="none" spc="0" normalizeH="0" baseline="0" dirty="0" smtClean="0">
+                <a:solidFill>
+                  <a:schemeClr val="bg1">
+                    <a:lumMod val="50000"/>
+                  </a:schemeClr>
+                </a:solidFill>
+                <a:latin typeface="苹方-简" panose="020B0400000000000000" charset="-122"/>
+                <a:ea typeface="苹方-简" panose="020B0400000000000000" charset="-122"/>
+                <a:cs typeface="苹方-简" panose="020B0400000000000000" charset="-122"/>
+                <a:sym typeface="Times New Roman" panose="02020803070505020304"/>
+              </a:rPr>
+              <a:t>    "auth_user_info": {</a:t>
+            </a:r>
+            <a:endParaRPr kumimoji="0" lang="zh-CN" altLang="en-US" sz="2000" b="0" i="0" u="none" strike="noStrike" cap="none" spc="0" normalizeH="0" baseline="0" dirty="0" smtClean="0">
+              <a:solidFill>
+                <a:schemeClr val="bg1">
+                  <a:lumMod val="50000"/>
+                </a:schemeClr>
+              </a:solidFill>
+              <a:latin typeface="苹方-简" panose="020B0400000000000000" charset="-122"/>
+              <a:ea typeface="苹方-简" panose="020B0400000000000000" charset="-122"/>
+              <a:cs typeface="苹方-简" panose="020B0400000000000000" charset="-122"/>
+              <a:sym typeface="Times New Roman" panose="02020803070505020304"/>
+            </a:endParaRPr>
+          </a:p>
+          <a:p>
+            <a:pPr marL="0" marR="0" indent="0" algn="l" defTabSz="914400" rtl="0" fontAlgn="auto" latinLnBrk="0" hangingPunct="0">
+              <a:lnSpc>
+                <a:spcPct val="100000"/>
+              </a:lnSpc>
+              <a:spcBef>
+                <a:spcPts val="0"/>
+              </a:spcBef>
+              <a:spcAft>
+                <a:spcPts val="0"/>
+              </a:spcAft>
+              <a:buClrTx/>
+              <a:buSzTx/>
+              <a:buFontTx/>
+              <a:buNone/>
+            </a:pPr>
+            <a:r>
+              <a:rPr kumimoji="0" lang="zh-CN" altLang="en-US" sz="2000" b="0" i="0" u="none" strike="noStrike" cap="none" spc="0" normalizeH="0" baseline="0" dirty="0" smtClean="0">
+                <a:solidFill>
+                  <a:schemeClr val="bg1">
+                    <a:lumMod val="50000"/>
+                  </a:schemeClr>
+                </a:solidFill>
+                <a:latin typeface="苹方-简" panose="020B0400000000000000" charset="-122"/>
+                <a:ea typeface="苹方-简" panose="020B0400000000000000" charset="-122"/>
+                <a:cs typeface="苹方-简" panose="020B0400000000000000" charset="-122"/>
+                <a:sym typeface="Times New Roman" panose="02020803070505020304"/>
+              </a:rPr>
+              <a:t>        "userid": "LiYueXi",</a:t>
+            </a:r>
+            <a:endParaRPr kumimoji="0" lang="zh-CN" altLang="en-US" sz="2000" b="0" i="0" u="none" strike="noStrike" cap="none" spc="0" normalizeH="0" baseline="0" dirty="0" smtClean="0">
+              <a:solidFill>
+                <a:schemeClr val="bg1">
+                  <a:lumMod val="50000"/>
+                </a:schemeClr>
+              </a:solidFill>
+              <a:latin typeface="苹方-简" panose="020B0400000000000000" charset="-122"/>
+              <a:ea typeface="苹方-简" panose="020B0400000000000000" charset="-122"/>
+              <a:cs typeface="苹方-简" panose="020B0400000000000000" charset="-122"/>
+              <a:sym typeface="Times New Roman" panose="02020803070505020304"/>
+            </a:endParaRPr>
+          </a:p>
+          <a:p>
+            <a:pPr marL="0" marR="0" indent="0" algn="l" defTabSz="914400" rtl="0" fontAlgn="auto" latinLnBrk="0" hangingPunct="0">
+              <a:lnSpc>
+                <a:spcPct val="100000"/>
+              </a:lnSpc>
+              <a:spcBef>
+                <a:spcPts val="0"/>
+              </a:spcBef>
+              <a:spcAft>
+                <a:spcPts val="0"/>
+              </a:spcAft>
+              <a:buClrTx/>
+              <a:buSzTx/>
+              <a:buFontTx/>
+              <a:buNone/>
+            </a:pPr>
+            <a:r>
+              <a:rPr kumimoji="0" lang="zh-CN" altLang="en-US" sz="2000" b="0" i="0" u="none" strike="noStrike" cap="none" spc="0" normalizeH="0" baseline="0" dirty="0" smtClean="0">
+                <a:solidFill>
+                  <a:schemeClr val="bg1">
+                    <a:lumMod val="50000"/>
+                  </a:schemeClr>
+                </a:solidFill>
+                <a:latin typeface="苹方-简" panose="020B0400000000000000" charset="-122"/>
+                <a:ea typeface="苹方-简" panose="020B0400000000000000" charset="-122"/>
+                <a:cs typeface="苹方-简" panose="020B0400000000000000" charset="-122"/>
+                <a:sym typeface="Times New Roman" panose="02020803070505020304"/>
+              </a:rPr>
+              <a:t>        "name": "李月喜",</a:t>
+            </a:r>
+            <a:endParaRPr kumimoji="0" lang="zh-CN" altLang="en-US" sz="2000" b="0" i="0" u="none" strike="noStrike" cap="none" spc="0" normalizeH="0" baseline="0" dirty="0" smtClean="0">
+              <a:solidFill>
+                <a:schemeClr val="bg1">
+                  <a:lumMod val="50000"/>
+                </a:schemeClr>
+              </a:solidFill>
+              <a:latin typeface="苹方-简" panose="020B0400000000000000" charset="-122"/>
+              <a:ea typeface="苹方-简" panose="020B0400000000000000" charset="-122"/>
+              <a:cs typeface="苹方-简" panose="020B0400000000000000" charset="-122"/>
+              <a:sym typeface="Times New Roman" panose="02020803070505020304"/>
+            </a:endParaRPr>
+          </a:p>
+          <a:p>
+            <a:pPr marL="0" marR="0" indent="0" algn="l" defTabSz="914400" rtl="0" fontAlgn="auto" latinLnBrk="0" hangingPunct="0">
+              <a:lnSpc>
+                <a:spcPct val="100000"/>
+              </a:lnSpc>
+              <a:spcBef>
+                <a:spcPts val="0"/>
+              </a:spcBef>
+              <a:spcAft>
+                <a:spcPts val="0"/>
+              </a:spcAft>
+              <a:buClrTx/>
+              <a:buSzTx/>
+              <a:buFontTx/>
+              <a:buNone/>
+            </a:pPr>
+            <a:r>
+              <a:rPr kumimoji="0" lang="zh-CN" altLang="en-US" sz="2000" b="0" i="0" u="none" strike="noStrike" cap="none" spc="0" normalizeH="0" baseline="0" dirty="0" smtClean="0">
+                <a:solidFill>
+                  <a:schemeClr val="bg1">
+                    <a:lumMod val="50000"/>
+                  </a:schemeClr>
+                </a:solidFill>
+                <a:latin typeface="苹方-简" panose="020B0400000000000000" charset="-122"/>
+                <a:ea typeface="苹方-简" panose="020B0400000000000000" charset="-122"/>
+                <a:cs typeface="苹方-简" panose="020B0400000000000000" charset="-122"/>
+                <a:sym typeface="Times New Roman" panose="02020803070505020304"/>
+              </a:rPr>
+              <a:t>        "avatar": "http://wework.qpic.cn/bizmail/ZaLyxPDEoVwnaRMgT8JKzxiam15aTsQoRBTsiaz3iaMRWkNnVdMVKrCBw/0",</a:t>
+            </a:r>
+            <a:endParaRPr kumimoji="0" lang="zh-CN" altLang="en-US" sz="2000" b="0" i="0" u="none" strike="noStrike" cap="none" spc="0" normalizeH="0" baseline="0" dirty="0" smtClean="0">
+              <a:solidFill>
+                <a:schemeClr val="bg1">
+                  <a:lumMod val="50000"/>
+                </a:schemeClr>
+              </a:solidFill>
+              <a:latin typeface="苹方-简" panose="020B0400000000000000" charset="-122"/>
+              <a:ea typeface="苹方-简" panose="020B0400000000000000" charset="-122"/>
+              <a:cs typeface="苹方-简" panose="020B0400000000000000" charset="-122"/>
+              <a:sym typeface="Times New Roman" panose="02020803070505020304"/>
+            </a:endParaRPr>
+          </a:p>
+          <a:p>
+            <a:pPr marL="0" marR="0" indent="0" algn="l" defTabSz="914400" rtl="0" fontAlgn="auto" latinLnBrk="0" hangingPunct="0">
+              <a:lnSpc>
+                <a:spcPct val="100000"/>
+              </a:lnSpc>
+              <a:spcBef>
+                <a:spcPts val="0"/>
+              </a:spcBef>
+              <a:spcAft>
+                <a:spcPts val="0"/>
+              </a:spcAft>
+              <a:buClrTx/>
+              <a:buSzTx/>
+              <a:buFontTx/>
+              <a:buNone/>
+            </a:pPr>
+            <a:r>
+              <a:rPr kumimoji="0" lang="zh-CN" altLang="en-US" sz="2000" b="0" i="0" u="none" strike="noStrike" cap="none" spc="0" normalizeH="0" baseline="0" dirty="0" smtClean="0">
+                <a:solidFill>
+                  <a:schemeClr val="bg1">
+                    <a:lumMod val="50000"/>
+                  </a:schemeClr>
+                </a:solidFill>
+                <a:latin typeface="苹方-简" panose="020B0400000000000000" charset="-122"/>
+                <a:ea typeface="苹方-简" panose="020B0400000000000000" charset="-122"/>
+                <a:cs typeface="苹方-简" panose="020B0400000000000000" charset="-122"/>
+                <a:sym typeface="Times New Roman" panose="02020803070505020304"/>
+              </a:rPr>
+              <a:t>        "open_userid": "woKzI7BgAAK7kZ1FGgiTiAQunHXuM_NQ"</a:t>
+            </a:r>
+            <a:endParaRPr kumimoji="0" lang="zh-CN" altLang="en-US" sz="2000" b="0" i="0" u="none" strike="noStrike" cap="none" spc="0" normalizeH="0" baseline="0" dirty="0" smtClean="0">
+              <a:solidFill>
+                <a:schemeClr val="bg1">
+                  <a:lumMod val="50000"/>
+                </a:schemeClr>
+              </a:solidFill>
+              <a:latin typeface="苹方-简" panose="020B0400000000000000" charset="-122"/>
+              <a:ea typeface="苹方-简" panose="020B0400000000000000" charset="-122"/>
+              <a:cs typeface="苹方-简" panose="020B0400000000000000" charset="-122"/>
+              <a:sym typeface="Times New Roman" panose="02020803070505020304"/>
+            </a:endParaRPr>
+          </a:p>
+          <a:p>
+            <a:pPr marL="0" marR="0" indent="0" algn="l" defTabSz="914400" rtl="0" fontAlgn="auto" latinLnBrk="0" hangingPunct="0">
+              <a:lnSpc>
+                <a:spcPct val="100000"/>
+              </a:lnSpc>
+              <a:spcBef>
+                <a:spcPts val="0"/>
+              </a:spcBef>
+              <a:spcAft>
+                <a:spcPts val="0"/>
+              </a:spcAft>
+              <a:buClrTx/>
+              <a:buSzTx/>
+              <a:buFontTx/>
+              <a:buNone/>
+            </a:pPr>
+            <a:r>
+              <a:rPr kumimoji="0" lang="zh-CN" altLang="en-US" sz="2000" b="0" i="0" u="none" strike="noStrike" cap="none" spc="0" normalizeH="0" baseline="0" dirty="0" smtClean="0">
+                <a:solidFill>
+                  <a:schemeClr val="bg1">
+                    <a:lumMod val="50000"/>
+                  </a:schemeClr>
+                </a:solidFill>
+                <a:latin typeface="苹方-简" panose="020B0400000000000000" charset="-122"/>
+                <a:ea typeface="苹方-简" panose="020B0400000000000000" charset="-122"/>
+                <a:cs typeface="苹方-简" panose="020B0400000000000000" charset="-122"/>
+                <a:sym typeface="Times New Roman" panose="02020803070505020304"/>
+              </a:rPr>
+              <a:t>    }</a:t>
+            </a:r>
+            <a:endParaRPr kumimoji="0" lang="zh-CN" altLang="en-US" sz="2000" b="0" i="0" u="none" strike="noStrike" cap="none" spc="0" normalizeH="0" baseline="0" dirty="0" smtClean="0">
+              <a:solidFill>
+                <a:schemeClr val="bg1">
+                  <a:lumMod val="50000"/>
+                </a:schemeClr>
+              </a:solidFill>
+              <a:latin typeface="苹方-简" panose="020B0400000000000000" charset="-122"/>
+              <a:ea typeface="苹方-简" panose="020B0400000000000000" charset="-122"/>
+              <a:cs typeface="苹方-简" panose="020B0400000000000000" charset="-122"/>
+              <a:sym typeface="Times New Roman" panose="02020803070505020304"/>
+            </a:endParaRPr>
+          </a:p>
+          <a:p>
+            <a:pPr marL="0" marR="0" indent="0" algn="l" defTabSz="914400" rtl="0" fontAlgn="auto" latinLnBrk="0" hangingPunct="0">
+              <a:lnSpc>
+                <a:spcPct val="100000"/>
+              </a:lnSpc>
+              <a:spcBef>
+                <a:spcPts val="0"/>
+              </a:spcBef>
+              <a:spcAft>
+                <a:spcPts val="0"/>
+              </a:spcAft>
+              <a:buClrTx/>
+              <a:buSzTx/>
+              <a:buFontTx/>
+              <a:buNone/>
+            </a:pPr>
+            <a:r>
+              <a:rPr kumimoji="0" lang="zh-CN" altLang="en-US" sz="2000" b="0" i="0" u="none" strike="noStrike" cap="none" spc="0" normalizeH="0" baseline="0" dirty="0" smtClean="0">
+                <a:solidFill>
+                  <a:schemeClr val="bg1">
+                    <a:lumMod val="50000"/>
+                  </a:schemeClr>
+                </a:solidFill>
+                <a:latin typeface="苹方-简" panose="020B0400000000000000" charset="-122"/>
+                <a:ea typeface="苹方-简" panose="020B0400000000000000" charset="-122"/>
+                <a:cs typeface="苹方-简" panose="020B0400000000000000" charset="-122"/>
+                <a:sym typeface="Times New Roman" panose="02020803070505020304"/>
+              </a:rPr>
+              <a:t>}</a:t>
+            </a:r>
+            <a:endParaRPr kumimoji="0" lang="zh-CN" altLang="en-US" sz="2000" b="0" i="0" u="none" strike="noStrike" cap="none" spc="0" normalizeH="0" baseline="0" dirty="0" smtClean="0">
+              <a:solidFill>
+                <a:schemeClr val="bg1">
+                  <a:lumMod val="50000"/>
+                </a:schemeClr>
+              </a:solidFill>
+              <a:latin typeface="苹方-简" panose="020B0400000000000000" charset="-122"/>
+              <a:ea typeface="苹方-简" panose="020B0400000000000000" charset="-122"/>
+              <a:cs typeface="苹方-简" panose="020B0400000000000000" charset="-122"/>
+              <a:sym typeface="Times New Roman" panose="02020803070505020304"/>
+            </a:endParaRPr>
+          </a:p>
+          <a:p>
+            <a:pPr marL="0" marR="0" indent="0" algn="l" defTabSz="914400" rtl="0" fontAlgn="auto" latinLnBrk="0" hangingPunct="0">
+              <a:lnSpc>
+                <a:spcPct val="100000"/>
+              </a:lnSpc>
+              <a:spcBef>
+                <a:spcPts val="0"/>
+              </a:spcBef>
+              <a:spcAft>
+                <a:spcPts val="0"/>
+              </a:spcAft>
+              <a:buClrTx/>
+              <a:buSzTx/>
+              <a:buFontTx/>
+              <a:buNone/>
+            </a:pPr>
+            <a:endParaRPr kumimoji="0" lang="zh-CN" altLang="en-US" sz="2000" b="0" i="0" u="none" strike="noStrike" cap="none" spc="0" normalizeH="0" baseline="0" dirty="0" smtClean="0">
+              <a:solidFill>
+                <a:schemeClr val="bg1">
+                  <a:lumMod val="50000"/>
+                </a:schemeClr>
+              </a:solidFill>
+              <a:latin typeface="苹方-简" panose="020B0400000000000000" charset="-122"/>
+              <a:ea typeface="苹方-简" panose="020B0400000000000000" charset="-122"/>
+              <a:cs typeface="苹方-简" panose="020B0400000000000000" charset="-122"/>
+              <a:sym typeface="Times New Roman" panose="02020803070505020304"/>
+            </a:endParaRPr>
+          </a:p>
+        </p:txBody>
+      </p:sp>
+    </p:spTree>
+  </p:cSld>
+  <p:clrMapOvr>
+    <a:masterClrMapping/>
+  </p:clrMapOvr>
+  <p:transition spd="med"/>
+</p:sld>
+</file>
+
+<file path=ppt/slides/slide11.xml><?xml version="1.0" encoding="utf-8"?>
+<p:sld xmlns:a="http://schemas.openxmlformats.org/drawingml/2006/main" xmlns:r="http://schemas.openxmlformats.org/officeDocument/2006/relationships" xmlns:p="http://schemas.openxmlformats.org/presentationml/2006/main">
+  <p:cSld>
+    <p:spTree>
+      <p:nvGrpSpPr>
+        <p:cNvPr id="1" name=""/>
+        <p:cNvGrpSpPr/>
+        <p:nvPr/>
+      </p:nvGrpSpPr>
+      <p:grpSpPr/>
+      <p:sp>
+        <p:nvSpPr>
+          <p:cNvPr id="3" name="文本框 2"/>
+          <p:cNvSpPr txBox="1"/>
+          <p:nvPr/>
+        </p:nvSpPr>
+        <p:spPr>
+          <a:xfrm>
+            <a:off x="764540" y="939800"/>
+            <a:ext cx="6790055" cy="3969385"/>
+          </a:xfrm>
+          <a:prstGeom prst="rect">
+            <a:avLst/>
+          </a:prstGeom>
+          <a:noFill/>
+        </p:spPr>
+        <p:txBody>
+          <a:bodyPr wrap="square" rtlCol="0">
+            <a:spAutoFit/>
+          </a:bodyPr>
+          <a:p>
+            <a:pPr algn="l"/>
+            <a:r>
+              <a:rPr lang="zh-CN" altLang="en-US" dirty="0" smtClean="0">
+                <a:solidFill>
+                  <a:schemeClr val="bg1">
+                    <a:lumMod val="50000"/>
+                  </a:schemeClr>
+                </a:solidFill>
+                <a:latin typeface="苹方-简" panose="020B0400000000000000" charset="-122"/>
+                <a:ea typeface="苹方-简" panose="020B0400000000000000" charset="-122"/>
+                <a:cs typeface="苹方-简" panose="020B0400000000000000" charset="-122"/>
+                <a:sym typeface="Times New Roman" panose="02020803070505020304"/>
+              </a:rPr>
+              <a:t>程序保存</a:t>
+            </a:r>
+            <a:r>
+              <a:rPr lang="en-US" altLang="zh-CN">
+                <a:sym typeface="+mn-ea"/>
+              </a:rPr>
+              <a:t>suit ticket  </a:t>
+            </a:r>
+            <a:r>
+              <a:rPr lang="zh-CN" altLang="en-US">
+                <a:sym typeface="+mn-ea"/>
+              </a:rPr>
+              <a:t>，通过</a:t>
+            </a:r>
+            <a:r>
+              <a:rPr lang="en-US" altLang="zh-CN">
+                <a:sym typeface="+mn-ea"/>
+              </a:rPr>
+              <a:t>auth_code</a:t>
+            </a:r>
+            <a:r>
+              <a:rPr lang="zh-CN" altLang="en-US">
+                <a:sym typeface="+mn-ea"/>
+              </a:rPr>
+              <a:t>获取永久授权码</a:t>
+            </a:r>
+            <a:endParaRPr lang="zh-CN" altLang="en-US">
+              <a:sym typeface="+mn-ea"/>
+            </a:endParaRPr>
+          </a:p>
+          <a:p>
+            <a:pPr algn="l"/>
+            <a:endParaRPr lang="zh-CN" altLang="en-US" dirty="0" smtClean="0">
+              <a:solidFill>
+                <a:schemeClr val="bg1">
+                  <a:lumMod val="50000"/>
+                </a:schemeClr>
+              </a:solidFill>
+              <a:latin typeface="苹方-简" panose="020B0400000000000000" charset="-122"/>
+              <a:ea typeface="苹方-简" panose="020B0400000000000000" charset="-122"/>
+              <a:cs typeface="苹方-简" panose="020B0400000000000000" charset="-122"/>
+              <a:sym typeface="+mn-ea"/>
+            </a:endParaRPr>
+          </a:p>
+          <a:p>
+            <a:pPr algn="l"/>
+            <a:endParaRPr lang="zh-CN" altLang="en-US" dirty="0" smtClean="0">
+              <a:solidFill>
+                <a:schemeClr val="bg1">
+                  <a:lumMod val="50000"/>
+                </a:schemeClr>
+              </a:solidFill>
+              <a:latin typeface="苹方-简" panose="020B0400000000000000" charset="-122"/>
+              <a:ea typeface="苹方-简" panose="020B0400000000000000" charset="-122"/>
+              <a:cs typeface="苹方-简" panose="020B0400000000000000" charset="-122"/>
+              <a:sym typeface="Times New Roman" panose="02020803070505020304"/>
+            </a:endParaRPr>
+          </a:p>
+          <a:p>
+            <a:pPr algn="l"/>
+            <a:r>
+              <a:rPr lang="zh-CN" altLang="en-US" dirty="0" smtClean="0">
+                <a:solidFill>
+                  <a:schemeClr val="bg1">
+                    <a:lumMod val="50000"/>
+                  </a:schemeClr>
+                </a:solidFill>
+                <a:latin typeface="苹方-简" panose="020B0400000000000000" charset="-122"/>
+                <a:ea typeface="苹方-简" panose="020B0400000000000000" charset="-122"/>
+                <a:cs typeface="苹方-简" panose="020B0400000000000000" charset="-122"/>
+                <a:sym typeface="Times New Roman" panose="02020803070505020304"/>
+              </a:rPr>
+              <a:t>代开发模板回调</a:t>
+            </a:r>
+            <a:r>
+              <a:rPr lang="en-US" altLang="zh-CN" dirty="0" smtClean="0">
+                <a:solidFill>
+                  <a:schemeClr val="bg1">
+                    <a:lumMod val="50000"/>
+                  </a:schemeClr>
+                </a:solidFill>
+                <a:latin typeface="苹方-简" panose="020B0400000000000000" charset="-122"/>
+                <a:ea typeface="苹方-简" panose="020B0400000000000000" charset="-122"/>
+                <a:cs typeface="苹方-简" panose="020B0400000000000000" charset="-122"/>
+                <a:sym typeface="Times New Roman" panose="02020803070505020304"/>
+              </a:rPr>
+              <a:t>URL</a:t>
+            </a:r>
+            <a:endParaRPr lang="zh-CN" altLang="en-US"/>
+          </a:p>
+          <a:p>
+            <a:pPr algn="l"/>
+            <a:r>
+              <a:rPr lang="zh-CN" altLang="en-US"/>
+              <a:t>处理 </a:t>
+            </a:r>
+            <a:r>
+              <a:rPr lang="en-US" altLang="zh-CN"/>
+              <a:t>suit ticket  </a:t>
+            </a:r>
+            <a:endParaRPr lang="en-US" altLang="zh-CN"/>
+          </a:p>
+          <a:p>
+            <a:pPr algn="l"/>
+            <a:endParaRPr lang="en-US" altLang="zh-CN"/>
+          </a:p>
+          <a:p>
+            <a:pPr algn="l"/>
+            <a:r>
+              <a:rPr lang="zh-CN" altLang="en-US"/>
+              <a:t>处理授权成功</a:t>
+            </a:r>
+            <a:endParaRPr lang="zh-CN" altLang="en-US"/>
+          </a:p>
+          <a:p>
+            <a:pPr algn="l"/>
+            <a:endParaRPr lang="zh-CN" altLang="en-US"/>
+          </a:p>
+          <a:p>
+            <a:pPr algn="l"/>
+            <a:r>
+              <a:rPr lang="zh-CN" altLang="en-US"/>
+              <a:t>处理取消授权</a:t>
+            </a:r>
+            <a:endParaRPr lang="zh-CN" altLang="en-US"/>
+          </a:p>
+          <a:p>
+            <a:pPr algn="l"/>
+            <a:endParaRPr lang="zh-CN" altLang="en-US"/>
+          </a:p>
+          <a:p>
+            <a:pPr algn="l"/>
+            <a:endParaRPr lang="zh-CN" altLang="en-US"/>
+          </a:p>
+          <a:p>
+            <a:pPr algn="l"/>
+            <a:endParaRPr lang="zh-CN" altLang="en-US"/>
+          </a:p>
+          <a:p>
+            <a:pPr algn="l"/>
+            <a:r>
+              <a:rPr lang="zh-CN" altLang="en-US"/>
+              <a:t>获取永久授权码保存相应信息</a:t>
+            </a:r>
+            <a:endParaRPr lang="zh-CN" altLang="en-US"/>
+          </a:p>
+          <a:p>
+            <a:pPr algn="l"/>
+            <a:endParaRPr lang="zh-CN" altLang="en-US"/>
+          </a:p>
+        </p:txBody>
+      </p:sp>
+    </p:spTree>
+  </p:cSld>
+  <p:clrMapOvr>
+    <a:masterClrMapping/>
+  </p:clrMapOvr>
+  <p:transition spd="med"/>
+</p:sld>
+</file>
+
+<file path=ppt/slides/slide12.xml><?xml version="1.0" encoding="utf-8"?>
+<p:sld xmlns:a="http://schemas.openxmlformats.org/drawingml/2006/main" xmlns:r="http://schemas.openxmlformats.org/officeDocument/2006/relationships" xmlns:p="http://schemas.openxmlformats.org/presentationml/2006/main">
+  <p:cSld>
+    <p:spTree>
+      <p:nvGrpSpPr>
+        <p:cNvPr id="1" name=""/>
+        <p:cNvGrpSpPr/>
+        <p:nvPr/>
+      </p:nvGrpSpPr>
+      <p:grpSpPr/>
+      <p:sp>
+        <p:nvSpPr>
+          <p:cNvPr id="2" name="文本框 1"/>
+          <p:cNvSpPr txBox="1"/>
+          <p:nvPr/>
+        </p:nvSpPr>
+        <p:spPr>
+          <a:xfrm>
+            <a:off x="482600" y="411480"/>
             <a:ext cx="11515090" cy="7169150"/>
           </a:xfrm>
           <a:prstGeom prst="rect">
@@ -2880,7 +4997,63 @@
                 <a:cs typeface="苹方-简" panose="020B0400000000000000" charset="-122"/>
                 <a:sym typeface="Times New Roman" panose="02020803070505020304"/>
               </a:rPr>
-              <a:t>代开发应用回调URL</a:t>
+              <a:t>代开发应用回调URL  </a:t>
+            </a:r>
+            <a:r>
+              <a:rPr kumimoji="0" lang="zh-CN" altLang="en-US" sz="2000" b="0" i="0" u="none" strike="noStrike" cap="none" spc="0" normalizeH="0" baseline="0" dirty="0" smtClean="0">
+                <a:solidFill>
+                  <a:schemeClr val="bg1">
+                    <a:lumMod val="50000"/>
+                  </a:schemeClr>
+                </a:solidFill>
+                <a:latin typeface="苹方-简" panose="020B0400000000000000" charset="-122"/>
+                <a:ea typeface="苹方-简" panose="020B0400000000000000" charset="-122"/>
+                <a:cs typeface="苹方-简" panose="020B0400000000000000" charset="-122"/>
+                <a:sym typeface="Times New Roman" panose="02020803070505020304"/>
+              </a:rPr>
+              <a:t>解密</a:t>
+            </a:r>
+            <a:r>
+              <a:rPr kumimoji="0" lang="en-US" altLang="zh-CN" sz="2000" b="0" i="0" u="none" strike="noStrike" cap="none" spc="0" normalizeH="0" baseline="0" dirty="0" smtClean="0">
+                <a:solidFill>
+                  <a:schemeClr val="bg1">
+                    <a:lumMod val="50000"/>
+                  </a:schemeClr>
+                </a:solidFill>
+                <a:latin typeface="苹方-简" panose="020B0400000000000000" charset="-122"/>
+                <a:ea typeface="苹方-简" panose="020B0400000000000000" charset="-122"/>
+                <a:cs typeface="苹方-简" panose="020B0400000000000000" charset="-122"/>
+                <a:sym typeface="Times New Roman" panose="02020803070505020304"/>
+              </a:rPr>
+              <a:t>receiveid</a:t>
+            </a:r>
+            <a:r>
+              <a:rPr kumimoji="0" lang="zh-CN" altLang="en-US" sz="2000" b="0" i="0" u="none" strike="noStrike" cap="none" spc="0" normalizeH="0" baseline="0" dirty="0" smtClean="0">
+                <a:solidFill>
+                  <a:schemeClr val="bg1">
+                    <a:lumMod val="50000"/>
+                  </a:schemeClr>
+                </a:solidFill>
+                <a:latin typeface="苹方-简" panose="020B0400000000000000" charset="-122"/>
+                <a:ea typeface="苹方-简" panose="020B0400000000000000" charset="-122"/>
+                <a:cs typeface="苹方-简" panose="020B0400000000000000" charset="-122"/>
+                <a:sym typeface="Times New Roman" panose="02020803070505020304"/>
+              </a:rPr>
+              <a:t>为授权企业的</a:t>
+            </a:r>
+            <a:r>
+              <a:rPr kumimoji="0" lang="en-US" altLang="zh-CN" sz="2000" b="0" i="0" u="none" strike="noStrike" cap="none" spc="0" normalizeH="0" baseline="0" dirty="0" smtClean="0">
+                <a:solidFill>
+                  <a:schemeClr val="bg1">
+                    <a:lumMod val="50000"/>
+                  </a:schemeClr>
+                </a:solidFill>
+                <a:latin typeface="苹方-简" panose="020B0400000000000000" charset="-122"/>
+                <a:ea typeface="苹方-简" panose="020B0400000000000000" charset="-122"/>
+                <a:cs typeface="苹方-简" panose="020B0400000000000000" charset="-122"/>
+                <a:sym typeface="Times New Roman" panose="02020803070505020304"/>
+              </a:rPr>
+              <a:t>id</a:t>
             </a:r>
             <a:endParaRPr kumimoji="0" lang="en-US" altLang="zh-CN" sz="2000" b="0" i="0" u="none" strike="noStrike" cap="none" spc="0" normalizeH="0" baseline="0" dirty="0" smtClean="0">
               <a:solidFill>
@@ -3689,7 +5862,7 @@
 </p:sld>
 </file>
 
-<file path=ppt/slides/slide11.xml><?xml version="1.0" encoding="utf-8"?>
+<file path=ppt/slides/slide13.xml><?xml version="1.0" encoding="utf-8"?>
 <p:sld xmlns:a="http://schemas.openxmlformats.org/drawingml/2006/main" xmlns:r="http://schemas.openxmlformats.org/officeDocument/2006/relationships" xmlns:p="http://schemas.openxmlformats.org/presentationml/2006/main">
   <p:cSld>
     <p:spTree>
@@ -4068,7 +6241,7 @@
 </p:sld>
 </file>
 
-<file path=ppt/slides/slide12.xml><?xml version="1.0" encoding="utf-8"?>
+<file path=ppt/slides/slide14.xml><?xml version="1.0" encoding="utf-8"?>
 <p:sld xmlns:a="http://schemas.openxmlformats.org/drawingml/2006/main" xmlns:r="http://schemas.openxmlformats.org/officeDocument/2006/relationships" xmlns:p="http://schemas.openxmlformats.org/presentationml/2006/main">
   <p:cSld>
     <p:spTree>
@@ -4527,7 +6700,7 @@
 </p:sld>
 </file>
 
-<file path=ppt/slides/slide13.xml><?xml version="1.0" encoding="utf-8"?>
+<file path=ppt/slides/slide15.xml><?xml version="1.0" encoding="utf-8"?>
 <p:sld xmlns:a="http://schemas.openxmlformats.org/drawingml/2006/main" xmlns:r="http://schemas.openxmlformats.org/officeDocument/2006/relationships" xmlns:p="http://schemas.openxmlformats.org/presentationml/2006/main">
   <p:cSld>
     <p:spTree>
@@ -5418,7 +7591,1189 @@
 </p:sld>
 </file>
 
-<file path=ppt/slides/slide14.xml><?xml version="1.0" encoding="utf-8"?>
+<file path=ppt/slides/slide16.xml><?xml version="1.0" encoding="utf-8"?>
+<p:sld xmlns:a="http://schemas.openxmlformats.org/drawingml/2006/main" xmlns:r="http://schemas.openxmlformats.org/officeDocument/2006/relationships" xmlns:p="http://schemas.openxmlformats.org/presentationml/2006/main">
+  <p:cSld>
+    <p:spTree>
+      <p:nvGrpSpPr>
+        <p:cNvPr id="1" name=""/>
+        <p:cNvGrpSpPr/>
+        <p:nvPr/>
+      </p:nvGrpSpPr>
+      <p:grpSpPr/>
+      <p:sp>
+        <p:nvSpPr>
+          <p:cNvPr id="4" name="标题 3"/>
+          <p:cNvSpPr>
+            <a:spLocks noGrp="1"/>
+          </p:cNvSpPr>
+          <p:nvPr>
+            <p:ph type="title"/>
+          </p:nvPr>
+        </p:nvSpPr>
+        <p:spPr>
+          <a:xfrm>
+            <a:off x="338455" y="175895"/>
+            <a:ext cx="8356600" cy="950595"/>
+          </a:xfrm>
+        </p:spPr>
+        <p:txBody>
+          <a:bodyPr>
+            <a:normAutofit/>
+          </a:bodyPr>
+          <a:p>
+            <a:pPr algn="l"/>
+            <a:r>
+              <a:rPr lang="zh-CN" altLang="en-US" sz="3600">
+                <a:latin typeface="苹方-简" panose="020B0400000000000000" charset="-122"/>
+                <a:ea typeface="苹方-简" panose="020B0400000000000000" charset="-122"/>
+              </a:rPr>
+              <a:t>小程序 </a:t>
+            </a:r>
+            <a:endParaRPr lang="zh-CN" altLang="en-US" sz="3600">
+              <a:latin typeface="苹方-简" panose="020B0400000000000000" charset="-122"/>
+              <a:ea typeface="苹方-简" panose="020B0400000000000000" charset="-122"/>
+            </a:endParaRPr>
+          </a:p>
+        </p:txBody>
+      </p:sp>
+      <p:graphicFrame>
+        <p:nvGraphicFramePr>
+          <p:cNvPr id="5" name="表格 4"/>
+          <p:cNvGraphicFramePr/>
+          <p:nvPr>
+            <p:custDataLst>
+              <p:tags r:id="rId1"/>
+            </p:custDataLst>
+          </p:nvPr>
+        </p:nvGraphicFramePr>
+        <p:xfrm>
+          <a:off x="958850" y="2943225"/>
+          <a:ext cx="10273665" cy="2948940"/>
+        </p:xfrm>
+        <a:graphic>
+          <a:graphicData uri="http://schemas.openxmlformats.org/drawingml/2006/table">
+            <a:tbl>
+              <a:tblPr firstRow="1" bandRow="1">
+                <a:tableStyleId>{5C22544A-7EE6-4342-B048-85BDC9FD1C3A}</a:tableStyleId>
+              </a:tblPr>
+              <a:tblGrid>
+                <a:gridCol w="2568416"/>
+                <a:gridCol w="2568417"/>
+                <a:gridCol w="2568416"/>
+                <a:gridCol w="2568416"/>
+              </a:tblGrid>
+              <a:tr h="756285">
+                <a:tc>
+                  <a:txBody>
+                    <a:bodyPr/>
+                    <a:p>
+                      <a:pPr marL="0" marR="0" indent="0" algn="l" defTabSz="914400" rtl="0" fontAlgn="auto" latinLnBrk="0" hangingPunct="0">
+                        <a:lnSpc>
+                          <a:spcPct val="100000"/>
+                        </a:lnSpc>
+                        <a:spcBef>
+                          <a:spcPts val="0"/>
+                        </a:spcBef>
+                        <a:spcAft>
+                          <a:spcPts val="0"/>
+                        </a:spcAft>
+                        <a:buClrTx/>
+                        <a:buSzTx/>
+                        <a:buFontTx/>
+                        <a:buNone/>
+                      </a:pPr>
+                      <a:r>
+                        <a:rPr lang="zh-CN" altLang="en-US" sz="1800" dirty="0" smtClean="0">
+                          <a:solidFill>
+                            <a:schemeClr val="bg1"/>
+                          </a:solidFill>
+                          <a:latin typeface="苹方-简" panose="020B0400000000000000" charset="-122"/>
+                          <a:ea typeface="苹方-简" panose="020B0400000000000000" charset="-122"/>
+                          <a:cs typeface="苹方-简" panose="020B0400000000000000" charset="-122"/>
+                          <a:sym typeface="Times New Roman" panose="02020803070505020304"/>
+                        </a:rPr>
+                        <a:t>小程序主体</a:t>
+                      </a:r>
+                      <a:endParaRPr lang="zh-CN" altLang="en-US" sz="1800" dirty="0" smtClean="0">
+                        <a:solidFill>
+                          <a:schemeClr val="bg1"/>
+                        </a:solidFill>
+                        <a:latin typeface="苹方-简" panose="020B0400000000000000" charset="-122"/>
+                        <a:ea typeface="苹方-简" panose="020B0400000000000000" charset="-122"/>
+                        <a:cs typeface="苹方-简" panose="020B0400000000000000" charset="-122"/>
+                        <a:sym typeface="Times New Roman" panose="02020803070505020304"/>
+                      </a:endParaRPr>
+                    </a:p>
+                  </a:txBody>
+                  <a:tcPr/>
+                </a:tc>
+                <a:tc>
+                  <a:txBody>
+                    <a:bodyPr/>
+                    <a:p>
+                      <a:pPr marL="0" marR="0" indent="0" algn="l" defTabSz="914400" rtl="0" fontAlgn="auto" latinLnBrk="0" hangingPunct="0">
+                        <a:lnSpc>
+                          <a:spcPct val="100000"/>
+                        </a:lnSpc>
+                        <a:spcBef>
+                          <a:spcPts val="0"/>
+                        </a:spcBef>
+                        <a:spcAft>
+                          <a:spcPts val="0"/>
+                        </a:spcAft>
+                        <a:buClrTx/>
+                        <a:buSzTx/>
+                        <a:buFontTx/>
+                        <a:buNone/>
+                      </a:pPr>
+                      <a:r>
+                        <a:rPr lang="zh-CN" altLang="en-US" sz="1800" dirty="0" smtClean="0">
+                          <a:solidFill>
+                            <a:schemeClr val="bg1"/>
+                          </a:solidFill>
+                          <a:latin typeface="苹方-简" panose="020B0400000000000000" charset="-122"/>
+                          <a:ea typeface="苹方-简" panose="020B0400000000000000" charset="-122"/>
+                          <a:cs typeface="苹方-简" panose="020B0400000000000000" charset="-122"/>
+                          <a:sym typeface="Times New Roman" panose="02020803070505020304"/>
+                        </a:rPr>
+                        <a:t>服务商</a:t>
+                      </a:r>
+                      <a:endParaRPr lang="zh-CN" altLang="en-US" sz="1800" dirty="0" smtClean="0">
+                        <a:solidFill>
+                          <a:schemeClr val="bg1"/>
+                        </a:solidFill>
+                        <a:latin typeface="苹方-简" panose="020B0400000000000000" charset="-122"/>
+                        <a:ea typeface="苹方-简" panose="020B0400000000000000" charset="-122"/>
+                        <a:cs typeface="苹方-简" panose="020B0400000000000000" charset="-122"/>
+                        <a:sym typeface="Times New Roman" panose="02020803070505020304"/>
+                      </a:endParaRPr>
+                    </a:p>
+                  </a:txBody>
+                  <a:tcPr/>
+                </a:tc>
+                <a:tc>
+                  <a:txBody>
+                    <a:bodyPr/>
+                    <a:p>
+                      <a:pPr>
+                        <a:buNone/>
+                      </a:pPr>
+                      <a:r>
+                        <a:rPr lang="zh-CN" altLang="en-US"/>
+                        <a:t>客户</a:t>
+                      </a:r>
+                      <a:endParaRPr lang="zh-CN" altLang="en-US"/>
+                    </a:p>
+                  </a:txBody>
+                  <a:tcPr/>
+                </a:tc>
+                <a:tc>
+                  <a:txBody>
+                    <a:bodyPr/>
+                    <a:p>
+                      <a:pPr>
+                        <a:buNone/>
+                      </a:pPr>
+                      <a:r>
+                        <a:rPr lang="zh-CN" altLang="en-US"/>
+                        <a:t>能否使用</a:t>
+                      </a:r>
+                      <a:endParaRPr lang="zh-CN" altLang="en-US"/>
+                    </a:p>
+                  </a:txBody>
+                  <a:tcPr/>
+                </a:tc>
+              </a:tr>
+              <a:tr h="1096645">
+                <a:tc>
+                  <a:txBody>
+                    <a:bodyPr/>
+                    <a:p>
+                      <a:pPr>
+                        <a:buNone/>
+                      </a:pPr>
+                      <a:r>
+                        <a:rPr lang="en-US" altLang="zh-CN"/>
+                        <a:t>a</a:t>
+                      </a:r>
+                      <a:endParaRPr lang="en-US" altLang="zh-CN"/>
+                    </a:p>
+                  </a:txBody>
+                  <a:tcPr/>
+                </a:tc>
+                <a:tc>
+                  <a:txBody>
+                    <a:bodyPr/>
+                    <a:p>
+                      <a:pPr>
+                        <a:buNone/>
+                      </a:pPr>
+                      <a:r>
+                        <a:rPr lang="en-US" altLang="zh-CN"/>
+                        <a:t>s</a:t>
+                      </a:r>
+                      <a:endParaRPr lang="en-US" altLang="zh-CN"/>
+                    </a:p>
+                  </a:txBody>
+                  <a:tcPr/>
+                </a:tc>
+                <a:tc>
+                  <a:txBody>
+                    <a:bodyPr/>
+                    <a:p>
+                      <a:pPr>
+                        <a:buNone/>
+                      </a:pPr>
+                      <a:r>
+                        <a:rPr lang="en-US" altLang="zh-CN"/>
+                        <a:t>c</a:t>
+                      </a:r>
+                      <a:endParaRPr lang="en-US" altLang="zh-CN"/>
+                    </a:p>
+                  </a:txBody>
+                  <a:tcPr/>
+                </a:tc>
+                <a:tc>
+                  <a:txBody>
+                    <a:bodyPr/>
+                    <a:p>
+                      <a:pPr>
+                        <a:buNone/>
+                      </a:pPr>
+                      <a:endParaRPr lang="zh-CN" altLang="en-US"/>
+                    </a:p>
+                  </a:txBody>
+                  <a:tcPr/>
+                </a:tc>
+              </a:tr>
+              <a:tr h="1096010">
+                <a:tc>
+                  <a:txBody>
+                    <a:bodyPr/>
+                    <a:p>
+                      <a:pPr>
+                        <a:buNone/>
+                      </a:pPr>
+                      <a:r>
+                        <a:rPr lang="en-US" altLang="zh-CN"/>
+                        <a:t>a</a:t>
+                      </a:r>
+                      <a:endParaRPr lang="en-US" altLang="zh-CN"/>
+                    </a:p>
+                  </a:txBody>
+                  <a:tcPr/>
+                </a:tc>
+                <a:tc>
+                  <a:txBody>
+                    <a:bodyPr/>
+                    <a:p>
+                      <a:pPr>
+                        <a:buNone/>
+                      </a:pPr>
+                      <a:r>
+                        <a:rPr lang="en-US" altLang="zh-CN"/>
+                        <a:t>s</a:t>
+                      </a:r>
+                      <a:endParaRPr lang="en-US" altLang="zh-CN"/>
+                    </a:p>
+                  </a:txBody>
+                  <a:tcPr/>
+                </a:tc>
+                <a:tc>
+                  <a:txBody>
+                    <a:bodyPr/>
+                    <a:p>
+                      <a:pPr>
+                        <a:buNone/>
+                      </a:pPr>
+                      <a:r>
+                        <a:rPr lang="en-US" altLang="zh-CN"/>
+                        <a:t>a</a:t>
+                      </a:r>
+                      <a:endParaRPr lang="en-US" altLang="zh-CN"/>
+                    </a:p>
+                  </a:txBody>
+                  <a:tcPr/>
+                </a:tc>
+                <a:tc>
+                  <a:txBody>
+                    <a:bodyPr/>
+                    <a:p>
+                      <a:pPr>
+                        <a:buNone/>
+                      </a:pPr>
+                      <a:endParaRPr lang="zh-CN" altLang="en-US"/>
+                    </a:p>
+                  </a:txBody>
+                  <a:tcPr/>
+                </a:tc>
+              </a:tr>
+            </a:tbl>
+          </a:graphicData>
+        </a:graphic>
+      </p:graphicFrame>
+      <p:sp>
+        <p:nvSpPr>
+          <p:cNvPr id="2" name="文本框 1"/>
+          <p:cNvSpPr txBox="1"/>
+          <p:nvPr/>
+        </p:nvSpPr>
+        <p:spPr>
+          <a:xfrm>
+            <a:off x="958850" y="1126490"/>
+            <a:ext cx="10373360" cy="1568450"/>
+          </a:xfrm>
+          <a:prstGeom prst="rect">
+            <a:avLst/>
+          </a:prstGeom>
+          <a:noFill/>
+        </p:spPr>
+        <p:txBody>
+          <a:bodyPr wrap="square" rtlCol="0">
+            <a:spAutoFit/>
+          </a:bodyPr>
+          <a:p>
+            <a:r>
+              <a:rPr lang="zh-CN" altLang="en-US" sz="3200"/>
+              <a:t>小程序需在小程序平台先上线，创建应用关连时需管理员扫码。可信域名校验需要将域名验证文件上传到服务器目录，可访问即可。</a:t>
+            </a:r>
+            <a:endParaRPr lang="zh-CN" altLang="en-US" sz="3200"/>
+          </a:p>
+        </p:txBody>
+      </p:sp>
+    </p:spTree>
+  </p:cSld>
+  <p:clrMapOvr>
+    <a:masterClrMapping/>
+  </p:clrMapOvr>
+  <p:transition spd="med"/>
+</p:sld>
+</file>
+
+<file path=ppt/slides/slide17.xml><?xml version="1.0" encoding="utf-8"?>
+<p:sld xmlns:a="http://schemas.openxmlformats.org/drawingml/2006/main" xmlns:r="http://schemas.openxmlformats.org/officeDocument/2006/relationships" xmlns:p="http://schemas.openxmlformats.org/presentationml/2006/main">
+  <p:cSld>
+    <p:spTree>
+      <p:nvGrpSpPr>
+        <p:cNvPr id="1" name=""/>
+        <p:cNvGrpSpPr/>
+        <p:nvPr/>
+      </p:nvGrpSpPr>
+      <p:grpSpPr/>
+      <p:sp>
+        <p:nvSpPr>
+          <p:cNvPr id="4" name="标题 3"/>
+          <p:cNvSpPr>
+            <a:spLocks noGrp="1"/>
+          </p:cNvSpPr>
+          <p:nvPr>
+            <p:ph type="title"/>
+          </p:nvPr>
+        </p:nvSpPr>
+        <p:spPr>
+          <a:xfrm>
+            <a:off x="338455" y="175895"/>
+            <a:ext cx="8356600" cy="950595"/>
+          </a:xfrm>
+        </p:spPr>
+        <p:txBody>
+          <a:bodyPr>
+            <a:normAutofit/>
+          </a:bodyPr>
+          <a:p>
+            <a:pPr algn="l"/>
+            <a:r>
+              <a:rPr lang="zh-CN" altLang="en-US" sz="3600">
+                <a:latin typeface="苹方-简" panose="020B0400000000000000" charset="-122"/>
+                <a:ea typeface="苹方-简" panose="020B0400000000000000" charset="-122"/>
+              </a:rPr>
+              <a:t>选择已有小程序，快速创建</a:t>
+            </a:r>
+            <a:endParaRPr lang="zh-CN" altLang="en-US" sz="3600">
+              <a:latin typeface="苹方-简" panose="020B0400000000000000" charset="-122"/>
+              <a:ea typeface="苹方-简" panose="020B0400000000000000" charset="-122"/>
+            </a:endParaRPr>
+          </a:p>
+        </p:txBody>
+      </p:sp>
+      <p:pic>
+        <p:nvPicPr>
+          <p:cNvPr id="2" name="图片 1" descr="屏幕快照 2022-05-02 上午11.29.00"/>
+          <p:cNvPicPr>
+            <a:picLocks noChangeAspect="1"/>
+          </p:cNvPicPr>
+          <p:nvPr/>
+        </p:nvPicPr>
+        <p:blipFill>
+          <a:blip r:embed="rId1"/>
+          <a:stretch>
+            <a:fillRect/>
+          </a:stretch>
+        </p:blipFill>
+        <p:spPr>
+          <a:xfrm>
+            <a:off x="1917700" y="1252220"/>
+            <a:ext cx="8356600" cy="5197475"/>
+          </a:xfrm>
+          <a:prstGeom prst="rect">
+            <a:avLst/>
+          </a:prstGeom>
+        </p:spPr>
+      </p:pic>
+    </p:spTree>
+  </p:cSld>
+  <p:clrMapOvr>
+    <a:masterClrMapping/>
+  </p:clrMapOvr>
+  <p:transition spd="med"/>
+</p:sld>
+</file>
+
+<file path=ppt/slides/slide18.xml><?xml version="1.0" encoding="utf-8"?>
+<p:sld xmlns:a="http://schemas.openxmlformats.org/drawingml/2006/main" xmlns:r="http://schemas.openxmlformats.org/officeDocument/2006/relationships" xmlns:p="http://schemas.openxmlformats.org/presentationml/2006/main">
+  <p:cSld>
+    <p:spTree>
+      <p:nvGrpSpPr>
+        <p:cNvPr id="1" name=""/>
+        <p:cNvGrpSpPr/>
+        <p:nvPr/>
+      </p:nvGrpSpPr>
+      <p:grpSpPr/>
+      <p:sp>
+        <p:nvSpPr>
+          <p:cNvPr id="4" name="标题 3"/>
+          <p:cNvSpPr>
+            <a:spLocks noGrp="1"/>
+          </p:cNvSpPr>
+          <p:nvPr>
+            <p:ph type="title"/>
+          </p:nvPr>
+        </p:nvSpPr>
+        <p:spPr>
+          <a:xfrm>
+            <a:off x="338455" y="175895"/>
+            <a:ext cx="8356600" cy="950595"/>
+          </a:xfrm>
+        </p:spPr>
+        <p:txBody>
+          <a:bodyPr>
+            <a:normAutofit/>
+          </a:bodyPr>
+          <a:p>
+            <a:pPr algn="l"/>
+            <a:r>
+              <a:rPr lang="zh-CN" altLang="en-US" sz="3600">
+                <a:latin typeface="苹方-简" panose="020B0400000000000000" charset="-122"/>
+                <a:ea typeface="苹方-简" panose="020B0400000000000000" charset="-122"/>
+              </a:rPr>
+              <a:t>小程序</a:t>
+            </a:r>
+            <a:endParaRPr lang="zh-CN" altLang="en-US" sz="3600">
+              <a:latin typeface="苹方-简" panose="020B0400000000000000" charset="-122"/>
+              <a:ea typeface="苹方-简" panose="020B0400000000000000" charset="-122"/>
+            </a:endParaRPr>
+          </a:p>
+        </p:txBody>
+      </p:sp>
+      <p:pic>
+        <p:nvPicPr>
+          <p:cNvPr id="3" name="图片 2" descr="屏幕快照 2022-05-02 上午11.31.57"/>
+          <p:cNvPicPr>
+            <a:picLocks noChangeAspect="1"/>
+          </p:cNvPicPr>
+          <p:nvPr/>
+        </p:nvPicPr>
+        <p:blipFill>
+          <a:blip r:embed="rId1"/>
+          <a:stretch>
+            <a:fillRect/>
+          </a:stretch>
+        </p:blipFill>
+        <p:spPr>
+          <a:xfrm>
+            <a:off x="1786255" y="1126490"/>
+            <a:ext cx="8619490" cy="5469890"/>
+          </a:xfrm>
+          <a:prstGeom prst="rect">
+            <a:avLst/>
+          </a:prstGeom>
+        </p:spPr>
+      </p:pic>
+    </p:spTree>
+  </p:cSld>
+  <p:clrMapOvr>
+    <a:masterClrMapping/>
+  </p:clrMapOvr>
+  <p:transition spd="med"/>
+</p:sld>
+</file>
+
+<file path=ppt/slides/slide19.xml><?xml version="1.0" encoding="utf-8"?>
+<p:sld xmlns:a="http://schemas.openxmlformats.org/drawingml/2006/main" xmlns:r="http://schemas.openxmlformats.org/officeDocument/2006/relationships" xmlns:p="http://schemas.openxmlformats.org/presentationml/2006/main">
+  <p:cSld>
+    <p:spTree>
+      <p:nvGrpSpPr>
+        <p:cNvPr id="1" name=""/>
+        <p:cNvGrpSpPr/>
+        <p:nvPr/>
+      </p:nvGrpSpPr>
+      <p:grpSpPr/>
+      <p:sp>
+        <p:nvSpPr>
+          <p:cNvPr id="4" name="标题 3"/>
+          <p:cNvSpPr>
+            <a:spLocks noGrp="1"/>
+          </p:cNvSpPr>
+          <p:nvPr>
+            <p:ph type="title"/>
+          </p:nvPr>
+        </p:nvSpPr>
+        <p:spPr>
+          <a:xfrm>
+            <a:off x="338455" y="175895"/>
+            <a:ext cx="8356600" cy="950595"/>
+          </a:xfrm>
+        </p:spPr>
+        <p:txBody>
+          <a:bodyPr>
+            <a:normAutofit/>
+          </a:bodyPr>
+          <a:p>
+            <a:pPr algn="l"/>
+            <a:r>
+              <a:rPr lang="zh-CN" altLang="en-US" sz="3600">
+                <a:latin typeface="苹方-简" panose="020B0400000000000000" charset="-122"/>
+                <a:ea typeface="苹方-简" panose="020B0400000000000000" charset="-122"/>
+              </a:rPr>
+              <a:t>小程序</a:t>
+            </a:r>
+            <a:endParaRPr lang="zh-CN" altLang="en-US" sz="3600">
+              <a:latin typeface="苹方-简" panose="020B0400000000000000" charset="-122"/>
+              <a:ea typeface="苹方-简" panose="020B0400000000000000" charset="-122"/>
+            </a:endParaRPr>
+          </a:p>
+        </p:txBody>
+      </p:sp>
+      <p:sp>
+        <p:nvSpPr>
+          <p:cNvPr id="5" name="文本框 4"/>
+          <p:cNvSpPr txBox="1"/>
+          <p:nvPr/>
+        </p:nvSpPr>
+        <p:spPr>
+          <a:xfrm>
+            <a:off x="786130" y="1839595"/>
+            <a:ext cx="10241280" cy="5631180"/>
+          </a:xfrm>
+          <a:prstGeom prst="rect">
+            <a:avLst/>
+          </a:prstGeom>
+          <a:noFill/>
+        </p:spPr>
+        <p:txBody>
+          <a:bodyPr wrap="square" rtlCol="0">
+            <a:spAutoFit/>
+          </a:bodyPr>
+          <a:p>
+            <a:r>
+              <a:rPr lang="zh-CN" altLang="en-US" sz="2400"/>
+              <a:t>第一次应用上线，需要官方审核，初步测试节假日不审，上班时间一般半天</a:t>
+            </a:r>
+            <a:endParaRPr lang="zh-CN" altLang="en-US" sz="2400"/>
+          </a:p>
+          <a:p>
+            <a:r>
+              <a:rPr lang="zh-CN" altLang="en-US" sz="2400"/>
+              <a:t>第一次应用（或者模板）上线后，后续再上线，是直接通过，然后自己提交上线</a:t>
+            </a:r>
+            <a:endParaRPr lang="zh-CN" altLang="en-US" sz="2400"/>
+          </a:p>
+          <a:p>
+            <a:endParaRPr lang="zh-CN" altLang="en-US" sz="2400"/>
+          </a:p>
+          <a:p>
+            <a:endParaRPr lang="zh-CN" altLang="en-US" sz="2400"/>
+          </a:p>
+          <a:p>
+            <a:r>
+              <a:rPr lang="zh-CN" altLang="en-US" sz="2400"/>
+              <a:t>提交上线时，代开发应用回调</a:t>
+            </a:r>
+            <a:r>
+              <a:rPr lang="en-US" altLang="zh-CN" sz="2400"/>
+              <a:t>url</a:t>
+            </a:r>
+            <a:r>
+              <a:rPr lang="zh-CN" altLang="en-US" sz="2400"/>
+              <a:t>需正确回调响应</a:t>
+            </a:r>
+            <a:r>
+              <a:rPr lang="en-US" altLang="zh-CN" sz="2400"/>
+              <a:t>get</a:t>
+            </a:r>
+            <a:r>
+              <a:rPr lang="zh-CN" altLang="en-US" sz="2400"/>
+              <a:t>验证</a:t>
+            </a:r>
+            <a:endParaRPr lang="zh-CN" altLang="en-US" sz="2400"/>
+          </a:p>
+          <a:p>
+            <a:endParaRPr lang="zh-CN" altLang="en-US" sz="2400"/>
+          </a:p>
+          <a:p>
+            <a:endParaRPr lang="zh-CN" altLang="en-US" sz="2400"/>
+          </a:p>
+          <a:p>
+            <a:endParaRPr lang="zh-CN" altLang="en-US" sz="2400"/>
+          </a:p>
+          <a:p>
+            <a:endParaRPr lang="zh-CN" altLang="en-US" sz="2400"/>
+          </a:p>
+          <a:p>
+            <a:endParaRPr lang="zh-CN" altLang="en-US" sz="2400"/>
+          </a:p>
+          <a:p>
+            <a:endParaRPr lang="zh-CN" altLang="en-US" sz="2400"/>
+          </a:p>
+          <a:p>
+            <a:endParaRPr lang="zh-CN" altLang="en-US" sz="2400"/>
+          </a:p>
+          <a:p>
+            <a:endParaRPr lang="zh-CN" altLang="en-US" sz="2400"/>
+          </a:p>
+          <a:p>
+            <a:endParaRPr lang="zh-CN" altLang="en-US" sz="2400"/>
+          </a:p>
+        </p:txBody>
+      </p:sp>
+    </p:spTree>
+  </p:cSld>
+  <p:clrMapOvr>
+    <a:masterClrMapping/>
+  </p:clrMapOvr>
+  <p:transition spd="med"/>
+</p:sld>
+</file>
+
+<file path=ppt/slides/slide2.xml><?xml version="1.0" encoding="utf-8"?>
+<p:sld xmlns:a="http://schemas.openxmlformats.org/drawingml/2006/main" xmlns:r="http://schemas.openxmlformats.org/officeDocument/2006/relationships" xmlns:p="http://schemas.openxmlformats.org/presentationml/2006/main">
+  <p:cSld>
+    <p:spTree>
+      <p:nvGrpSpPr>
+        <p:cNvPr id="1" name=""/>
+        <p:cNvGrpSpPr/>
+        <p:nvPr/>
+      </p:nvGrpSpPr>
+      <p:grpSpPr/>
+      <p:sp>
+        <p:nvSpPr>
+          <p:cNvPr id="2" name="标题 1"/>
+          <p:cNvSpPr>
+            <a:spLocks noGrp="1"/>
+          </p:cNvSpPr>
+          <p:nvPr>
+            <p:ph type="title"/>
+          </p:nvPr>
+        </p:nvSpPr>
+        <p:spPr/>
+        <p:txBody>
+          <a:bodyPr/>
+          <a:p>
+            <a:r>
+              <a:rPr lang="en-US" altLang="zh-CN">
+                <a:latin typeface="苹方-简" panose="020B0400000000000000" charset="-122"/>
+                <a:ea typeface="苹方-简" panose="020B0400000000000000" charset="-122"/>
+              </a:rPr>
+              <a:t>ToB Dev - </a:t>
+            </a:r>
+            <a:r>
+              <a:rPr lang="zh-CN" altLang="en-US">
+                <a:latin typeface="苹方-简" panose="020B0400000000000000" charset="-122"/>
+                <a:ea typeface="苹方-简" panose="020B0400000000000000" charset="-122"/>
+              </a:rPr>
+              <a:t>专注</a:t>
+            </a:r>
+            <a:r>
+              <a:rPr lang="en-US" altLang="zh-CN">
+                <a:latin typeface="苹方-简" panose="020B0400000000000000" charset="-122"/>
+                <a:ea typeface="苹方-简" panose="020B0400000000000000" charset="-122"/>
+              </a:rPr>
+              <a:t>B</a:t>
+            </a:r>
+            <a:r>
+              <a:rPr lang="zh-CN" altLang="en-US">
+                <a:latin typeface="苹方-简" panose="020B0400000000000000" charset="-122"/>
+                <a:ea typeface="苹方-简" panose="020B0400000000000000" charset="-122"/>
+              </a:rPr>
+              <a:t>端开发分享 </a:t>
+            </a:r>
+            <a:endParaRPr lang="zh-CN" altLang="en-US">
+              <a:latin typeface="苹方-简" panose="020B0400000000000000" charset="-122"/>
+              <a:ea typeface="苹方-简" panose="020B0400000000000000" charset="-122"/>
+            </a:endParaRPr>
+          </a:p>
+        </p:txBody>
+      </p:sp>
+      <p:sp>
+        <p:nvSpPr>
+          <p:cNvPr id="3" name="内容占位符 2"/>
+          <p:cNvSpPr>
+            <a:spLocks noGrp="1"/>
+          </p:cNvSpPr>
+          <p:nvPr>
+            <p:ph idx="1"/>
+          </p:nvPr>
+        </p:nvSpPr>
+        <p:spPr>
+          <a:xfrm>
+            <a:off x="746760" y="1529080"/>
+            <a:ext cx="10970895" cy="4920615"/>
+          </a:xfrm>
+        </p:spPr>
+        <p:txBody>
+          <a:bodyPr>
+            <a:normAutofit fontScale="80000"/>
+          </a:bodyPr>
+          <a:p>
+            <a:r>
+              <a:rPr lang="en-US" altLang="zh-CN">
+                <a:sym typeface="+mn-ea"/>
+              </a:rPr>
+              <a:t>ToB Dev </a:t>
+            </a:r>
+            <a:r>
+              <a:rPr lang="zh-CN" altLang="en-US">
+                <a:sym typeface="+mn-ea"/>
+              </a:rPr>
+              <a:t>企微同行群，由数千名企业微信应用产品及开发同行组成</a:t>
+            </a:r>
+            <a:endParaRPr lang="zh-CN" altLang="en-US">
+              <a:sym typeface="+mn-ea"/>
+            </a:endParaRPr>
+          </a:p>
+          <a:p>
+            <a:endParaRPr lang="zh-CN" altLang="en-US">
+              <a:sym typeface="+mn-ea"/>
+            </a:endParaRPr>
+          </a:p>
+          <a:p>
+            <a:r>
+              <a:rPr lang="zh-CN" altLang="en-US">
+                <a:sym typeface="+mn-ea"/>
+              </a:rPr>
+              <a:t>企业微信开发者社区优秀贡献者</a:t>
+            </a:r>
+            <a:endParaRPr lang="zh-CN" altLang="en-US">
+              <a:sym typeface="+mn-ea"/>
+            </a:endParaRPr>
+          </a:p>
+          <a:p>
+            <a:r>
+              <a:rPr lang="zh-CN" altLang="en-US">
+                <a:sym typeface="+mn-ea"/>
+              </a:rPr>
+              <a:t>https://developer.work.weixin.qq.com/community/question</a:t>
+            </a:r>
+            <a:endParaRPr lang="zh-CN" altLang="en-US">
+              <a:sym typeface="+mn-ea"/>
+            </a:endParaRPr>
+          </a:p>
+          <a:p>
+            <a:endParaRPr lang="zh-CN" altLang="en-US">
+              <a:sym typeface="+mn-ea"/>
+            </a:endParaRPr>
+          </a:p>
+          <a:p>
+            <a:r>
+              <a:rPr lang="zh-CN" altLang="en-US">
+                <a:sym typeface="+mn-ea"/>
+              </a:rPr>
+              <a:t>企业微信技术分享日特邀嘉宾</a:t>
+            </a:r>
+            <a:endParaRPr lang="zh-CN" altLang="en-US">
+              <a:sym typeface="+mn-ea"/>
+            </a:endParaRPr>
+          </a:p>
+          <a:p>
+            <a:r>
+              <a:rPr lang="zh-CN" altLang="en-US">
+                <a:sym typeface="+mn-ea"/>
+              </a:rPr>
+              <a:t>https://developer.work.weixin.qq.com/community/announcement/list</a:t>
+            </a:r>
+            <a:endParaRPr lang="zh-CN" altLang="en-US">
+              <a:sym typeface="+mn-ea"/>
+            </a:endParaRPr>
+          </a:p>
+          <a:p>
+            <a:endParaRPr lang="zh-CN" altLang="en-US">
+              <a:sym typeface="+mn-ea"/>
+            </a:endParaRPr>
+          </a:p>
+          <a:p>
+            <a:r>
+              <a:rPr lang="zh-CN" altLang="en-US">
+                <a:sym typeface="+mn-ea"/>
+              </a:rPr>
+              <a:t>企微应用开发付费教程、付费咨询，企业微信应用开源及商业授权（进行中）</a:t>
+            </a:r>
+            <a:endParaRPr lang="zh-CN" altLang="en-US">
+              <a:sym typeface="+mn-ea"/>
+            </a:endParaRPr>
+          </a:p>
+          <a:p>
+            <a:endParaRPr lang="zh-CN" altLang="en-US">
+              <a:sym typeface="+mn-ea"/>
+            </a:endParaRPr>
+          </a:p>
+          <a:p>
+            <a:r>
+              <a:rPr lang="zh-CN" altLang="en-US">
+                <a:sym typeface="+mn-ea"/>
+              </a:rPr>
+              <a:t>公众号</a:t>
+            </a:r>
+            <a:r>
+              <a:rPr lang="en-US" altLang="zh-CN">
+                <a:sym typeface="+mn-ea"/>
+              </a:rPr>
+              <a:t>ToB Dev</a:t>
+            </a:r>
+            <a:r>
+              <a:rPr lang="zh-CN" altLang="en-US">
+                <a:sym typeface="+mn-ea"/>
+              </a:rPr>
+              <a:t>，微信</a:t>
+            </a:r>
+            <a:r>
+              <a:rPr lang="en-US" altLang="zh-CN">
+                <a:sym typeface="+mn-ea"/>
+              </a:rPr>
+              <a:t>tobdevlyx</a:t>
+            </a:r>
+            <a:r>
+              <a:rPr lang="zh-CN" altLang="en-US">
+                <a:sym typeface="+mn-ea"/>
+              </a:rPr>
+              <a:t>，官网</a:t>
+            </a:r>
+            <a:r>
+              <a:rPr lang="en-US" altLang="zh-CN">
+                <a:sym typeface="+mn-ea"/>
+              </a:rPr>
+              <a:t>www.tobdev.com</a:t>
+            </a:r>
+            <a:r>
+              <a:rPr lang="zh-CN" altLang="en-US">
+                <a:sym typeface="+mn-ea"/>
+              </a:rPr>
+              <a:t>，</a:t>
+            </a:r>
+            <a:endParaRPr lang="zh-CN" altLang="en-US">
+              <a:sym typeface="+mn-ea"/>
+            </a:endParaRPr>
+          </a:p>
+          <a:p>
+            <a:endParaRPr lang="zh-CN" altLang="en-US">
+              <a:sym typeface="+mn-ea"/>
+            </a:endParaRPr>
+          </a:p>
+          <a:p>
+            <a:endParaRPr lang="zh-CN" altLang="en-US">
+              <a:sym typeface="+mn-ea"/>
+            </a:endParaRPr>
+          </a:p>
+          <a:p>
+            <a:pPr marL="0" indent="0">
+              <a:buNone/>
+            </a:pPr>
+            <a:endParaRPr lang="zh-CN" altLang="en-US">
+              <a:sym typeface="+mn-ea"/>
+            </a:endParaRPr>
+          </a:p>
+          <a:p>
+            <a:endParaRPr lang="zh-CN" altLang="en-US">
+              <a:sym typeface="+mn-ea"/>
+            </a:endParaRPr>
+          </a:p>
+          <a:p>
+            <a:endParaRPr lang="zh-CN" altLang="en-US">
+              <a:sym typeface="+mn-ea"/>
+            </a:endParaRPr>
+          </a:p>
+          <a:p>
+            <a:endParaRPr lang="en-US" altLang="zh-CN">
+              <a:sym typeface="+mn-ea"/>
+            </a:endParaRPr>
+          </a:p>
+        </p:txBody>
+      </p:sp>
+    </p:spTree>
+  </p:cSld>
+  <p:clrMapOvr>
+    <a:masterClrMapping/>
+  </p:clrMapOvr>
+</p:sld>
+</file>
+
+<file path=ppt/slides/slide20.xml><?xml version="1.0" encoding="utf-8"?>
+<p:sld xmlns:a="http://schemas.openxmlformats.org/drawingml/2006/main" xmlns:r="http://schemas.openxmlformats.org/officeDocument/2006/relationships" xmlns:p="http://schemas.openxmlformats.org/presentationml/2006/main">
+  <p:cSld>
+    <p:spTree>
+      <p:nvGrpSpPr>
+        <p:cNvPr id="1" name=""/>
+        <p:cNvGrpSpPr/>
+        <p:nvPr/>
+      </p:nvGrpSpPr>
+      <p:grpSpPr/>
+      <p:sp>
+        <p:nvSpPr>
+          <p:cNvPr id="4" name="标题 3"/>
+          <p:cNvSpPr>
+            <a:spLocks noGrp="1"/>
+          </p:cNvSpPr>
+          <p:nvPr>
+            <p:ph type="title"/>
+          </p:nvPr>
+        </p:nvSpPr>
+        <p:spPr>
+          <a:xfrm>
+            <a:off x="338455" y="175895"/>
+            <a:ext cx="8356600" cy="950595"/>
+          </a:xfrm>
+        </p:spPr>
+        <p:txBody>
+          <a:bodyPr>
+            <a:normAutofit/>
+          </a:bodyPr>
+          <a:p>
+            <a:pPr algn="l"/>
+            <a:r>
+              <a:rPr lang="zh-CN" altLang="en-US" sz="3600">
+                <a:latin typeface="苹方-简" panose="020B0400000000000000" charset="-122"/>
+                <a:ea typeface="苹方-简" panose="020B0400000000000000" charset="-122"/>
+              </a:rPr>
+              <a:t>小程序</a:t>
+            </a:r>
+            <a:endParaRPr lang="zh-CN" altLang="en-US" sz="3600">
+              <a:latin typeface="苹方-简" panose="020B0400000000000000" charset="-122"/>
+              <a:ea typeface="苹方-简" panose="020B0400000000000000" charset="-122"/>
+            </a:endParaRPr>
+          </a:p>
+        </p:txBody>
+      </p:sp>
+      <p:sp>
+        <p:nvSpPr>
+          <p:cNvPr id="5" name="文本框 4"/>
+          <p:cNvSpPr txBox="1"/>
+          <p:nvPr/>
+        </p:nvSpPr>
+        <p:spPr>
+          <a:xfrm>
+            <a:off x="477520" y="1240790"/>
+            <a:ext cx="11074400" cy="6369685"/>
+          </a:xfrm>
+          <a:prstGeom prst="rect">
+            <a:avLst/>
+          </a:prstGeom>
+          <a:noFill/>
+        </p:spPr>
+        <p:txBody>
+          <a:bodyPr wrap="square" rtlCol="0">
+            <a:spAutoFit/>
+          </a:bodyPr>
+          <a:p>
+            <a:r>
+              <a:rPr lang="zh-CN" altLang="en-US" sz="2400">
+                <a:sym typeface="+mn-ea"/>
+              </a:rPr>
+              <a:t>小程序只有一个，运行环境不一样，</a:t>
+            </a:r>
+            <a:endParaRPr lang="zh-CN" altLang="en-US" sz="2400">
+              <a:sym typeface="+mn-ea"/>
+            </a:endParaRPr>
+          </a:p>
+          <a:p>
+            <a:r>
+              <a:rPr lang="zh-CN" altLang="en-US" sz="2400">
+                <a:sym typeface="+mn-ea"/>
+              </a:rPr>
+              <a:t>获取环境变量</a:t>
+            </a:r>
+            <a:endParaRPr lang="zh-CN" altLang="en-US" sz="2400">
+              <a:sym typeface="+mn-ea"/>
+            </a:endParaRPr>
+          </a:p>
+          <a:p>
+            <a:r>
+              <a:rPr lang="zh-CN" altLang="en-US" sz="2400">
+                <a:sym typeface="+mn-ea"/>
+              </a:rPr>
+              <a:t>https://developer.work.weixin.qq.com/document/path/91510</a:t>
+            </a:r>
+            <a:endParaRPr lang="zh-CN" altLang="en-US" sz="2400">
+              <a:sym typeface="+mn-ea"/>
+            </a:endParaRPr>
+          </a:p>
+          <a:p>
+            <a:r>
+              <a:rPr lang="zh-CN" altLang="en-US" sz="2400">
+                <a:sym typeface="+mn-ea"/>
+              </a:rPr>
+              <a:t>登录</a:t>
+            </a:r>
+            <a:endParaRPr lang="zh-CN" altLang="en-US" sz="2400">
+              <a:sym typeface="+mn-ea"/>
+            </a:endParaRPr>
+          </a:p>
+          <a:p>
+            <a:r>
+              <a:rPr lang="zh-CN" altLang="en-US" sz="2400">
+                <a:sym typeface="+mn-ea"/>
+              </a:rPr>
+              <a:t>https://developer.work.weixin.qq.com/document/path/92426</a:t>
+            </a:r>
+            <a:endParaRPr lang="zh-CN" altLang="en-US" sz="2400">
+              <a:sym typeface="+mn-ea"/>
+            </a:endParaRPr>
+          </a:p>
+          <a:p>
+            <a:r>
+              <a:rPr lang="zh-CN" altLang="en-US" sz="2400">
+                <a:sym typeface="+mn-ea"/>
+              </a:rPr>
+              <a:t>调试</a:t>
+            </a:r>
+            <a:endParaRPr lang="zh-CN" altLang="en-US" sz="2400">
+              <a:sym typeface="+mn-ea"/>
+            </a:endParaRPr>
+          </a:p>
+          <a:p>
+            <a:r>
+              <a:rPr lang="zh-CN" altLang="en-US" sz="2400">
+                <a:sym typeface="+mn-ea"/>
+              </a:rPr>
+              <a:t>https://developers.weixin.qq.com/miniprogram/dev/devtools/qywx-dev.html</a:t>
+            </a:r>
+            <a:endParaRPr lang="zh-CN" altLang="en-US" sz="2400">
+              <a:sym typeface="+mn-ea"/>
+            </a:endParaRPr>
+          </a:p>
+          <a:p>
+            <a:r>
+              <a:rPr lang="zh-CN" altLang="en-US" sz="2400">
+                <a:sym typeface="+mn-ea"/>
+              </a:rPr>
+              <a:t>应用回调</a:t>
+            </a:r>
+            <a:endParaRPr lang="zh-CN" altLang="en-US" sz="2400">
+              <a:sym typeface="+mn-ea"/>
+            </a:endParaRPr>
+          </a:p>
+          <a:p>
+            <a:r>
+              <a:rPr lang="zh-CN" altLang="en-US" sz="2400">
+                <a:sym typeface="+mn-ea"/>
+              </a:rPr>
+              <a:t>https://developer.work.weixin.qq.com/document/path/95434#7%E6%8E%88%E6%9D%83%E5%8F%98%E6%9B%B4%E5%9B%9E%E8%B0%83</a:t>
+            </a:r>
+            <a:endParaRPr lang="zh-CN" altLang="en-US" sz="2400">
+              <a:sym typeface="+mn-ea"/>
+            </a:endParaRPr>
+          </a:p>
+          <a:p>
+            <a:r>
+              <a:rPr lang="zh-CN" altLang="en-US" sz="2400">
+                <a:sym typeface="+mn-ea"/>
+              </a:rPr>
+              <a:t>9.其他回调</a:t>
+            </a:r>
+            <a:endParaRPr lang="zh-CN" altLang="en-US" sz="2400">
+              <a:sym typeface="+mn-ea"/>
+            </a:endParaRPr>
+          </a:p>
+          <a:p>
+            <a:r>
+              <a:rPr lang="zh-CN" altLang="en-US" sz="2400">
+                <a:sym typeface="+mn-ea"/>
+              </a:rPr>
+              <a:t>https://developer.work.weixin.qq.com/document/path/90238</a:t>
+            </a:r>
+            <a:endParaRPr lang="zh-CN" altLang="en-US" sz="2400">
+              <a:sym typeface="+mn-ea"/>
+            </a:endParaRPr>
+          </a:p>
+          <a:p>
+            <a:r>
+              <a:rPr lang="zh-CN" altLang="en-US" sz="2400">
+                <a:sym typeface="+mn-ea"/>
+              </a:rPr>
+              <a:t>除了授权变更回调与通讯录变更回调之外，用户进入应用的事情、用户在应用里发送的消息、客户联系的变更回调等，与自建应用类似，企业微信后台都回调到代开发应用的回调URL上。特别重要 </a:t>
+            </a:r>
+            <a:r>
+              <a:rPr lang="en-US" altLang="zh-CN" sz="2400">
+                <a:sym typeface="+mn-ea"/>
+              </a:rPr>
+              <a:t>new</a:t>
+            </a:r>
+            <a:r>
+              <a:rPr lang="zh-CN" altLang="en-US" sz="2400">
+                <a:sym typeface="+mn-ea"/>
+              </a:rPr>
+              <a:t>解密类是</a:t>
+            </a:r>
+            <a:r>
+              <a:rPr lang="en-US" altLang="zh-CN" sz="2400">
+                <a:sym typeface="+mn-ea"/>
+              </a:rPr>
+              <a:t>recieveid</a:t>
+            </a:r>
+            <a:r>
+              <a:rPr lang="zh-CN" altLang="en-US" sz="2400">
+                <a:sym typeface="+mn-ea"/>
+              </a:rPr>
+              <a:t>为企业</a:t>
+            </a:r>
+            <a:r>
+              <a:rPr lang="en-US" altLang="zh-CN" sz="2400">
+                <a:sym typeface="+mn-ea"/>
+              </a:rPr>
+              <a:t>id</a:t>
+            </a:r>
+            <a:r>
+              <a:rPr lang="zh-CN" altLang="en-US" sz="2400">
+                <a:sym typeface="+mn-ea"/>
+              </a:rPr>
+              <a:t>   NodeList infoTypeNode = root.getElementsByTagName("ToUserName");</a:t>
+            </a:r>
+            <a:endParaRPr lang="zh-CN" altLang="en-US" sz="2400">
+              <a:sym typeface="+mn-ea"/>
+            </a:endParaRPr>
+          </a:p>
+          <a:p>
+            <a:r>
+              <a:rPr lang="zh-CN" altLang="en-US" sz="2400">
+                <a:sym typeface="+mn-ea"/>
+              </a:rPr>
+              <a:t>            corpId = infoTypeNode.item(0).getTextContent();</a:t>
+            </a:r>
+            <a:endParaRPr lang="zh-CN" altLang="en-US" sz="2400">
+              <a:sym typeface="+mn-ea"/>
+            </a:endParaRPr>
+          </a:p>
+        </p:txBody>
+      </p:sp>
+    </p:spTree>
+  </p:cSld>
+  <p:clrMapOvr>
+    <a:masterClrMapping/>
+  </p:clrMapOvr>
+  <p:transition spd="med"/>
+</p:sld>
+</file>
+
+<file path=ppt/slides/slide21.xml><?xml version="1.0" encoding="utf-8"?>
 <p:sld xmlns:a="http://schemas.openxmlformats.org/drawingml/2006/main" xmlns:r="http://schemas.openxmlformats.org/officeDocument/2006/relationships" xmlns:p="http://schemas.openxmlformats.org/presentationml/2006/main">
   <p:cSld>
     <p:spTree>
@@ -5623,7 +8978,7 @@
 </p:sld>
 </file>
 
-<file path=ppt/slides/slide15.xml><?xml version="1.0" encoding="utf-8"?>
+<file path=ppt/slides/slide22.xml><?xml version="1.0" encoding="utf-8"?>
 <p:sld xmlns:a="http://schemas.openxmlformats.org/drawingml/2006/main" xmlns:r="http://schemas.openxmlformats.org/officeDocument/2006/relationships" xmlns:p="http://schemas.openxmlformats.org/presentationml/2006/main">
   <p:cSld>
     <p:spTree>
@@ -5731,7 +9086,99 @@
 </p:sld>
 </file>
 
-<file path=ppt/slides/slide2.xml><?xml version="1.0" encoding="utf-8"?>
+<file path=ppt/slides/slide3.xml><?xml version="1.0" encoding="utf-8"?>
+<p:sld xmlns:a="http://schemas.openxmlformats.org/drawingml/2006/main" xmlns:r="http://schemas.openxmlformats.org/officeDocument/2006/relationships" xmlns:p="http://schemas.openxmlformats.org/presentationml/2006/main">
+  <p:cSld>
+    <p:spTree>
+      <p:nvGrpSpPr>
+        <p:cNvPr id="1" name=""/>
+        <p:cNvGrpSpPr/>
+        <p:nvPr/>
+      </p:nvGrpSpPr>
+      <p:grpSpPr/>
+      <p:pic>
+        <p:nvPicPr>
+          <p:cNvPr id="4" name="内容占位符 3"/>
+          <p:cNvPicPr>
+            <a:picLocks noChangeAspect="1"/>
+          </p:cNvPicPr>
+          <p:nvPr>
+            <p:ph idx="1"/>
+          </p:nvPr>
+        </p:nvPicPr>
+        <p:blipFill>
+          <a:blip r:embed="rId1"/>
+          <a:stretch>
+            <a:fillRect/>
+          </a:stretch>
+        </p:blipFill>
+        <p:spPr>
+          <a:xfrm>
+            <a:off x="5596255" y="304800"/>
+            <a:ext cx="6595745" cy="6247765"/>
+          </a:xfrm>
+          <a:prstGeom prst="rect">
+            <a:avLst/>
+          </a:prstGeom>
+        </p:spPr>
+      </p:pic>
+      <p:pic>
+        <p:nvPicPr>
+          <p:cNvPr id="5" name="图片 4"/>
+          <p:cNvPicPr>
+            <a:picLocks noChangeAspect="1"/>
+          </p:cNvPicPr>
+          <p:nvPr/>
+        </p:nvPicPr>
+        <p:blipFill>
+          <a:blip r:embed="rId2"/>
+          <a:stretch>
+            <a:fillRect/>
+          </a:stretch>
+        </p:blipFill>
+        <p:spPr>
+          <a:xfrm>
+            <a:off x="259080" y="75565"/>
+            <a:ext cx="5143500" cy="2600325"/>
+          </a:xfrm>
+          <a:prstGeom prst="rect">
+            <a:avLst/>
+          </a:prstGeom>
+        </p:spPr>
+      </p:pic>
+      <p:pic>
+        <p:nvPicPr>
+          <p:cNvPr id="6" name="图片 5"/>
+          <p:cNvPicPr>
+            <a:picLocks noChangeAspect="1"/>
+          </p:cNvPicPr>
+          <p:nvPr/>
+        </p:nvPicPr>
+        <p:blipFill>
+          <a:blip r:embed="rId3"/>
+          <a:stretch>
+            <a:fillRect/>
+          </a:stretch>
+        </p:blipFill>
+        <p:spPr>
+          <a:xfrm>
+            <a:off x="426085" y="3021965"/>
+            <a:ext cx="5055870" cy="3733165"/>
+          </a:xfrm>
+          <a:prstGeom prst="rect">
+            <a:avLst/>
+          </a:prstGeom>
+        </p:spPr>
+      </p:pic>
+    </p:spTree>
+  </p:cSld>
+  <p:clrMapOvr>
+    <a:masterClrMapping/>
+  </p:clrMapOvr>
+</p:sld>
+</file>
+
+<file path=ppt/slides/slide4.xml><?xml version="1.0" encoding="utf-8"?>
 <p:sld xmlns:a="http://schemas.openxmlformats.org/drawingml/2006/main" xmlns:r="http://schemas.openxmlformats.org/officeDocument/2006/relationships" xmlns:p="http://schemas.openxmlformats.org/presentationml/2006/main">
   <p:cSld>
     <p:spTree>
@@ -5760,35 +9207,7 @@
                 <a:latin typeface="苹方-简" panose="020B0400000000000000" charset="-122"/>
                 <a:ea typeface="苹方-简" panose="020B0400000000000000" charset="-122"/>
               </a:rPr>
-              <a:t>李月喜</a:t>
-            </a:r>
-            <a:r>
-              <a:rPr lang="en-US" altLang="zh-CN">
-                <a:latin typeface="苹方-简" panose="020B0400000000000000" charset="-122"/>
-                <a:ea typeface="苹方-简" panose="020B0400000000000000" charset="-122"/>
-              </a:rPr>
-              <a:t>-</a:t>
-            </a:r>
-            <a:r>
-              <a:rPr lang="zh-CN" altLang="en-US">
-                <a:latin typeface="苹方-简" panose="020B0400000000000000" charset="-122"/>
-                <a:ea typeface="苹方-简" panose="020B0400000000000000" charset="-122"/>
-              </a:rPr>
-              <a:t>专注</a:t>
-            </a:r>
-            <a:r>
-              <a:rPr lang="en-US" altLang="zh-CN">
-                <a:latin typeface="苹方-简" panose="020B0400000000000000" charset="-122"/>
-                <a:ea typeface="苹方-简" panose="020B0400000000000000" charset="-122"/>
-              </a:rPr>
-              <a:t>B</a:t>
-            </a:r>
-            <a:r>
-              <a:rPr lang="zh-CN" altLang="en-US">
-                <a:latin typeface="苹方-简" panose="020B0400000000000000" charset="-122"/>
-                <a:ea typeface="苹方-简" panose="020B0400000000000000" charset="-122"/>
-              </a:rPr>
-              <a:t>端开发分享 </a:t>
+              <a:t>李月喜 </a:t>
             </a:r>
             <a:endParaRPr lang="zh-CN" altLang="en-US">
               <a:latin typeface="苹方-简" panose="020B0400000000000000" charset="-122"/>
@@ -5807,21 +9226,50 @@
             <p:ph idx="1"/>
           </p:nvPr>
         </p:nvSpPr>
-        <p:spPr/>
+        <p:spPr>
+          <a:xfrm>
+            <a:off x="838200" y="1825625"/>
+            <a:ext cx="10515600" cy="3792855"/>
+          </a:xfrm>
+        </p:spPr>
         <p:txBody>
-          <a:bodyPr/>
-          <a:p>
+          <a:bodyPr>
+            <a:normAutofit fontScale="70000"/>
+          </a:bodyPr>
+          <a:p>
+            <a:pPr>
+              <a:lnSpc>
+                <a:spcPct val="150000"/>
+              </a:lnSpc>
+            </a:pPr>
             <a:r>
               <a:rPr lang="zh-CN" altLang="en-US">
                 <a:sym typeface="+mn-ea"/>
               </a:rPr>
-              <a:t>全栈工程师，产品经理，技术经理；</a:t>
+              <a:t>全栈工程师，多年创业经验，多年</a:t>
+            </a:r>
+            <a:r>
+              <a:rPr lang="en-US" altLang="zh-CN">
+                <a:sym typeface="+mn-ea"/>
+              </a:rPr>
+              <a:t>B</a:t>
+            </a:r>
+            <a:r>
+              <a:rPr lang="zh-CN" altLang="en-US">
+                <a:sym typeface="+mn-ea"/>
+              </a:rPr>
+              <a:t>端开发及产品经验；</a:t>
             </a:r>
             <a:endParaRPr lang="zh-CN" altLang="en-US">
               <a:sym typeface="+mn-ea"/>
             </a:endParaRPr>
           </a:p>
           <a:p>
+            <a:pPr>
+              <a:lnSpc>
+                <a:spcPct val="150000"/>
+              </a:lnSpc>
+            </a:pPr>
             <a:r>
               <a:rPr lang="en-US" altLang="zh-CN">
                 <a:sym typeface="+mn-ea"/>
@@ -5862,31 +9310,48 @@
               <a:rPr lang="en-US" altLang="zh-CN">
                 <a:sym typeface="+mn-ea"/>
               </a:rPr>
-              <a:t>5</a:t>
+              <a:t>15</a:t>
             </a:r>
             <a:r>
               <a:rPr lang="zh-CN" altLang="en-US">
                 <a:sym typeface="+mn-ea"/>
               </a:rPr>
-              <a:t>年以上</a:t>
+              <a:t>年开始从事</a:t>
             </a:r>
             <a:r>
               <a:rPr lang="en-US" altLang="zh-CN">
                 <a:sym typeface="+mn-ea"/>
               </a:rPr>
-              <a:t>To B</a:t>
+              <a:t>B</a:t>
             </a:r>
             <a:r>
               <a:rPr lang="zh-CN" altLang="en-US">
                 <a:sym typeface="+mn-ea"/>
               </a:rPr>
-              <a:t>应用开发经验；</a:t>
+              <a:t>端</a:t>
+            </a:r>
+            <a:r>
+              <a:rPr lang="en-US" altLang="zh-CN">
+                <a:sym typeface="+mn-ea"/>
+              </a:rPr>
+              <a:t>SaaS</a:t>
+            </a:r>
+            <a:r>
+              <a:rPr lang="zh-CN" altLang="en-US">
+                <a:sym typeface="+mn-ea"/>
+              </a:rPr>
+              <a:t>产品开发；</a:t>
             </a:r>
             <a:endParaRPr lang="zh-CN" altLang="en-US">
               <a:sym typeface="+mn-ea"/>
             </a:endParaRPr>
           </a:p>
           <a:p>
+            <a:pPr>
+              <a:lnSpc>
+                <a:spcPct val="150000"/>
+              </a:lnSpc>
+            </a:pPr>
             <a:r>
               <a:rPr lang="en-US" altLang="zh-CN">
                 <a:sym typeface="+mn-ea"/>
@@ -5911,6 +9376,16 @@
               </a:rPr>
               <a:t>小程序开发，有代公众号实现开发经验。</a:t>
             </a:r>
+            <a:endParaRPr lang="zh-CN" altLang="en-US">
+              <a:sym typeface="+mn-ea"/>
+            </a:endParaRPr>
+          </a:p>
+          <a:p>
+            <a:pPr>
+              <a:lnSpc>
+                <a:spcPct val="150000"/>
+              </a:lnSpc>
+            </a:pPr>
             <a:r>
               <a:rPr lang="en-US" altLang="zh-CN">
                 <a:sym typeface="+mn-ea"/>
@@ -5921,7 +9396,7 @@
               <a:rPr lang="zh-CN" altLang="en-US">
                 <a:sym typeface="+mn-ea"/>
               </a:rPr>
-              <a:t>年开始企业微信开发，有自建内部应用，第三方应用，政务微信应用，私有部署企业微信应用</a:t>
+              <a:t>年开始企业微信开发，有自建内部应用，自建应用代开发，第三方应用</a:t>
             </a:r>
             <a:r>
               <a:rPr lang="en-US" altLang="zh-CN">
@@ -5933,30 +9408,54 @@
               <a:rPr lang="zh-CN" altLang="en-US">
                 <a:sym typeface="+mn-ea"/>
               </a:rPr>
-              <a:t>应用包括</a:t>
+              <a:t>服务商及个人</a:t>
             </a:r>
             <a:r>
               <a:rPr lang="en-US" altLang="zh-CN">
                 <a:sym typeface="+mn-ea"/>
               </a:rPr>
-              <a:t>H5/</a:t>
+              <a:t>)</a:t>
             </a:r>
             <a:r>
               <a:rPr lang="zh-CN" altLang="en-US">
                 <a:sym typeface="+mn-ea"/>
               </a:rPr>
-              <a:t>小程序</a:t>
+              <a:t>，政务微信应用，私有部署企业微信应用</a:t>
             </a:r>
             <a:r>
               <a:rPr lang="en-US" altLang="zh-CN">
                 <a:sym typeface="+mn-ea"/>
               </a:rPr>
-              <a:t>)</a:t>
+              <a:t>(</a:t>
             </a:r>
             <a:r>
               <a:rPr lang="zh-CN" altLang="en-US">
                 <a:sym typeface="+mn-ea"/>
               </a:rPr>
+              <a:t>应用包括</a:t>
+            </a:r>
+            <a:r>
+              <a:rPr lang="en-US" altLang="zh-CN">
+                <a:sym typeface="+mn-ea"/>
+              </a:rPr>
+              <a:t>H5/</a:t>
+            </a:r>
+            <a:r>
+              <a:rPr lang="zh-CN" altLang="en-US">
+                <a:sym typeface="+mn-ea"/>
+              </a:rPr>
+              <a:t>小程序</a:t>
+            </a:r>
+            <a:r>
+              <a:rPr lang="en-US" altLang="zh-CN">
+                <a:sym typeface="+mn-ea"/>
+              </a:rPr>
+              <a:t>)</a:t>
+            </a:r>
+            <a:r>
+              <a:rPr lang="zh-CN" altLang="en-US">
+                <a:sym typeface="+mn-ea"/>
+              </a:rPr>
               <a:t>前后端开发经验；</a:t>
             </a:r>
             <a:endParaRPr lang="zh-CN" altLang="en-US">
@@ -5964,6 +9463,11 @@
             </a:endParaRPr>
           </a:p>
           <a:p>
+            <a:pPr>
+              <a:lnSpc>
+                <a:spcPct val="150000"/>
+              </a:lnSpc>
+            </a:pPr>
             <a:r>
               <a:rPr lang="zh-CN" altLang="en-US">
                 <a:sym typeface="+mn-ea"/>
@@ -6001,7 +9505,7 @@
 </p:sld>
 </file>
 
-<file path=ppt/slides/slide3.xml><?xml version="1.0" encoding="utf-8"?>
+<file path=ppt/slides/slide5.xml><?xml version="1.0" encoding="utf-8"?>
 <p:sld xmlns:a="http://schemas.openxmlformats.org/drawingml/2006/main" xmlns:r="http://schemas.openxmlformats.org/officeDocument/2006/relationships" xmlns:p="http://schemas.openxmlformats.org/presentationml/2006/main">
   <p:cSld>
     <p:spTree>
@@ -6061,7 +9565,7 @@
 </p:sld>
 </file>
 
-<file path=ppt/slides/slide4.xml><?xml version="1.0" encoding="utf-8"?>
+<file path=ppt/slides/slide6.xml><?xml version="1.0" encoding="utf-8"?>
 <p:sld xmlns:a="http://schemas.openxmlformats.org/drawingml/2006/main" xmlns:r="http://schemas.openxmlformats.org/officeDocument/2006/relationships" xmlns:p="http://schemas.openxmlformats.org/presentationml/2006/main">
   <p:cSld>
     <p:spTree>
@@ -8028,7 +11532,7 @@
 </p:sld>
 </file>
 
-<file path=ppt/slides/slide5.xml><?xml version="1.0" encoding="utf-8"?>
+<file path=ppt/slides/slide7.xml><?xml version="1.0" encoding="utf-8"?>
 <p:sld xmlns:a="http://schemas.openxmlformats.org/drawingml/2006/main" xmlns:r="http://schemas.openxmlformats.org/officeDocument/2006/relationships" xmlns:p="http://schemas.openxmlformats.org/presentationml/2006/main">
   <p:cSld>
     <p:spTree>
@@ -9107,7 +12611,7 @@
 </p:sld>
 </file>
 
-<file path=ppt/slides/slide6.xml><?xml version="1.0" encoding="utf-8"?>
+<file path=ppt/slides/slide8.xml><?xml version="1.0" encoding="utf-8"?>
 <p:sld xmlns:a="http://schemas.openxmlformats.org/drawingml/2006/main" xmlns:r="http://schemas.openxmlformats.org/officeDocument/2006/relationships" xmlns:p="http://schemas.openxmlformats.org/presentationml/2006/main">
   <p:cSld>
     <p:spTree>
@@ -10242,7 +13746,7 @@
 </p:sld>
 </file>
 
-<file path=ppt/slides/slide7.xml><?xml version="1.0" encoding="utf-8"?>
+<file path=ppt/slides/slide9.xml><?xml version="1.0" encoding="utf-8"?>
 <p:sld xmlns:a="http://schemas.openxmlformats.org/drawingml/2006/main" xmlns:r="http://schemas.openxmlformats.org/officeDocument/2006/relationships" xmlns:p="http://schemas.openxmlformats.org/presentationml/2006/main">
   <p:cSld>
     <p:spTree>
@@ -11181,2119 +14685,17 @@
 </p:sld>
 </file>
 
-<file path=ppt/slides/slide8.xml><?xml version="1.0" encoding="utf-8"?>
-<p:sld xmlns:a="http://schemas.openxmlformats.org/drawingml/2006/main" xmlns:r="http://schemas.openxmlformats.org/officeDocument/2006/relationships" xmlns:p="http://schemas.openxmlformats.org/presentationml/2006/main">
-  <p:cSld>
-    <p:spTree>
-      <p:nvGrpSpPr>
-        <p:cNvPr id="1" name=""/>
-        <p:cNvGrpSpPr/>
-        <p:nvPr/>
-      </p:nvGrpSpPr>
-      <p:grpSpPr/>
-      <p:sp>
-        <p:nvSpPr>
-          <p:cNvPr id="2" name="文本框 1"/>
-          <p:cNvSpPr txBox="1"/>
-          <p:nvPr/>
-        </p:nvSpPr>
-        <p:spPr>
-          <a:xfrm>
-            <a:off x="482600" y="411480"/>
-            <a:ext cx="11515090" cy="16402685"/>
-          </a:xfrm>
-          <a:prstGeom prst="rect">
-            <a:avLst/>
-          </a:prstGeom>
-          <a:noFill/>
-          <a:ln w="12700" cap="flat">
-            <a:noFill/>
-            <a:miter lim="400000"/>
-          </a:ln>
-        </p:spPr>
-        <p:style>
-          <a:lnRef idx="0">
-            <a:scrgbClr r="0" g="0" b="0"/>
-          </a:lnRef>
-          <a:fillRef idx="0">
-            <a:scrgbClr r="0" g="0" b="0"/>
-          </a:fillRef>
-          <a:effectRef idx="0">
-            <a:scrgbClr r="0" g="0" b="0"/>
-          </a:effectRef>
-          <a:fontRef idx="none"/>
-        </p:style>
-        <p:txBody>
-          <a:bodyPr rot="0" vertOverflow="overflow" horzOverflow="overflow" vert="horz" wrap="square" lIns="45719" tIns="45719" rIns="45719" bIns="45719" numCol="1" spcCol="38100" rtlCol="0" anchor="t" forceAA="0">
-            <a:spAutoFit/>
-          </a:bodyPr>
-          <a:p>
-            <a:pPr marL="0" marR="0" indent="0" algn="l" defTabSz="914400" rtl="0" fontAlgn="auto" latinLnBrk="0" hangingPunct="0">
-              <a:lnSpc>
-                <a:spcPct val="100000"/>
-              </a:lnSpc>
-              <a:spcBef>
-                <a:spcPts val="0"/>
-              </a:spcBef>
-              <a:spcAft>
-                <a:spcPts val="0"/>
-              </a:spcAft>
-              <a:buClrTx/>
-              <a:buSzTx/>
-              <a:buFontTx/>
-              <a:buNone/>
-            </a:pPr>
-            <a:endParaRPr kumimoji="0" lang="zh-CN" altLang="en-US" sz="2000" b="0" i="0" u="none" strike="noStrike" cap="none" spc="0" normalizeH="0" baseline="0" dirty="0" smtClean="0">
-              <a:solidFill>
-                <a:schemeClr val="bg1">
-                  <a:lumMod val="50000"/>
-                </a:schemeClr>
-              </a:solidFill>
-              <a:latin typeface="苹方-简" panose="020B0400000000000000" charset="-122"/>
-              <a:ea typeface="苹方-简" panose="020B0400000000000000" charset="-122"/>
-              <a:cs typeface="苹方-简" panose="020B0400000000000000" charset="-122"/>
-              <a:sym typeface="Times New Roman" panose="02020803070505020304"/>
-            </a:endParaRPr>
-          </a:p>
-          <a:p>
-            <a:pPr marL="0" marR="0" indent="0" algn="l" defTabSz="914400" rtl="0" fontAlgn="auto" latinLnBrk="0" hangingPunct="0">
-              <a:lnSpc>
-                <a:spcPct val="100000"/>
-              </a:lnSpc>
-              <a:spcBef>
-                <a:spcPts val="0"/>
-              </a:spcBef>
-              <a:spcAft>
-                <a:spcPts val="0"/>
-              </a:spcAft>
-              <a:buClrTx/>
-              <a:buSzTx/>
-              <a:buFontTx/>
-              <a:buNone/>
-            </a:pPr>
-            <a:endParaRPr kumimoji="0" lang="zh-CN" altLang="en-US" sz="2000" b="0" i="0" u="none" strike="noStrike" cap="none" spc="0" normalizeH="0" baseline="0" dirty="0" smtClean="0">
-              <a:solidFill>
-                <a:schemeClr val="bg1">
-                  <a:lumMod val="50000"/>
-                </a:schemeClr>
-              </a:solidFill>
-              <a:latin typeface="苹方-简" panose="020B0400000000000000" charset="-122"/>
-              <a:ea typeface="苹方-简" panose="020B0400000000000000" charset="-122"/>
-              <a:cs typeface="苹方-简" panose="020B0400000000000000" charset="-122"/>
-              <a:sym typeface="Times New Roman" panose="02020803070505020304"/>
-            </a:endParaRPr>
-          </a:p>
-          <a:p>
-            <a:pPr marL="0" marR="0" indent="0" algn="l" defTabSz="914400" rtl="0" fontAlgn="auto" latinLnBrk="0" hangingPunct="0">
-              <a:lnSpc>
-                <a:spcPct val="100000"/>
-              </a:lnSpc>
-              <a:spcBef>
-                <a:spcPts val="0"/>
-              </a:spcBef>
-              <a:spcAft>
-                <a:spcPts val="0"/>
-              </a:spcAft>
-              <a:buClrTx/>
-              <a:buSzTx/>
-              <a:buFontTx/>
-              <a:buNone/>
-            </a:pPr>
-            <a:r>
-              <a:rPr kumimoji="0" lang="zh-CN" altLang="en-US" sz="2000" b="0" i="0" u="none" strike="noStrike" cap="none" spc="0" normalizeH="0" baseline="0" dirty="0" smtClean="0">
-                <a:solidFill>
-                  <a:schemeClr val="bg1">
-                    <a:lumMod val="50000"/>
-                  </a:schemeClr>
-                </a:solidFill>
-                <a:latin typeface="苹方-简" panose="020B0400000000000000" charset="-122"/>
-                <a:ea typeface="苹方-简" panose="020B0400000000000000" charset="-122"/>
-                <a:cs typeface="苹方-简" panose="020B0400000000000000" charset="-122"/>
-                <a:sym typeface="Times New Roman" panose="02020803070505020304"/>
-              </a:rPr>
-              <a:t>{</a:t>
-            </a:r>
-            <a:endParaRPr kumimoji="0" lang="zh-CN" altLang="en-US" sz="2000" b="0" i="0" u="none" strike="noStrike" cap="none" spc="0" normalizeH="0" baseline="0" dirty="0" smtClean="0">
-              <a:solidFill>
-                <a:schemeClr val="bg1">
-                  <a:lumMod val="50000"/>
-                </a:schemeClr>
-              </a:solidFill>
-              <a:latin typeface="苹方-简" panose="020B0400000000000000" charset="-122"/>
-              <a:ea typeface="苹方-简" panose="020B0400000000000000" charset="-122"/>
-              <a:cs typeface="苹方-简" panose="020B0400000000000000" charset="-122"/>
-              <a:sym typeface="Times New Roman" panose="02020803070505020304"/>
-            </a:endParaRPr>
-          </a:p>
-          <a:p>
-            <a:pPr marL="0" marR="0" indent="0" algn="l" defTabSz="914400" rtl="0" fontAlgn="auto" latinLnBrk="0" hangingPunct="0">
-              <a:lnSpc>
-                <a:spcPct val="100000"/>
-              </a:lnSpc>
-              <a:spcBef>
-                <a:spcPts val="0"/>
-              </a:spcBef>
-              <a:spcAft>
-                <a:spcPts val="0"/>
-              </a:spcAft>
-              <a:buClrTx/>
-              <a:buSzTx/>
-              <a:buFontTx/>
-              <a:buNone/>
-            </a:pPr>
-            <a:r>
-              <a:rPr kumimoji="0" lang="zh-CN" altLang="en-US" sz="2000" b="0" i="0" u="none" strike="noStrike" cap="none" spc="0" normalizeH="0" baseline="0" dirty="0" smtClean="0">
-                <a:solidFill>
-                  <a:schemeClr val="bg1">
-                    <a:lumMod val="50000"/>
-                  </a:schemeClr>
-                </a:solidFill>
-                <a:latin typeface="苹方-简" panose="020B0400000000000000" charset="-122"/>
-                <a:ea typeface="苹方-简" panose="020B0400000000000000" charset="-122"/>
-                <a:cs typeface="苹方-简" panose="020B0400000000000000" charset="-122"/>
-                <a:sym typeface="Times New Roman" panose="02020803070505020304"/>
-              </a:rPr>
-              <a:t>    "permanent_code": "HjHWLrE13B36myBA7Qxd-xy0UKE5TgDD0Iz9UDtrqpc",</a:t>
-            </a:r>
-            <a:endParaRPr kumimoji="0" lang="zh-CN" altLang="en-US" sz="2000" b="0" i="0" u="none" strike="noStrike" cap="none" spc="0" normalizeH="0" baseline="0" dirty="0" smtClean="0">
-              <a:solidFill>
-                <a:schemeClr val="bg1">
-                  <a:lumMod val="50000"/>
-                </a:schemeClr>
-              </a:solidFill>
-              <a:latin typeface="苹方-简" panose="020B0400000000000000" charset="-122"/>
-              <a:ea typeface="苹方-简" panose="020B0400000000000000" charset="-122"/>
-              <a:cs typeface="苹方-简" panose="020B0400000000000000" charset="-122"/>
-              <a:sym typeface="Times New Roman" panose="02020803070505020304"/>
-            </a:endParaRPr>
-          </a:p>
-          <a:p>
-            <a:pPr marL="0" marR="0" indent="0" algn="l" defTabSz="914400" rtl="0" fontAlgn="auto" latinLnBrk="0" hangingPunct="0">
-              <a:lnSpc>
-                <a:spcPct val="100000"/>
-              </a:lnSpc>
-              <a:spcBef>
-                <a:spcPts val="0"/>
-              </a:spcBef>
-              <a:spcAft>
-                <a:spcPts val="0"/>
-              </a:spcAft>
-              <a:buClrTx/>
-              <a:buSzTx/>
-              <a:buFontTx/>
-              <a:buNone/>
-            </a:pPr>
-            <a:r>
-              <a:rPr kumimoji="0" lang="zh-CN" altLang="en-US" sz="2000" b="0" i="0" u="none" strike="noStrike" cap="none" spc="0" normalizeH="0" baseline="0" dirty="0" smtClean="0">
-                <a:solidFill>
-                  <a:schemeClr val="bg1">
-                    <a:lumMod val="50000"/>
-                  </a:schemeClr>
-                </a:solidFill>
-                <a:latin typeface="苹方-简" panose="020B0400000000000000" charset="-122"/>
-                <a:ea typeface="苹方-简" panose="020B0400000000000000" charset="-122"/>
-                <a:cs typeface="苹方-简" panose="020B0400000000000000" charset="-122"/>
-                <a:sym typeface="Times New Roman" panose="02020803070505020304"/>
-              </a:rPr>
-              <a:t>    "auth_corp_info": {</a:t>
-            </a:r>
-            <a:endParaRPr kumimoji="0" lang="zh-CN" altLang="en-US" sz="2000" b="0" i="0" u="none" strike="noStrike" cap="none" spc="0" normalizeH="0" baseline="0" dirty="0" smtClean="0">
-              <a:solidFill>
-                <a:schemeClr val="bg1">
-                  <a:lumMod val="50000"/>
-                </a:schemeClr>
-              </a:solidFill>
-              <a:latin typeface="苹方-简" panose="020B0400000000000000" charset="-122"/>
-              <a:ea typeface="苹方-简" panose="020B0400000000000000" charset="-122"/>
-              <a:cs typeface="苹方-简" panose="020B0400000000000000" charset="-122"/>
-              <a:sym typeface="Times New Roman" panose="02020803070505020304"/>
-            </a:endParaRPr>
-          </a:p>
-          <a:p>
-            <a:pPr marL="0" marR="0" indent="0" algn="l" defTabSz="914400" rtl="0" fontAlgn="auto" latinLnBrk="0" hangingPunct="0">
-              <a:lnSpc>
-                <a:spcPct val="100000"/>
-              </a:lnSpc>
-              <a:spcBef>
-                <a:spcPts val="0"/>
-              </a:spcBef>
-              <a:spcAft>
-                <a:spcPts val="0"/>
-              </a:spcAft>
-              <a:buClrTx/>
-              <a:buSzTx/>
-              <a:buFontTx/>
-              <a:buNone/>
-            </a:pPr>
-            <a:r>
-              <a:rPr kumimoji="0" lang="zh-CN" altLang="en-US" sz="2000" b="0" i="0" u="none" strike="noStrike" cap="none" spc="0" normalizeH="0" baseline="0" dirty="0" smtClean="0">
-                <a:solidFill>
-                  <a:schemeClr val="bg1">
-                    <a:lumMod val="50000"/>
-                  </a:schemeClr>
-                </a:solidFill>
-                <a:latin typeface="苹方-简" panose="020B0400000000000000" charset="-122"/>
-                <a:ea typeface="苹方-简" panose="020B0400000000000000" charset="-122"/>
-                <a:cs typeface="苹方-简" panose="020B0400000000000000" charset="-122"/>
-                <a:sym typeface="Times New Roman" panose="02020803070505020304"/>
-              </a:rPr>
-              <a:t>        "corpid": "wwe58c8eb857ded23d",</a:t>
-            </a:r>
-            <a:endParaRPr kumimoji="0" lang="zh-CN" altLang="en-US" sz="2000" b="0" i="0" u="none" strike="noStrike" cap="none" spc="0" normalizeH="0" baseline="0" dirty="0" smtClean="0">
-              <a:solidFill>
-                <a:schemeClr val="bg1">
-                  <a:lumMod val="50000"/>
-                </a:schemeClr>
-              </a:solidFill>
-              <a:latin typeface="苹方-简" panose="020B0400000000000000" charset="-122"/>
-              <a:ea typeface="苹方-简" panose="020B0400000000000000" charset="-122"/>
-              <a:cs typeface="苹方-简" panose="020B0400000000000000" charset="-122"/>
-              <a:sym typeface="Times New Roman" panose="02020803070505020304"/>
-            </a:endParaRPr>
-          </a:p>
-          <a:p>
-            <a:pPr marL="0" marR="0" indent="0" algn="l" defTabSz="914400" rtl="0" fontAlgn="auto" latinLnBrk="0" hangingPunct="0">
-              <a:lnSpc>
-                <a:spcPct val="100000"/>
-              </a:lnSpc>
-              <a:spcBef>
-                <a:spcPts val="0"/>
-              </a:spcBef>
-              <a:spcAft>
-                <a:spcPts val="0"/>
-              </a:spcAft>
-              <a:buClrTx/>
-              <a:buSzTx/>
-              <a:buFontTx/>
-              <a:buNone/>
-            </a:pPr>
-            <a:r>
-              <a:rPr kumimoji="0" lang="zh-CN" altLang="en-US" sz="2000" b="0" i="0" u="none" strike="noStrike" cap="none" spc="0" normalizeH="0" baseline="0" dirty="0" smtClean="0">
-                <a:solidFill>
-                  <a:schemeClr val="bg1">
-                    <a:lumMod val="50000"/>
-                  </a:schemeClr>
-                </a:solidFill>
-                <a:latin typeface="苹方-简" panose="020B0400000000000000" charset="-122"/>
-                <a:ea typeface="苹方-简" panose="020B0400000000000000" charset="-122"/>
-                <a:cs typeface="苹方-简" panose="020B0400000000000000" charset="-122"/>
-                <a:sym typeface="Times New Roman" panose="02020803070505020304"/>
-              </a:rPr>
-              <a:t>        "corp_name": "ToBDev李月喜",</a:t>
-            </a:r>
-            <a:endParaRPr kumimoji="0" lang="zh-CN" altLang="en-US" sz="2000" b="0" i="0" u="none" strike="noStrike" cap="none" spc="0" normalizeH="0" baseline="0" dirty="0" smtClean="0">
-              <a:solidFill>
-                <a:schemeClr val="bg1">
-                  <a:lumMod val="50000"/>
-                </a:schemeClr>
-              </a:solidFill>
-              <a:latin typeface="苹方-简" panose="020B0400000000000000" charset="-122"/>
-              <a:ea typeface="苹方-简" panose="020B0400000000000000" charset="-122"/>
-              <a:cs typeface="苹方-简" panose="020B0400000000000000" charset="-122"/>
-              <a:sym typeface="Times New Roman" panose="02020803070505020304"/>
-            </a:endParaRPr>
-          </a:p>
-          <a:p>
-            <a:pPr marL="0" marR="0" indent="0" algn="l" defTabSz="914400" rtl="0" fontAlgn="auto" latinLnBrk="0" hangingPunct="0">
-              <a:lnSpc>
-                <a:spcPct val="100000"/>
-              </a:lnSpc>
-              <a:spcBef>
-                <a:spcPts val="0"/>
-              </a:spcBef>
-              <a:spcAft>
-                <a:spcPts val="0"/>
-              </a:spcAft>
-              <a:buClrTx/>
-              <a:buSzTx/>
-              <a:buFontTx/>
-              <a:buNone/>
-            </a:pPr>
-            <a:r>
-              <a:rPr kumimoji="0" lang="zh-CN" altLang="en-US" sz="2000" b="0" i="0" u="none" strike="noStrike" cap="none" spc="0" normalizeH="0" baseline="0" dirty="0" smtClean="0">
-                <a:solidFill>
-                  <a:schemeClr val="bg1">
-                    <a:lumMod val="50000"/>
-                  </a:schemeClr>
-                </a:solidFill>
-                <a:latin typeface="苹方-简" panose="020B0400000000000000" charset="-122"/>
-                <a:ea typeface="苹方-简" panose="020B0400000000000000" charset="-122"/>
-                <a:cs typeface="苹方-简" panose="020B0400000000000000" charset="-122"/>
-                <a:sym typeface="Times New Roman" panose="02020803070505020304"/>
-              </a:rPr>
-              <a:t>        "corp_type": "unverified",</a:t>
-            </a:r>
-            <a:endParaRPr kumimoji="0" lang="zh-CN" altLang="en-US" sz="2000" b="0" i="0" u="none" strike="noStrike" cap="none" spc="0" normalizeH="0" baseline="0" dirty="0" smtClean="0">
-              <a:solidFill>
-                <a:schemeClr val="bg1">
-                  <a:lumMod val="50000"/>
-                </a:schemeClr>
-              </a:solidFill>
-              <a:latin typeface="苹方-简" panose="020B0400000000000000" charset="-122"/>
-              <a:ea typeface="苹方-简" panose="020B0400000000000000" charset="-122"/>
-              <a:cs typeface="苹方-简" panose="020B0400000000000000" charset="-122"/>
-              <a:sym typeface="Times New Roman" panose="02020803070505020304"/>
-            </a:endParaRPr>
-          </a:p>
-          <a:p>
-            <a:pPr marL="0" marR="0" indent="0" algn="l" defTabSz="914400" rtl="0" fontAlgn="auto" latinLnBrk="0" hangingPunct="0">
-              <a:lnSpc>
-                <a:spcPct val="100000"/>
-              </a:lnSpc>
-              <a:spcBef>
-                <a:spcPts val="0"/>
-              </a:spcBef>
-              <a:spcAft>
-                <a:spcPts val="0"/>
-              </a:spcAft>
-              <a:buClrTx/>
-              <a:buSzTx/>
-              <a:buFontTx/>
-              <a:buNone/>
-            </a:pPr>
-            <a:r>
-              <a:rPr kumimoji="0" lang="zh-CN" altLang="en-US" sz="2000" b="0" i="0" u="none" strike="noStrike" cap="none" spc="0" normalizeH="0" baseline="0" dirty="0" smtClean="0">
-                <a:solidFill>
-                  <a:schemeClr val="bg1">
-                    <a:lumMod val="50000"/>
-                  </a:schemeClr>
-                </a:solidFill>
-                <a:latin typeface="苹方-简" panose="020B0400000000000000" charset="-122"/>
-                <a:ea typeface="苹方-简" panose="020B0400000000000000" charset="-122"/>
-                <a:cs typeface="苹方-简" panose="020B0400000000000000" charset="-122"/>
-                <a:sym typeface="Times New Roman" panose="02020803070505020304"/>
-              </a:rPr>
-              <a:t>        "corp_round_logo_url": "https://wework.qpic.cn/wwpic/773052_ji6dX80sT76XZG9_1598797067/0",</a:t>
-            </a:r>
-            <a:endParaRPr kumimoji="0" lang="zh-CN" altLang="en-US" sz="2000" b="0" i="0" u="none" strike="noStrike" cap="none" spc="0" normalizeH="0" baseline="0" dirty="0" smtClean="0">
-              <a:solidFill>
-                <a:schemeClr val="bg1">
-                  <a:lumMod val="50000"/>
-                </a:schemeClr>
-              </a:solidFill>
-              <a:latin typeface="苹方-简" panose="020B0400000000000000" charset="-122"/>
-              <a:ea typeface="苹方-简" panose="020B0400000000000000" charset="-122"/>
-              <a:cs typeface="苹方-简" panose="020B0400000000000000" charset="-122"/>
-              <a:sym typeface="Times New Roman" panose="02020803070505020304"/>
-            </a:endParaRPr>
-          </a:p>
-          <a:p>
-            <a:pPr marL="0" marR="0" indent="0" algn="l" defTabSz="914400" rtl="0" fontAlgn="auto" latinLnBrk="0" hangingPunct="0">
-              <a:lnSpc>
-                <a:spcPct val="100000"/>
-              </a:lnSpc>
-              <a:spcBef>
-                <a:spcPts val="0"/>
-              </a:spcBef>
-              <a:spcAft>
-                <a:spcPts val="0"/>
-              </a:spcAft>
-              <a:buClrTx/>
-              <a:buSzTx/>
-              <a:buFontTx/>
-              <a:buNone/>
-            </a:pPr>
-            <a:r>
-              <a:rPr kumimoji="0" lang="zh-CN" altLang="en-US" sz="2000" b="0" i="0" u="none" strike="noStrike" cap="none" spc="0" normalizeH="0" baseline="0" dirty="0" smtClean="0">
-                <a:solidFill>
-                  <a:schemeClr val="bg1">
-                    <a:lumMod val="50000"/>
-                  </a:schemeClr>
-                </a:solidFill>
-                <a:latin typeface="苹方-简" panose="020B0400000000000000" charset="-122"/>
-                <a:ea typeface="苹方-简" panose="020B0400000000000000" charset="-122"/>
-                <a:cs typeface="苹方-简" panose="020B0400000000000000" charset="-122"/>
-                <a:sym typeface="Times New Roman" panose="02020803070505020304"/>
-              </a:rPr>
-              <a:t>        "corp_square_logo_url": "https://p.qlogo.cn/bizmail/lKt1bRlxFOiaRmH5lu8IGbRqib68aTWzQY9RibtylwsH9fhXDd75M6QlA/0",</a:t>
-            </a:r>
-            <a:endParaRPr kumimoji="0" lang="zh-CN" altLang="en-US" sz="2000" b="0" i="0" u="none" strike="noStrike" cap="none" spc="0" normalizeH="0" baseline="0" dirty="0" smtClean="0">
-              <a:solidFill>
-                <a:schemeClr val="bg1">
-                  <a:lumMod val="50000"/>
-                </a:schemeClr>
-              </a:solidFill>
-              <a:latin typeface="苹方-简" panose="020B0400000000000000" charset="-122"/>
-              <a:ea typeface="苹方-简" panose="020B0400000000000000" charset="-122"/>
-              <a:cs typeface="苹方-简" panose="020B0400000000000000" charset="-122"/>
-              <a:sym typeface="Times New Roman" panose="02020803070505020304"/>
-            </a:endParaRPr>
-          </a:p>
-          <a:p>
-            <a:pPr marL="0" marR="0" indent="0" algn="l" defTabSz="914400" rtl="0" fontAlgn="auto" latinLnBrk="0" hangingPunct="0">
-              <a:lnSpc>
-                <a:spcPct val="100000"/>
-              </a:lnSpc>
-              <a:spcBef>
-                <a:spcPts val="0"/>
-              </a:spcBef>
-              <a:spcAft>
-                <a:spcPts val="0"/>
-              </a:spcAft>
-              <a:buClrTx/>
-              <a:buSzTx/>
-              <a:buFontTx/>
-              <a:buNone/>
-            </a:pPr>
-            <a:r>
-              <a:rPr kumimoji="0" lang="zh-CN" altLang="en-US" sz="2000" b="0" i="0" u="none" strike="noStrike" cap="none" spc="0" normalizeH="0" baseline="0" dirty="0" smtClean="0">
-                <a:solidFill>
-                  <a:schemeClr val="bg1">
-                    <a:lumMod val="50000"/>
-                  </a:schemeClr>
-                </a:solidFill>
-                <a:latin typeface="苹方-简" panose="020B0400000000000000" charset="-122"/>
-                <a:ea typeface="苹方-简" panose="020B0400000000000000" charset="-122"/>
-                <a:cs typeface="苹方-简" panose="020B0400000000000000" charset="-122"/>
-                <a:sym typeface="Times New Roman" panose="02020803070505020304"/>
-              </a:rPr>
-              <a:t>        "corp_user_max": 200,</a:t>
-            </a:r>
-            <a:endParaRPr kumimoji="0" lang="zh-CN" altLang="en-US" sz="2000" b="0" i="0" u="none" strike="noStrike" cap="none" spc="0" normalizeH="0" baseline="0" dirty="0" smtClean="0">
-              <a:solidFill>
-                <a:schemeClr val="bg1">
-                  <a:lumMod val="50000"/>
-                </a:schemeClr>
-              </a:solidFill>
-              <a:latin typeface="苹方-简" panose="020B0400000000000000" charset="-122"/>
-              <a:ea typeface="苹方-简" panose="020B0400000000000000" charset="-122"/>
-              <a:cs typeface="苹方-简" panose="020B0400000000000000" charset="-122"/>
-              <a:sym typeface="Times New Roman" panose="02020803070505020304"/>
-            </a:endParaRPr>
-          </a:p>
-          <a:p>
-            <a:pPr marL="0" marR="0" indent="0" algn="l" defTabSz="914400" rtl="0" fontAlgn="auto" latinLnBrk="0" hangingPunct="0">
-              <a:lnSpc>
-                <a:spcPct val="100000"/>
-              </a:lnSpc>
-              <a:spcBef>
-                <a:spcPts val="0"/>
-              </a:spcBef>
-              <a:spcAft>
-                <a:spcPts val="0"/>
-              </a:spcAft>
-              <a:buClrTx/>
-              <a:buSzTx/>
-              <a:buFontTx/>
-              <a:buNone/>
-            </a:pPr>
-            <a:r>
-              <a:rPr kumimoji="0" lang="zh-CN" altLang="en-US" sz="2000" b="0" i="0" u="none" strike="noStrike" cap="none" spc="0" normalizeH="0" baseline="0" dirty="0" smtClean="0">
-                <a:solidFill>
-                  <a:schemeClr val="bg1">
-                    <a:lumMod val="50000"/>
-                  </a:schemeClr>
-                </a:solidFill>
-                <a:latin typeface="苹方-简" panose="020B0400000000000000" charset="-122"/>
-                <a:ea typeface="苹方-简" panose="020B0400000000000000" charset="-122"/>
-                <a:cs typeface="苹方-简" panose="020B0400000000000000" charset="-122"/>
-                <a:sym typeface="Times New Roman" panose="02020803070505020304"/>
-              </a:rPr>
-              <a:t>        "corp_wxqrcode": "https://wework.qpic.cn/wwpic/7446_-F29bhrTS-eulUt_1638805526/0",</a:t>
-            </a:r>
-            <a:endParaRPr kumimoji="0" lang="zh-CN" altLang="en-US" sz="2000" b="0" i="0" u="none" strike="noStrike" cap="none" spc="0" normalizeH="0" baseline="0" dirty="0" smtClean="0">
-              <a:solidFill>
-                <a:schemeClr val="bg1">
-                  <a:lumMod val="50000"/>
-                </a:schemeClr>
-              </a:solidFill>
-              <a:latin typeface="苹方-简" panose="020B0400000000000000" charset="-122"/>
-              <a:ea typeface="苹方-简" panose="020B0400000000000000" charset="-122"/>
-              <a:cs typeface="苹方-简" panose="020B0400000000000000" charset="-122"/>
-              <a:sym typeface="Times New Roman" panose="02020803070505020304"/>
-            </a:endParaRPr>
-          </a:p>
-          <a:p>
-            <a:pPr marL="0" marR="0" indent="0" algn="l" defTabSz="914400" rtl="0" fontAlgn="auto" latinLnBrk="0" hangingPunct="0">
-              <a:lnSpc>
-                <a:spcPct val="100000"/>
-              </a:lnSpc>
-              <a:spcBef>
-                <a:spcPts val="0"/>
-              </a:spcBef>
-              <a:spcAft>
-                <a:spcPts val="0"/>
-              </a:spcAft>
-              <a:buClrTx/>
-              <a:buSzTx/>
-              <a:buFontTx/>
-              <a:buNone/>
-            </a:pPr>
-            <a:r>
-              <a:rPr kumimoji="0" lang="zh-CN" altLang="en-US" sz="2000" b="0" i="0" u="none" strike="noStrike" cap="none" spc="0" normalizeH="0" baseline="0" dirty="0" smtClean="0">
-                <a:solidFill>
-                  <a:schemeClr val="bg1">
-                    <a:lumMod val="50000"/>
-                  </a:schemeClr>
-                </a:solidFill>
-                <a:latin typeface="苹方-简" panose="020B0400000000000000" charset="-122"/>
-                <a:ea typeface="苹方-简" panose="020B0400000000000000" charset="-122"/>
-                <a:cs typeface="苹方-简" panose="020B0400000000000000" charset="-122"/>
-                <a:sym typeface="Times New Roman" panose="02020803070505020304"/>
-              </a:rPr>
-              <a:t>        "subject_type": 1,</a:t>
-            </a:r>
-            <a:endParaRPr kumimoji="0" lang="zh-CN" altLang="en-US" sz="2000" b="0" i="0" u="none" strike="noStrike" cap="none" spc="0" normalizeH="0" baseline="0" dirty="0" smtClean="0">
-              <a:solidFill>
-                <a:schemeClr val="bg1">
-                  <a:lumMod val="50000"/>
-                </a:schemeClr>
-              </a:solidFill>
-              <a:latin typeface="苹方-简" panose="020B0400000000000000" charset="-122"/>
-              <a:ea typeface="苹方-简" panose="020B0400000000000000" charset="-122"/>
-              <a:cs typeface="苹方-简" panose="020B0400000000000000" charset="-122"/>
-              <a:sym typeface="Times New Roman" panose="02020803070505020304"/>
-            </a:endParaRPr>
-          </a:p>
-          <a:p>
-            <a:pPr marL="0" marR="0" indent="0" algn="l" defTabSz="914400" rtl="0" fontAlgn="auto" latinLnBrk="0" hangingPunct="0">
-              <a:lnSpc>
-                <a:spcPct val="100000"/>
-              </a:lnSpc>
-              <a:spcBef>
-                <a:spcPts val="0"/>
-              </a:spcBef>
-              <a:spcAft>
-                <a:spcPts val="0"/>
-              </a:spcAft>
-              <a:buClrTx/>
-              <a:buSzTx/>
-              <a:buFontTx/>
-              <a:buNone/>
-            </a:pPr>
-            <a:r>
-              <a:rPr kumimoji="0" lang="zh-CN" altLang="en-US" sz="2000" b="0" i="0" u="none" strike="noStrike" cap="none" spc="0" normalizeH="0" baseline="0" dirty="0" smtClean="0">
-                <a:solidFill>
-                  <a:schemeClr val="bg1">
-                    <a:lumMod val="50000"/>
-                  </a:schemeClr>
-                </a:solidFill>
-                <a:latin typeface="苹方-简" panose="020B0400000000000000" charset="-122"/>
-                <a:ea typeface="苹方-简" panose="020B0400000000000000" charset="-122"/>
-                <a:cs typeface="苹方-简" panose="020B0400000000000000" charset="-122"/>
-                <a:sym typeface="Times New Roman" panose="02020803070505020304"/>
-              </a:rPr>
-              <a:t>        "corp_scale": "1-50人",</a:t>
-            </a:r>
-            <a:endParaRPr kumimoji="0" lang="zh-CN" altLang="en-US" sz="2000" b="0" i="0" u="none" strike="noStrike" cap="none" spc="0" normalizeH="0" baseline="0" dirty="0" smtClean="0">
-              <a:solidFill>
-                <a:schemeClr val="bg1">
-                  <a:lumMod val="50000"/>
-                </a:schemeClr>
-              </a:solidFill>
-              <a:latin typeface="苹方-简" panose="020B0400000000000000" charset="-122"/>
-              <a:ea typeface="苹方-简" panose="020B0400000000000000" charset="-122"/>
-              <a:cs typeface="苹方-简" panose="020B0400000000000000" charset="-122"/>
-              <a:sym typeface="Times New Roman" panose="02020803070505020304"/>
-            </a:endParaRPr>
-          </a:p>
-          <a:p>
-            <a:pPr marL="0" marR="0" indent="0" algn="l" defTabSz="914400" rtl="0" fontAlgn="auto" latinLnBrk="0" hangingPunct="0">
-              <a:lnSpc>
-                <a:spcPct val="100000"/>
-              </a:lnSpc>
-              <a:spcBef>
-                <a:spcPts val="0"/>
-              </a:spcBef>
-              <a:spcAft>
-                <a:spcPts val="0"/>
-              </a:spcAft>
-              <a:buClrTx/>
-              <a:buSzTx/>
-              <a:buFontTx/>
-              <a:buNone/>
-            </a:pPr>
-            <a:r>
-              <a:rPr kumimoji="0" lang="zh-CN" altLang="en-US" sz="2000" b="0" i="0" u="none" strike="noStrike" cap="none" spc="0" normalizeH="0" baseline="0" dirty="0" smtClean="0">
-                <a:solidFill>
-                  <a:schemeClr val="bg1">
-                    <a:lumMod val="50000"/>
-                  </a:schemeClr>
-                </a:solidFill>
-                <a:latin typeface="苹方-简" panose="020B0400000000000000" charset="-122"/>
-                <a:ea typeface="苹方-简" panose="020B0400000000000000" charset="-122"/>
-                <a:cs typeface="苹方-简" panose="020B0400000000000000" charset="-122"/>
-                <a:sym typeface="Times New Roman" panose="02020803070505020304"/>
-              </a:rPr>
-              <a:t>        "corp_industry": "教育",</a:t>
-            </a:r>
-            <a:endParaRPr kumimoji="0" lang="zh-CN" altLang="en-US" sz="2000" b="0" i="0" u="none" strike="noStrike" cap="none" spc="0" normalizeH="0" baseline="0" dirty="0" smtClean="0">
-              <a:solidFill>
-                <a:schemeClr val="bg1">
-                  <a:lumMod val="50000"/>
-                </a:schemeClr>
-              </a:solidFill>
-              <a:latin typeface="苹方-简" panose="020B0400000000000000" charset="-122"/>
-              <a:ea typeface="苹方-简" panose="020B0400000000000000" charset="-122"/>
-              <a:cs typeface="苹方-简" panose="020B0400000000000000" charset="-122"/>
-              <a:sym typeface="Times New Roman" panose="02020803070505020304"/>
-            </a:endParaRPr>
-          </a:p>
-          <a:p>
-            <a:pPr marL="0" marR="0" indent="0" algn="l" defTabSz="914400" rtl="0" fontAlgn="auto" latinLnBrk="0" hangingPunct="0">
-              <a:lnSpc>
-                <a:spcPct val="100000"/>
-              </a:lnSpc>
-              <a:spcBef>
-                <a:spcPts val="0"/>
-              </a:spcBef>
-              <a:spcAft>
-                <a:spcPts val="0"/>
-              </a:spcAft>
-              <a:buClrTx/>
-              <a:buSzTx/>
-              <a:buFontTx/>
-              <a:buNone/>
-            </a:pPr>
-            <a:r>
-              <a:rPr kumimoji="0" lang="zh-CN" altLang="en-US" sz="2000" b="0" i="0" u="none" strike="noStrike" cap="none" spc="0" normalizeH="0" baseline="0" dirty="0" smtClean="0">
-                <a:solidFill>
-                  <a:schemeClr val="bg1">
-                    <a:lumMod val="50000"/>
-                  </a:schemeClr>
-                </a:solidFill>
-                <a:latin typeface="苹方-简" panose="020B0400000000000000" charset="-122"/>
-                <a:ea typeface="苹方-简" panose="020B0400000000000000" charset="-122"/>
-                <a:cs typeface="苹方-简" panose="020B0400000000000000" charset="-122"/>
-                <a:sym typeface="Times New Roman" panose="02020803070505020304"/>
-              </a:rPr>
-              <a:t>        "corp_sub_industry": "其他",</a:t>
-            </a:r>
-            <a:endParaRPr kumimoji="0" lang="zh-CN" altLang="en-US" sz="2000" b="0" i="0" u="none" strike="noStrike" cap="none" spc="0" normalizeH="0" baseline="0" dirty="0" smtClean="0">
-              <a:solidFill>
-                <a:schemeClr val="bg1">
-                  <a:lumMod val="50000"/>
-                </a:schemeClr>
-              </a:solidFill>
-              <a:latin typeface="苹方-简" panose="020B0400000000000000" charset="-122"/>
-              <a:ea typeface="苹方-简" panose="020B0400000000000000" charset="-122"/>
-              <a:cs typeface="苹方-简" panose="020B0400000000000000" charset="-122"/>
-              <a:sym typeface="Times New Roman" panose="02020803070505020304"/>
-            </a:endParaRPr>
-          </a:p>
-          <a:p>
-            <a:pPr marL="0" marR="0" indent="0" algn="l" defTabSz="914400" rtl="0" fontAlgn="auto" latinLnBrk="0" hangingPunct="0">
-              <a:lnSpc>
-                <a:spcPct val="100000"/>
-              </a:lnSpc>
-              <a:spcBef>
-                <a:spcPts val="0"/>
-              </a:spcBef>
-              <a:spcAft>
-                <a:spcPts val="0"/>
-              </a:spcAft>
-              <a:buClrTx/>
-              <a:buSzTx/>
-              <a:buFontTx/>
-              <a:buNone/>
-            </a:pPr>
-            <a:r>
-              <a:rPr kumimoji="0" lang="zh-CN" altLang="en-US" sz="2000" b="0" i="0" u="none" strike="noStrike" cap="none" spc="0" normalizeH="0" baseline="0" dirty="0" smtClean="0">
-                <a:solidFill>
-                  <a:schemeClr val="bg1">
-                    <a:lumMod val="50000"/>
-                  </a:schemeClr>
-                </a:solidFill>
-                <a:latin typeface="苹方-简" panose="020B0400000000000000" charset="-122"/>
-                <a:ea typeface="苹方-简" panose="020B0400000000000000" charset="-122"/>
-                <a:cs typeface="苹方-简" panose="020B0400000000000000" charset="-122"/>
-                <a:sym typeface="Times New Roman" panose="02020803070505020304"/>
-              </a:rPr>
-              <a:t>        "location": ""</a:t>
-            </a:r>
-            <a:endParaRPr kumimoji="0" lang="zh-CN" altLang="en-US" sz="2000" b="0" i="0" u="none" strike="noStrike" cap="none" spc="0" normalizeH="0" baseline="0" dirty="0" smtClean="0">
-              <a:solidFill>
-                <a:schemeClr val="bg1">
-                  <a:lumMod val="50000"/>
-                </a:schemeClr>
-              </a:solidFill>
-              <a:latin typeface="苹方-简" panose="020B0400000000000000" charset="-122"/>
-              <a:ea typeface="苹方-简" panose="020B0400000000000000" charset="-122"/>
-              <a:cs typeface="苹方-简" panose="020B0400000000000000" charset="-122"/>
-              <a:sym typeface="Times New Roman" panose="02020803070505020304"/>
-            </a:endParaRPr>
-          </a:p>
-          <a:p>
-            <a:pPr marL="0" marR="0" indent="0" algn="l" defTabSz="914400" rtl="0" fontAlgn="auto" latinLnBrk="0" hangingPunct="0">
-              <a:lnSpc>
-                <a:spcPct val="100000"/>
-              </a:lnSpc>
-              <a:spcBef>
-                <a:spcPts val="0"/>
-              </a:spcBef>
-              <a:spcAft>
-                <a:spcPts val="0"/>
-              </a:spcAft>
-              <a:buClrTx/>
-              <a:buSzTx/>
-              <a:buFontTx/>
-              <a:buNone/>
-            </a:pPr>
-            <a:r>
-              <a:rPr kumimoji="0" lang="zh-CN" altLang="en-US" sz="2000" b="0" i="0" u="none" strike="noStrike" cap="none" spc="0" normalizeH="0" baseline="0" dirty="0" smtClean="0">
-                <a:solidFill>
-                  <a:schemeClr val="bg1">
-                    <a:lumMod val="50000"/>
-                  </a:schemeClr>
-                </a:solidFill>
-                <a:latin typeface="苹方-简" panose="020B0400000000000000" charset="-122"/>
-                <a:ea typeface="苹方-简" panose="020B0400000000000000" charset="-122"/>
-                <a:cs typeface="苹方-简" panose="020B0400000000000000" charset="-122"/>
-                <a:sym typeface="Times New Roman" panose="02020803070505020304"/>
-              </a:rPr>
-              <a:t>    },</a:t>
-            </a:r>
-            <a:endParaRPr kumimoji="0" lang="zh-CN" altLang="en-US" sz="2000" b="0" i="0" u="none" strike="noStrike" cap="none" spc="0" normalizeH="0" baseline="0" dirty="0" smtClean="0">
-              <a:solidFill>
-                <a:schemeClr val="bg1">
-                  <a:lumMod val="50000"/>
-                </a:schemeClr>
-              </a:solidFill>
-              <a:latin typeface="苹方-简" panose="020B0400000000000000" charset="-122"/>
-              <a:ea typeface="苹方-简" panose="020B0400000000000000" charset="-122"/>
-              <a:cs typeface="苹方-简" panose="020B0400000000000000" charset="-122"/>
-              <a:sym typeface="Times New Roman" panose="02020803070505020304"/>
-            </a:endParaRPr>
-          </a:p>
-          <a:p>
-            <a:pPr marL="0" marR="0" indent="0" algn="l" defTabSz="914400" rtl="0" fontAlgn="auto" latinLnBrk="0" hangingPunct="0">
-              <a:lnSpc>
-                <a:spcPct val="100000"/>
-              </a:lnSpc>
-              <a:spcBef>
-                <a:spcPts val="0"/>
-              </a:spcBef>
-              <a:spcAft>
-                <a:spcPts val="0"/>
-              </a:spcAft>
-              <a:buClrTx/>
-              <a:buSzTx/>
-              <a:buFontTx/>
-              <a:buNone/>
-            </a:pPr>
-            <a:r>
-              <a:rPr kumimoji="0" lang="zh-CN" altLang="en-US" sz="2000" b="0" i="0" u="none" strike="noStrike" cap="none" spc="0" normalizeH="0" baseline="0" dirty="0" smtClean="0">
-                <a:solidFill>
-                  <a:schemeClr val="bg1">
-                    <a:lumMod val="50000"/>
-                  </a:schemeClr>
-                </a:solidFill>
-                <a:latin typeface="苹方-简" panose="020B0400000000000000" charset="-122"/>
-                <a:ea typeface="苹方-简" panose="020B0400000000000000" charset="-122"/>
-                <a:cs typeface="苹方-简" panose="020B0400000000000000" charset="-122"/>
-                <a:sym typeface="Times New Roman" panose="02020803070505020304"/>
-              </a:rPr>
-              <a:t>    "auth_info": {</a:t>
-            </a:r>
-            <a:endParaRPr kumimoji="0" lang="zh-CN" altLang="en-US" sz="2000" b="0" i="0" u="none" strike="noStrike" cap="none" spc="0" normalizeH="0" baseline="0" dirty="0" smtClean="0">
-              <a:solidFill>
-                <a:schemeClr val="bg1">
-                  <a:lumMod val="50000"/>
-                </a:schemeClr>
-              </a:solidFill>
-              <a:latin typeface="苹方-简" panose="020B0400000000000000" charset="-122"/>
-              <a:ea typeface="苹方-简" panose="020B0400000000000000" charset="-122"/>
-              <a:cs typeface="苹方-简" panose="020B0400000000000000" charset="-122"/>
-              <a:sym typeface="Times New Roman" panose="02020803070505020304"/>
-            </a:endParaRPr>
-          </a:p>
-          <a:p>
-            <a:pPr marL="0" marR="0" indent="0" algn="l" defTabSz="914400" rtl="0" fontAlgn="auto" latinLnBrk="0" hangingPunct="0">
-              <a:lnSpc>
-                <a:spcPct val="100000"/>
-              </a:lnSpc>
-              <a:spcBef>
-                <a:spcPts val="0"/>
-              </a:spcBef>
-              <a:spcAft>
-                <a:spcPts val="0"/>
-              </a:spcAft>
-              <a:buClrTx/>
-              <a:buSzTx/>
-              <a:buFontTx/>
-              <a:buNone/>
-            </a:pPr>
-            <a:r>
-              <a:rPr kumimoji="0" lang="zh-CN" altLang="en-US" sz="2000" b="0" i="0" u="none" strike="noStrike" cap="none" spc="0" normalizeH="0" baseline="0" dirty="0" smtClean="0">
-                <a:solidFill>
-                  <a:schemeClr val="bg1">
-                    <a:lumMod val="50000"/>
-                  </a:schemeClr>
-                </a:solidFill>
-                <a:latin typeface="苹方-简" panose="020B0400000000000000" charset="-122"/>
-                <a:ea typeface="苹方-简" panose="020B0400000000000000" charset="-122"/>
-                <a:cs typeface="苹方-简" panose="020B0400000000000000" charset="-122"/>
-                <a:sym typeface="Times New Roman" panose="02020803070505020304"/>
-              </a:rPr>
-              <a:t>        "agent": [</a:t>
-            </a:r>
-            <a:endParaRPr kumimoji="0" lang="zh-CN" altLang="en-US" sz="2000" b="0" i="0" u="none" strike="noStrike" cap="none" spc="0" normalizeH="0" baseline="0" dirty="0" smtClean="0">
-              <a:solidFill>
-                <a:schemeClr val="bg1">
-                  <a:lumMod val="50000"/>
-                </a:schemeClr>
-              </a:solidFill>
-              <a:latin typeface="苹方-简" panose="020B0400000000000000" charset="-122"/>
-              <a:ea typeface="苹方-简" panose="020B0400000000000000" charset="-122"/>
-              <a:cs typeface="苹方-简" panose="020B0400000000000000" charset="-122"/>
-              <a:sym typeface="Times New Roman" panose="02020803070505020304"/>
-            </a:endParaRPr>
-          </a:p>
-          <a:p>
-            <a:pPr marL="0" marR="0" indent="0" algn="l" defTabSz="914400" rtl="0" fontAlgn="auto" latinLnBrk="0" hangingPunct="0">
-              <a:lnSpc>
-                <a:spcPct val="100000"/>
-              </a:lnSpc>
-              <a:spcBef>
-                <a:spcPts val="0"/>
-              </a:spcBef>
-              <a:spcAft>
-                <a:spcPts val="0"/>
-              </a:spcAft>
-              <a:buClrTx/>
-              <a:buSzTx/>
-              <a:buFontTx/>
-              <a:buNone/>
-            </a:pPr>
-            <a:r>
-              <a:rPr kumimoji="0" lang="zh-CN" altLang="en-US" sz="2000" b="0" i="0" u="none" strike="noStrike" cap="none" spc="0" normalizeH="0" baseline="0" dirty="0" smtClean="0">
-                <a:solidFill>
-                  <a:schemeClr val="bg1">
-                    <a:lumMod val="50000"/>
-                  </a:schemeClr>
-                </a:solidFill>
-                <a:latin typeface="苹方-简" panose="020B0400000000000000" charset="-122"/>
-                <a:ea typeface="苹方-简" panose="020B0400000000000000" charset="-122"/>
-                <a:cs typeface="苹方-简" panose="020B0400000000000000" charset="-122"/>
-                <a:sym typeface="Times New Roman" panose="02020803070505020304"/>
-              </a:rPr>
-              <a:t>            {</a:t>
-            </a:r>
-            <a:endParaRPr kumimoji="0" lang="zh-CN" altLang="en-US" sz="2000" b="0" i="0" u="none" strike="noStrike" cap="none" spc="0" normalizeH="0" baseline="0" dirty="0" smtClean="0">
-              <a:solidFill>
-                <a:schemeClr val="bg1">
-                  <a:lumMod val="50000"/>
-                </a:schemeClr>
-              </a:solidFill>
-              <a:latin typeface="苹方-简" panose="020B0400000000000000" charset="-122"/>
-              <a:ea typeface="苹方-简" panose="020B0400000000000000" charset="-122"/>
-              <a:cs typeface="苹方-简" panose="020B0400000000000000" charset="-122"/>
-              <a:sym typeface="Times New Roman" panose="02020803070505020304"/>
-            </a:endParaRPr>
-          </a:p>
-          <a:p>
-            <a:pPr marL="0" marR="0" indent="0" algn="l" defTabSz="914400" rtl="0" fontAlgn="auto" latinLnBrk="0" hangingPunct="0">
-              <a:lnSpc>
-                <a:spcPct val="100000"/>
-              </a:lnSpc>
-              <a:spcBef>
-                <a:spcPts val="0"/>
-              </a:spcBef>
-              <a:spcAft>
-                <a:spcPts val="0"/>
-              </a:spcAft>
-              <a:buClrTx/>
-              <a:buSzTx/>
-              <a:buFontTx/>
-              <a:buNone/>
-            </a:pPr>
-            <a:r>
-              <a:rPr kumimoji="0" lang="zh-CN" altLang="en-US" sz="2000" b="0" i="0" u="none" strike="noStrike" cap="none" spc="0" normalizeH="0" baseline="0" dirty="0" smtClean="0">
-                <a:solidFill>
-                  <a:schemeClr val="bg1">
-                    <a:lumMod val="50000"/>
-                  </a:schemeClr>
-                </a:solidFill>
-                <a:latin typeface="苹方-简" panose="020B0400000000000000" charset="-122"/>
-                <a:ea typeface="苹方-简" panose="020B0400000000000000" charset="-122"/>
-                <a:cs typeface="苹方-简" panose="020B0400000000000000" charset="-122"/>
-                <a:sym typeface="Times New Roman" panose="02020803070505020304"/>
-              </a:rPr>
-              <a:t>                "agentid": 1000063,</a:t>
-            </a:r>
-            <a:endParaRPr kumimoji="0" lang="zh-CN" altLang="en-US" sz="2000" b="0" i="0" u="none" strike="noStrike" cap="none" spc="0" normalizeH="0" baseline="0" dirty="0" smtClean="0">
-              <a:solidFill>
-                <a:schemeClr val="bg1">
-                  <a:lumMod val="50000"/>
-                </a:schemeClr>
-              </a:solidFill>
-              <a:latin typeface="苹方-简" panose="020B0400000000000000" charset="-122"/>
-              <a:ea typeface="苹方-简" panose="020B0400000000000000" charset="-122"/>
-              <a:cs typeface="苹方-简" panose="020B0400000000000000" charset="-122"/>
-              <a:sym typeface="Times New Roman" panose="02020803070505020304"/>
-            </a:endParaRPr>
-          </a:p>
-          <a:p>
-            <a:pPr marL="0" marR="0" indent="0" algn="l" defTabSz="914400" rtl="0" fontAlgn="auto" latinLnBrk="0" hangingPunct="0">
-              <a:lnSpc>
-                <a:spcPct val="100000"/>
-              </a:lnSpc>
-              <a:spcBef>
-                <a:spcPts val="0"/>
-              </a:spcBef>
-              <a:spcAft>
-                <a:spcPts val="0"/>
-              </a:spcAft>
-              <a:buClrTx/>
-              <a:buSzTx/>
-              <a:buFontTx/>
-              <a:buNone/>
-            </a:pPr>
-            <a:r>
-              <a:rPr kumimoji="0" lang="zh-CN" altLang="en-US" sz="2000" b="0" i="0" u="none" strike="noStrike" cap="none" spc="0" normalizeH="0" baseline="0" dirty="0" smtClean="0">
-                <a:solidFill>
-                  <a:schemeClr val="bg1">
-                    <a:lumMod val="50000"/>
-                  </a:schemeClr>
-                </a:solidFill>
-                <a:latin typeface="苹方-简" panose="020B0400000000000000" charset="-122"/>
-                <a:ea typeface="苹方-简" panose="020B0400000000000000" charset="-122"/>
-                <a:cs typeface="苹方-简" panose="020B0400000000000000" charset="-122"/>
-                <a:sym typeface="Times New Roman" panose="02020803070505020304"/>
-              </a:rPr>
-              <a:t>                "name": "ToB Dev",</a:t>
-            </a:r>
-            <a:endParaRPr kumimoji="0" lang="zh-CN" altLang="en-US" sz="2000" b="0" i="0" u="none" strike="noStrike" cap="none" spc="0" normalizeH="0" baseline="0" dirty="0" smtClean="0">
-              <a:solidFill>
-                <a:schemeClr val="bg1">
-                  <a:lumMod val="50000"/>
-                </a:schemeClr>
-              </a:solidFill>
-              <a:latin typeface="苹方-简" panose="020B0400000000000000" charset="-122"/>
-              <a:ea typeface="苹方-简" panose="020B0400000000000000" charset="-122"/>
-              <a:cs typeface="苹方-简" panose="020B0400000000000000" charset="-122"/>
-              <a:sym typeface="Times New Roman" panose="02020803070505020304"/>
-            </a:endParaRPr>
-          </a:p>
-          <a:p>
-            <a:pPr marL="0" marR="0" indent="0" algn="l" defTabSz="914400" rtl="0" fontAlgn="auto" latinLnBrk="0" hangingPunct="0">
-              <a:lnSpc>
-                <a:spcPct val="100000"/>
-              </a:lnSpc>
-              <a:spcBef>
-                <a:spcPts val="0"/>
-              </a:spcBef>
-              <a:spcAft>
-                <a:spcPts val="0"/>
-              </a:spcAft>
-              <a:buClrTx/>
-              <a:buSzTx/>
-              <a:buFontTx/>
-              <a:buNone/>
-            </a:pPr>
-            <a:r>
-              <a:rPr kumimoji="0" lang="zh-CN" altLang="en-US" sz="2000" b="0" i="0" u="none" strike="noStrike" cap="none" spc="0" normalizeH="0" baseline="0" dirty="0" smtClean="0">
-                <a:solidFill>
-                  <a:schemeClr val="bg1">
-                    <a:lumMod val="50000"/>
-                  </a:schemeClr>
-                </a:solidFill>
-                <a:latin typeface="苹方-简" panose="020B0400000000000000" charset="-122"/>
-                <a:ea typeface="苹方-简" panose="020B0400000000000000" charset="-122"/>
-                <a:cs typeface="苹方-简" panose="020B0400000000000000" charset="-122"/>
-                <a:sym typeface="Times New Roman" panose="02020803070505020304"/>
-              </a:rPr>
-              <a:t>                "square_logo_url": "https://wework.qpic.cn/bizmail/nDiaoF2008iboG1NIsQd5YpNJDvniazCGwIziccvgNc98RWxPU2VI6pefA/0",</a:t>
-            </a:r>
-            <a:endParaRPr kumimoji="0" lang="zh-CN" altLang="en-US" sz="2000" b="0" i="0" u="none" strike="noStrike" cap="none" spc="0" normalizeH="0" baseline="0" dirty="0" smtClean="0">
-              <a:solidFill>
-                <a:schemeClr val="bg1">
-                  <a:lumMod val="50000"/>
-                </a:schemeClr>
-              </a:solidFill>
-              <a:latin typeface="苹方-简" panose="020B0400000000000000" charset="-122"/>
-              <a:ea typeface="苹方-简" panose="020B0400000000000000" charset="-122"/>
-              <a:cs typeface="苹方-简" panose="020B0400000000000000" charset="-122"/>
-              <a:sym typeface="Times New Roman" panose="02020803070505020304"/>
-            </a:endParaRPr>
-          </a:p>
-          <a:p>
-            <a:pPr marL="0" marR="0" indent="0" algn="l" defTabSz="914400" rtl="0" fontAlgn="auto" latinLnBrk="0" hangingPunct="0">
-              <a:lnSpc>
-                <a:spcPct val="100000"/>
-              </a:lnSpc>
-              <a:spcBef>
-                <a:spcPts val="0"/>
-              </a:spcBef>
-              <a:spcAft>
-                <a:spcPts val="0"/>
-              </a:spcAft>
-              <a:buClrTx/>
-              <a:buSzTx/>
-              <a:buFontTx/>
-              <a:buNone/>
-            </a:pPr>
-            <a:r>
-              <a:rPr kumimoji="0" lang="zh-CN" altLang="en-US" sz="2000" b="0" i="0" u="none" strike="noStrike" cap="none" spc="0" normalizeH="0" baseline="0" dirty="0" smtClean="0">
-                <a:solidFill>
-                  <a:schemeClr val="bg1">
-                    <a:lumMod val="50000"/>
-                  </a:schemeClr>
-                </a:solidFill>
-                <a:latin typeface="苹方-简" panose="020B0400000000000000" charset="-122"/>
-                <a:ea typeface="苹方-简" panose="020B0400000000000000" charset="-122"/>
-                <a:cs typeface="苹方-简" panose="020B0400000000000000" charset="-122"/>
-                <a:sym typeface="Times New Roman" panose="02020803070505020304"/>
-              </a:rPr>
-              <a:t>                "privilege": {</a:t>
-            </a:r>
-            <a:endParaRPr kumimoji="0" lang="zh-CN" altLang="en-US" sz="2000" b="0" i="0" u="none" strike="noStrike" cap="none" spc="0" normalizeH="0" baseline="0" dirty="0" smtClean="0">
-              <a:solidFill>
-                <a:schemeClr val="bg1">
-                  <a:lumMod val="50000"/>
-                </a:schemeClr>
-              </a:solidFill>
-              <a:latin typeface="苹方-简" panose="020B0400000000000000" charset="-122"/>
-              <a:ea typeface="苹方-简" panose="020B0400000000000000" charset="-122"/>
-              <a:cs typeface="苹方-简" panose="020B0400000000000000" charset="-122"/>
-              <a:sym typeface="Times New Roman" panose="02020803070505020304"/>
-            </a:endParaRPr>
-          </a:p>
-          <a:p>
-            <a:pPr marL="0" marR="0" indent="0" algn="l" defTabSz="914400" rtl="0" fontAlgn="auto" latinLnBrk="0" hangingPunct="0">
-              <a:lnSpc>
-                <a:spcPct val="100000"/>
-              </a:lnSpc>
-              <a:spcBef>
-                <a:spcPts val="0"/>
-              </a:spcBef>
-              <a:spcAft>
-                <a:spcPts val="0"/>
-              </a:spcAft>
-              <a:buClrTx/>
-              <a:buSzTx/>
-              <a:buFontTx/>
-              <a:buNone/>
-            </a:pPr>
-            <a:r>
-              <a:rPr kumimoji="0" lang="zh-CN" altLang="en-US" sz="2000" b="0" i="0" u="none" strike="noStrike" cap="none" spc="0" normalizeH="0" baseline="0" dirty="0" smtClean="0">
-                <a:solidFill>
-                  <a:schemeClr val="bg1">
-                    <a:lumMod val="50000"/>
-                  </a:schemeClr>
-                </a:solidFill>
-                <a:latin typeface="苹方-简" panose="020B0400000000000000" charset="-122"/>
-                <a:ea typeface="苹方-简" panose="020B0400000000000000" charset="-122"/>
-                <a:cs typeface="苹方-简" panose="020B0400000000000000" charset="-122"/>
-                <a:sym typeface="Times New Roman" panose="02020803070505020304"/>
-              </a:rPr>
-              <a:t>                    "level": 0,</a:t>
-            </a:r>
-            <a:endParaRPr kumimoji="0" lang="zh-CN" altLang="en-US" sz="2000" b="0" i="0" u="none" strike="noStrike" cap="none" spc="0" normalizeH="0" baseline="0" dirty="0" smtClean="0">
-              <a:solidFill>
-                <a:schemeClr val="bg1">
-                  <a:lumMod val="50000"/>
-                </a:schemeClr>
-              </a:solidFill>
-              <a:latin typeface="苹方-简" panose="020B0400000000000000" charset="-122"/>
-              <a:ea typeface="苹方-简" panose="020B0400000000000000" charset="-122"/>
-              <a:cs typeface="苹方-简" panose="020B0400000000000000" charset="-122"/>
-              <a:sym typeface="Times New Roman" panose="02020803070505020304"/>
-            </a:endParaRPr>
-          </a:p>
-          <a:p>
-            <a:pPr marL="0" marR="0" indent="0" algn="l" defTabSz="914400" rtl="0" fontAlgn="auto" latinLnBrk="0" hangingPunct="0">
-              <a:lnSpc>
-                <a:spcPct val="100000"/>
-              </a:lnSpc>
-              <a:spcBef>
-                <a:spcPts val="0"/>
-              </a:spcBef>
-              <a:spcAft>
-                <a:spcPts val="0"/>
-              </a:spcAft>
-              <a:buClrTx/>
-              <a:buSzTx/>
-              <a:buFontTx/>
-              <a:buNone/>
-            </a:pPr>
-            <a:r>
-              <a:rPr kumimoji="0" lang="zh-CN" altLang="en-US" sz="2000" b="0" i="0" u="none" strike="noStrike" cap="none" spc="0" normalizeH="0" baseline="0" dirty="0" smtClean="0">
-                <a:solidFill>
-                  <a:schemeClr val="bg1">
-                    <a:lumMod val="50000"/>
-                  </a:schemeClr>
-                </a:solidFill>
-                <a:latin typeface="苹方-简" panose="020B0400000000000000" charset="-122"/>
-                <a:ea typeface="苹方-简" panose="020B0400000000000000" charset="-122"/>
-                <a:cs typeface="苹方-简" panose="020B0400000000000000" charset="-122"/>
-                <a:sym typeface="Times New Roman" panose="02020803070505020304"/>
-              </a:rPr>
-              <a:t>                    "allow_party": [],</a:t>
-            </a:r>
-            <a:endParaRPr kumimoji="0" lang="zh-CN" altLang="en-US" sz="2000" b="0" i="0" u="none" strike="noStrike" cap="none" spc="0" normalizeH="0" baseline="0" dirty="0" smtClean="0">
-              <a:solidFill>
-                <a:schemeClr val="bg1">
-                  <a:lumMod val="50000"/>
-                </a:schemeClr>
-              </a:solidFill>
-              <a:latin typeface="苹方-简" panose="020B0400000000000000" charset="-122"/>
-              <a:ea typeface="苹方-简" panose="020B0400000000000000" charset="-122"/>
-              <a:cs typeface="苹方-简" panose="020B0400000000000000" charset="-122"/>
-              <a:sym typeface="Times New Roman" panose="02020803070505020304"/>
-            </a:endParaRPr>
-          </a:p>
-          <a:p>
-            <a:pPr marL="0" marR="0" indent="0" algn="l" defTabSz="914400" rtl="0" fontAlgn="auto" latinLnBrk="0" hangingPunct="0">
-              <a:lnSpc>
-                <a:spcPct val="100000"/>
-              </a:lnSpc>
-              <a:spcBef>
-                <a:spcPts val="0"/>
-              </a:spcBef>
-              <a:spcAft>
-                <a:spcPts val="0"/>
-              </a:spcAft>
-              <a:buClrTx/>
-              <a:buSzTx/>
-              <a:buFontTx/>
-              <a:buNone/>
-            </a:pPr>
-            <a:r>
-              <a:rPr kumimoji="0" lang="zh-CN" altLang="en-US" sz="2000" b="0" i="0" u="none" strike="noStrike" cap="none" spc="0" normalizeH="0" baseline="0" dirty="0" smtClean="0">
-                <a:solidFill>
-                  <a:schemeClr val="bg1">
-                    <a:lumMod val="50000"/>
-                  </a:schemeClr>
-                </a:solidFill>
-                <a:latin typeface="苹方-简" panose="020B0400000000000000" charset="-122"/>
-                <a:ea typeface="苹方-简" panose="020B0400000000000000" charset="-122"/>
-                <a:cs typeface="苹方-简" panose="020B0400000000000000" charset="-122"/>
-                <a:sym typeface="Times New Roman" panose="02020803070505020304"/>
-              </a:rPr>
-              <a:t>                    "allow_user": [],</a:t>
-            </a:r>
-            <a:endParaRPr kumimoji="0" lang="zh-CN" altLang="en-US" sz="2000" b="0" i="0" u="none" strike="noStrike" cap="none" spc="0" normalizeH="0" baseline="0" dirty="0" smtClean="0">
-              <a:solidFill>
-                <a:schemeClr val="bg1">
-                  <a:lumMod val="50000"/>
-                </a:schemeClr>
-              </a:solidFill>
-              <a:latin typeface="苹方-简" panose="020B0400000000000000" charset="-122"/>
-              <a:ea typeface="苹方-简" panose="020B0400000000000000" charset="-122"/>
-              <a:cs typeface="苹方-简" panose="020B0400000000000000" charset="-122"/>
-              <a:sym typeface="Times New Roman" panose="02020803070505020304"/>
-            </a:endParaRPr>
-          </a:p>
-          <a:p>
-            <a:pPr marL="0" marR="0" indent="0" algn="l" defTabSz="914400" rtl="0" fontAlgn="auto" latinLnBrk="0" hangingPunct="0">
-              <a:lnSpc>
-                <a:spcPct val="100000"/>
-              </a:lnSpc>
-              <a:spcBef>
-                <a:spcPts val="0"/>
-              </a:spcBef>
-              <a:spcAft>
-                <a:spcPts val="0"/>
-              </a:spcAft>
-              <a:buClrTx/>
-              <a:buSzTx/>
-              <a:buFontTx/>
-              <a:buNone/>
-            </a:pPr>
-            <a:r>
-              <a:rPr kumimoji="0" lang="zh-CN" altLang="en-US" sz="2000" b="0" i="0" u="none" strike="noStrike" cap="none" spc="0" normalizeH="0" baseline="0" dirty="0" smtClean="0">
-                <a:solidFill>
-                  <a:schemeClr val="bg1">
-                    <a:lumMod val="50000"/>
-                  </a:schemeClr>
-                </a:solidFill>
-                <a:latin typeface="苹方-简" panose="020B0400000000000000" charset="-122"/>
-                <a:ea typeface="苹方-简" panose="020B0400000000000000" charset="-122"/>
-                <a:cs typeface="苹方-简" panose="020B0400000000000000" charset="-122"/>
-                <a:sym typeface="Times New Roman" panose="02020803070505020304"/>
-              </a:rPr>
-              <a:t>                    "allow_tag": [],</a:t>
-            </a:r>
-            <a:endParaRPr kumimoji="0" lang="zh-CN" altLang="en-US" sz="2000" b="0" i="0" u="none" strike="noStrike" cap="none" spc="0" normalizeH="0" baseline="0" dirty="0" smtClean="0">
-              <a:solidFill>
-                <a:schemeClr val="bg1">
-                  <a:lumMod val="50000"/>
-                </a:schemeClr>
-              </a:solidFill>
-              <a:latin typeface="苹方-简" panose="020B0400000000000000" charset="-122"/>
-              <a:ea typeface="苹方-简" panose="020B0400000000000000" charset="-122"/>
-              <a:cs typeface="苹方-简" panose="020B0400000000000000" charset="-122"/>
-              <a:sym typeface="Times New Roman" panose="02020803070505020304"/>
-            </a:endParaRPr>
-          </a:p>
-          <a:p>
-            <a:pPr marL="0" marR="0" indent="0" algn="l" defTabSz="914400" rtl="0" fontAlgn="auto" latinLnBrk="0" hangingPunct="0">
-              <a:lnSpc>
-                <a:spcPct val="100000"/>
-              </a:lnSpc>
-              <a:spcBef>
-                <a:spcPts val="0"/>
-              </a:spcBef>
-              <a:spcAft>
-                <a:spcPts val="0"/>
-              </a:spcAft>
-              <a:buClrTx/>
-              <a:buSzTx/>
-              <a:buFontTx/>
-              <a:buNone/>
-            </a:pPr>
-            <a:r>
-              <a:rPr kumimoji="0" lang="zh-CN" altLang="en-US" sz="2000" b="0" i="0" u="none" strike="noStrike" cap="none" spc="0" normalizeH="0" baseline="0" dirty="0" smtClean="0">
-                <a:solidFill>
-                  <a:schemeClr val="bg1">
-                    <a:lumMod val="50000"/>
-                  </a:schemeClr>
-                </a:solidFill>
-                <a:latin typeface="苹方-简" panose="020B0400000000000000" charset="-122"/>
-                <a:ea typeface="苹方-简" panose="020B0400000000000000" charset="-122"/>
-                <a:cs typeface="苹方-简" panose="020B0400000000000000" charset="-122"/>
-                <a:sym typeface="Times New Roman" panose="02020803070505020304"/>
-              </a:rPr>
-              <a:t>                    "extra_party": [],</a:t>
-            </a:r>
-            <a:endParaRPr kumimoji="0" lang="zh-CN" altLang="en-US" sz="2000" b="0" i="0" u="none" strike="noStrike" cap="none" spc="0" normalizeH="0" baseline="0" dirty="0" smtClean="0">
-              <a:solidFill>
-                <a:schemeClr val="bg1">
-                  <a:lumMod val="50000"/>
-                </a:schemeClr>
-              </a:solidFill>
-              <a:latin typeface="苹方-简" panose="020B0400000000000000" charset="-122"/>
-              <a:ea typeface="苹方-简" panose="020B0400000000000000" charset="-122"/>
-              <a:cs typeface="苹方-简" panose="020B0400000000000000" charset="-122"/>
-              <a:sym typeface="Times New Roman" panose="02020803070505020304"/>
-            </a:endParaRPr>
-          </a:p>
-          <a:p>
-            <a:pPr marL="0" marR="0" indent="0" algn="l" defTabSz="914400" rtl="0" fontAlgn="auto" latinLnBrk="0" hangingPunct="0">
-              <a:lnSpc>
-                <a:spcPct val="100000"/>
-              </a:lnSpc>
-              <a:spcBef>
-                <a:spcPts val="0"/>
-              </a:spcBef>
-              <a:spcAft>
-                <a:spcPts val="0"/>
-              </a:spcAft>
-              <a:buClrTx/>
-              <a:buSzTx/>
-              <a:buFontTx/>
-              <a:buNone/>
-            </a:pPr>
-            <a:r>
-              <a:rPr kumimoji="0" lang="zh-CN" altLang="en-US" sz="2000" b="0" i="0" u="none" strike="noStrike" cap="none" spc="0" normalizeH="0" baseline="0" dirty="0" smtClean="0">
-                <a:solidFill>
-                  <a:schemeClr val="bg1">
-                    <a:lumMod val="50000"/>
-                  </a:schemeClr>
-                </a:solidFill>
-                <a:latin typeface="苹方-简" panose="020B0400000000000000" charset="-122"/>
-                <a:ea typeface="苹方-简" panose="020B0400000000000000" charset="-122"/>
-                <a:cs typeface="苹方-简" panose="020B0400000000000000" charset="-122"/>
-                <a:sym typeface="Times New Roman" panose="02020803070505020304"/>
-              </a:rPr>
-              <a:t>                    "extra_user": [],</a:t>
-            </a:r>
-            <a:endParaRPr kumimoji="0" lang="zh-CN" altLang="en-US" sz="2000" b="0" i="0" u="none" strike="noStrike" cap="none" spc="0" normalizeH="0" baseline="0" dirty="0" smtClean="0">
-              <a:solidFill>
-                <a:schemeClr val="bg1">
-                  <a:lumMod val="50000"/>
-                </a:schemeClr>
-              </a:solidFill>
-              <a:latin typeface="苹方-简" panose="020B0400000000000000" charset="-122"/>
-              <a:ea typeface="苹方-简" panose="020B0400000000000000" charset="-122"/>
-              <a:cs typeface="苹方-简" panose="020B0400000000000000" charset="-122"/>
-              <a:sym typeface="Times New Roman" panose="02020803070505020304"/>
-            </a:endParaRPr>
-          </a:p>
-          <a:p>
-            <a:pPr marL="0" marR="0" indent="0" algn="l" defTabSz="914400" rtl="0" fontAlgn="auto" latinLnBrk="0" hangingPunct="0">
-              <a:lnSpc>
-                <a:spcPct val="100000"/>
-              </a:lnSpc>
-              <a:spcBef>
-                <a:spcPts val="0"/>
-              </a:spcBef>
-              <a:spcAft>
-                <a:spcPts val="0"/>
-              </a:spcAft>
-              <a:buClrTx/>
-              <a:buSzTx/>
-              <a:buFontTx/>
-              <a:buNone/>
-            </a:pPr>
-            <a:r>
-              <a:rPr kumimoji="0" lang="zh-CN" altLang="en-US" sz="2000" b="0" i="0" u="none" strike="noStrike" cap="none" spc="0" normalizeH="0" baseline="0" dirty="0" smtClean="0">
-                <a:solidFill>
-                  <a:schemeClr val="bg1">
-                    <a:lumMod val="50000"/>
-                  </a:schemeClr>
-                </a:solidFill>
-                <a:latin typeface="苹方-简" panose="020B0400000000000000" charset="-122"/>
-                <a:ea typeface="苹方-简" panose="020B0400000000000000" charset="-122"/>
-                <a:cs typeface="苹方-简" panose="020B0400000000000000" charset="-122"/>
-                <a:sym typeface="Times New Roman" panose="02020803070505020304"/>
-              </a:rPr>
-              <a:t>                    "extra_tag": []</a:t>
-            </a:r>
-            <a:endParaRPr kumimoji="0" lang="zh-CN" altLang="en-US" sz="2000" b="0" i="0" u="none" strike="noStrike" cap="none" spc="0" normalizeH="0" baseline="0" dirty="0" smtClean="0">
-              <a:solidFill>
-                <a:schemeClr val="bg1">
-                  <a:lumMod val="50000"/>
-                </a:schemeClr>
-              </a:solidFill>
-              <a:latin typeface="苹方-简" panose="020B0400000000000000" charset="-122"/>
-              <a:ea typeface="苹方-简" panose="020B0400000000000000" charset="-122"/>
-              <a:cs typeface="苹方-简" panose="020B0400000000000000" charset="-122"/>
-              <a:sym typeface="Times New Roman" panose="02020803070505020304"/>
-            </a:endParaRPr>
-          </a:p>
-          <a:p>
-            <a:pPr marL="0" marR="0" indent="0" algn="l" defTabSz="914400" rtl="0" fontAlgn="auto" latinLnBrk="0" hangingPunct="0">
-              <a:lnSpc>
-                <a:spcPct val="100000"/>
-              </a:lnSpc>
-              <a:spcBef>
-                <a:spcPts val="0"/>
-              </a:spcBef>
-              <a:spcAft>
-                <a:spcPts val="0"/>
-              </a:spcAft>
-              <a:buClrTx/>
-              <a:buSzTx/>
-              <a:buFontTx/>
-              <a:buNone/>
-            </a:pPr>
-            <a:r>
-              <a:rPr kumimoji="0" lang="zh-CN" altLang="en-US" sz="2000" b="0" i="0" u="none" strike="noStrike" cap="none" spc="0" normalizeH="0" baseline="0" dirty="0" smtClean="0">
-                <a:solidFill>
-                  <a:schemeClr val="bg1">
-                    <a:lumMod val="50000"/>
-                  </a:schemeClr>
-                </a:solidFill>
-                <a:latin typeface="苹方-简" panose="020B0400000000000000" charset="-122"/>
-                <a:ea typeface="苹方-简" panose="020B0400000000000000" charset="-122"/>
-                <a:cs typeface="苹方-简" panose="020B0400000000000000" charset="-122"/>
-                <a:sym typeface="Times New Roman" panose="02020803070505020304"/>
-              </a:rPr>
-              <a:t>                },</a:t>
-            </a:r>
-            <a:endParaRPr kumimoji="0" lang="zh-CN" altLang="en-US" sz="2000" b="0" i="0" u="none" strike="noStrike" cap="none" spc="0" normalizeH="0" baseline="0" dirty="0" smtClean="0">
-              <a:solidFill>
-                <a:schemeClr val="bg1">
-                  <a:lumMod val="50000"/>
-                </a:schemeClr>
-              </a:solidFill>
-              <a:latin typeface="苹方-简" panose="020B0400000000000000" charset="-122"/>
-              <a:ea typeface="苹方-简" panose="020B0400000000000000" charset="-122"/>
-              <a:cs typeface="苹方-简" panose="020B0400000000000000" charset="-122"/>
-              <a:sym typeface="Times New Roman" panose="02020803070505020304"/>
-            </a:endParaRPr>
-          </a:p>
-          <a:p>
-            <a:pPr marL="0" marR="0" indent="0" algn="l" defTabSz="914400" rtl="0" fontAlgn="auto" latinLnBrk="0" hangingPunct="0">
-              <a:lnSpc>
-                <a:spcPct val="100000"/>
-              </a:lnSpc>
-              <a:spcBef>
-                <a:spcPts val="0"/>
-              </a:spcBef>
-              <a:spcAft>
-                <a:spcPts val="0"/>
-              </a:spcAft>
-              <a:buClrTx/>
-              <a:buSzTx/>
-              <a:buFontTx/>
-              <a:buNone/>
-            </a:pPr>
-            <a:r>
-              <a:rPr kumimoji="0" lang="zh-CN" altLang="en-US" sz="2000" b="0" i="0" u="none" strike="noStrike" cap="none" spc="0" normalizeH="0" baseline="0" dirty="0" smtClean="0">
-                <a:solidFill>
-                  <a:schemeClr val="bg1">
-                    <a:lumMod val="50000"/>
-                  </a:schemeClr>
-                </a:solidFill>
-                <a:latin typeface="苹方-简" panose="020B0400000000000000" charset="-122"/>
-                <a:ea typeface="苹方-简" panose="020B0400000000000000" charset="-122"/>
-                <a:cs typeface="苹方-简" panose="020B0400000000000000" charset="-122"/>
-                <a:sym typeface="Times New Roman" panose="02020803070505020304"/>
-              </a:rPr>
-              <a:t>                "is_customized_app": true</a:t>
-            </a:r>
-            <a:endParaRPr kumimoji="0" lang="zh-CN" altLang="en-US" sz="2000" b="0" i="0" u="none" strike="noStrike" cap="none" spc="0" normalizeH="0" baseline="0" dirty="0" smtClean="0">
-              <a:solidFill>
-                <a:schemeClr val="bg1">
-                  <a:lumMod val="50000"/>
-                </a:schemeClr>
-              </a:solidFill>
-              <a:latin typeface="苹方-简" panose="020B0400000000000000" charset="-122"/>
-              <a:ea typeface="苹方-简" panose="020B0400000000000000" charset="-122"/>
-              <a:cs typeface="苹方-简" panose="020B0400000000000000" charset="-122"/>
-              <a:sym typeface="Times New Roman" panose="02020803070505020304"/>
-            </a:endParaRPr>
-          </a:p>
-          <a:p>
-            <a:pPr marL="0" marR="0" indent="0" algn="l" defTabSz="914400" rtl="0" fontAlgn="auto" latinLnBrk="0" hangingPunct="0">
-              <a:lnSpc>
-                <a:spcPct val="100000"/>
-              </a:lnSpc>
-              <a:spcBef>
-                <a:spcPts val="0"/>
-              </a:spcBef>
-              <a:spcAft>
-                <a:spcPts val="0"/>
-              </a:spcAft>
-              <a:buClrTx/>
-              <a:buSzTx/>
-              <a:buFontTx/>
-              <a:buNone/>
-            </a:pPr>
-            <a:r>
-              <a:rPr kumimoji="0" lang="zh-CN" altLang="en-US" sz="2000" b="0" i="0" u="none" strike="noStrike" cap="none" spc="0" normalizeH="0" baseline="0" dirty="0" smtClean="0">
-                <a:solidFill>
-                  <a:schemeClr val="bg1">
-                    <a:lumMod val="50000"/>
-                  </a:schemeClr>
-                </a:solidFill>
-                <a:latin typeface="苹方-简" panose="020B0400000000000000" charset="-122"/>
-                <a:ea typeface="苹方-简" panose="020B0400000000000000" charset="-122"/>
-                <a:cs typeface="苹方-简" panose="020B0400000000000000" charset="-122"/>
-                <a:sym typeface="Times New Roman" panose="02020803070505020304"/>
-              </a:rPr>
-              <a:t>            }</a:t>
-            </a:r>
-            <a:endParaRPr kumimoji="0" lang="zh-CN" altLang="en-US" sz="2000" b="0" i="0" u="none" strike="noStrike" cap="none" spc="0" normalizeH="0" baseline="0" dirty="0" smtClean="0">
-              <a:solidFill>
-                <a:schemeClr val="bg1">
-                  <a:lumMod val="50000"/>
-                </a:schemeClr>
-              </a:solidFill>
-              <a:latin typeface="苹方-简" panose="020B0400000000000000" charset="-122"/>
-              <a:ea typeface="苹方-简" panose="020B0400000000000000" charset="-122"/>
-              <a:cs typeface="苹方-简" panose="020B0400000000000000" charset="-122"/>
-              <a:sym typeface="Times New Roman" panose="02020803070505020304"/>
-            </a:endParaRPr>
-          </a:p>
-          <a:p>
-            <a:pPr marL="0" marR="0" indent="0" algn="l" defTabSz="914400" rtl="0" fontAlgn="auto" latinLnBrk="0" hangingPunct="0">
-              <a:lnSpc>
-                <a:spcPct val="100000"/>
-              </a:lnSpc>
-              <a:spcBef>
-                <a:spcPts val="0"/>
-              </a:spcBef>
-              <a:spcAft>
-                <a:spcPts val="0"/>
-              </a:spcAft>
-              <a:buClrTx/>
-              <a:buSzTx/>
-              <a:buFontTx/>
-              <a:buNone/>
-            </a:pPr>
-            <a:r>
-              <a:rPr kumimoji="0" lang="zh-CN" altLang="en-US" sz="2000" b="0" i="0" u="none" strike="noStrike" cap="none" spc="0" normalizeH="0" baseline="0" dirty="0" smtClean="0">
-                <a:solidFill>
-                  <a:schemeClr val="bg1">
-                    <a:lumMod val="50000"/>
-                  </a:schemeClr>
-                </a:solidFill>
-                <a:latin typeface="苹方-简" panose="020B0400000000000000" charset="-122"/>
-                <a:ea typeface="苹方-简" panose="020B0400000000000000" charset="-122"/>
-                <a:cs typeface="苹方-简" panose="020B0400000000000000" charset="-122"/>
-                <a:sym typeface="Times New Roman" panose="02020803070505020304"/>
-              </a:rPr>
-              <a:t>        ]</a:t>
-            </a:r>
-            <a:endParaRPr kumimoji="0" lang="zh-CN" altLang="en-US" sz="2000" b="0" i="0" u="none" strike="noStrike" cap="none" spc="0" normalizeH="0" baseline="0" dirty="0" smtClean="0">
-              <a:solidFill>
-                <a:schemeClr val="bg1">
-                  <a:lumMod val="50000"/>
-                </a:schemeClr>
-              </a:solidFill>
-              <a:latin typeface="苹方-简" panose="020B0400000000000000" charset="-122"/>
-              <a:ea typeface="苹方-简" panose="020B0400000000000000" charset="-122"/>
-              <a:cs typeface="苹方-简" panose="020B0400000000000000" charset="-122"/>
-              <a:sym typeface="Times New Roman" panose="02020803070505020304"/>
-            </a:endParaRPr>
-          </a:p>
-          <a:p>
-            <a:pPr marL="0" marR="0" indent="0" algn="l" defTabSz="914400" rtl="0" fontAlgn="auto" latinLnBrk="0" hangingPunct="0">
-              <a:lnSpc>
-                <a:spcPct val="100000"/>
-              </a:lnSpc>
-              <a:spcBef>
-                <a:spcPts val="0"/>
-              </a:spcBef>
-              <a:spcAft>
-                <a:spcPts val="0"/>
-              </a:spcAft>
-              <a:buClrTx/>
-              <a:buSzTx/>
-              <a:buFontTx/>
-              <a:buNone/>
-            </a:pPr>
-            <a:r>
-              <a:rPr kumimoji="0" lang="zh-CN" altLang="en-US" sz="2000" b="0" i="0" u="none" strike="noStrike" cap="none" spc="0" normalizeH="0" baseline="0" dirty="0" smtClean="0">
-                <a:solidFill>
-                  <a:schemeClr val="bg1">
-                    <a:lumMod val="50000"/>
-                  </a:schemeClr>
-                </a:solidFill>
-                <a:latin typeface="苹方-简" panose="020B0400000000000000" charset="-122"/>
-                <a:ea typeface="苹方-简" panose="020B0400000000000000" charset="-122"/>
-                <a:cs typeface="苹方-简" panose="020B0400000000000000" charset="-122"/>
-                <a:sym typeface="Times New Roman" panose="02020803070505020304"/>
-              </a:rPr>
-              <a:t>    },</a:t>
-            </a:r>
-            <a:endParaRPr kumimoji="0" lang="zh-CN" altLang="en-US" sz="2000" b="0" i="0" u="none" strike="noStrike" cap="none" spc="0" normalizeH="0" baseline="0" dirty="0" smtClean="0">
-              <a:solidFill>
-                <a:schemeClr val="bg1">
-                  <a:lumMod val="50000"/>
-                </a:schemeClr>
-              </a:solidFill>
-              <a:latin typeface="苹方-简" panose="020B0400000000000000" charset="-122"/>
-              <a:ea typeface="苹方-简" panose="020B0400000000000000" charset="-122"/>
-              <a:cs typeface="苹方-简" panose="020B0400000000000000" charset="-122"/>
-              <a:sym typeface="Times New Roman" panose="02020803070505020304"/>
-            </a:endParaRPr>
-          </a:p>
-          <a:p>
-            <a:pPr marL="0" marR="0" indent="0" algn="l" defTabSz="914400" rtl="0" fontAlgn="auto" latinLnBrk="0" hangingPunct="0">
-              <a:lnSpc>
-                <a:spcPct val="100000"/>
-              </a:lnSpc>
-              <a:spcBef>
-                <a:spcPts val="0"/>
-              </a:spcBef>
-              <a:spcAft>
-                <a:spcPts val="0"/>
-              </a:spcAft>
-              <a:buClrTx/>
-              <a:buSzTx/>
-              <a:buFontTx/>
-              <a:buNone/>
-            </a:pPr>
-            <a:r>
-              <a:rPr kumimoji="0" lang="zh-CN" altLang="en-US" sz="2000" b="0" i="0" u="none" strike="noStrike" cap="none" spc="0" normalizeH="0" baseline="0" dirty="0" smtClean="0">
-                <a:solidFill>
-                  <a:schemeClr val="bg1">
-                    <a:lumMod val="50000"/>
-                  </a:schemeClr>
-                </a:solidFill>
-                <a:latin typeface="苹方-简" panose="020B0400000000000000" charset="-122"/>
-                <a:ea typeface="苹方-简" panose="020B0400000000000000" charset="-122"/>
-                <a:cs typeface="苹方-简" panose="020B0400000000000000" charset="-122"/>
-                <a:sym typeface="Times New Roman" panose="02020803070505020304"/>
-              </a:rPr>
-              <a:t>    "auth_user_info": {</a:t>
-            </a:r>
-            <a:endParaRPr kumimoji="0" lang="zh-CN" altLang="en-US" sz="2000" b="0" i="0" u="none" strike="noStrike" cap="none" spc="0" normalizeH="0" baseline="0" dirty="0" smtClean="0">
-              <a:solidFill>
-                <a:schemeClr val="bg1">
-                  <a:lumMod val="50000"/>
-                </a:schemeClr>
-              </a:solidFill>
-              <a:latin typeface="苹方-简" panose="020B0400000000000000" charset="-122"/>
-              <a:ea typeface="苹方-简" panose="020B0400000000000000" charset="-122"/>
-              <a:cs typeface="苹方-简" panose="020B0400000000000000" charset="-122"/>
-              <a:sym typeface="Times New Roman" panose="02020803070505020304"/>
-            </a:endParaRPr>
-          </a:p>
-          <a:p>
-            <a:pPr marL="0" marR="0" indent="0" algn="l" defTabSz="914400" rtl="0" fontAlgn="auto" latinLnBrk="0" hangingPunct="0">
-              <a:lnSpc>
-                <a:spcPct val="100000"/>
-              </a:lnSpc>
-              <a:spcBef>
-                <a:spcPts val="0"/>
-              </a:spcBef>
-              <a:spcAft>
-                <a:spcPts val="0"/>
-              </a:spcAft>
-              <a:buClrTx/>
-              <a:buSzTx/>
-              <a:buFontTx/>
-              <a:buNone/>
-            </a:pPr>
-            <a:r>
-              <a:rPr kumimoji="0" lang="zh-CN" altLang="en-US" sz="2000" b="0" i="0" u="none" strike="noStrike" cap="none" spc="0" normalizeH="0" baseline="0" dirty="0" smtClean="0">
-                <a:solidFill>
-                  <a:schemeClr val="bg1">
-                    <a:lumMod val="50000"/>
-                  </a:schemeClr>
-                </a:solidFill>
-                <a:latin typeface="苹方-简" panose="020B0400000000000000" charset="-122"/>
-                <a:ea typeface="苹方-简" panose="020B0400000000000000" charset="-122"/>
-                <a:cs typeface="苹方-简" panose="020B0400000000000000" charset="-122"/>
-                <a:sym typeface="Times New Roman" panose="02020803070505020304"/>
-              </a:rPr>
-              <a:t>        "userid": "LiYueXi",</a:t>
-            </a:r>
-            <a:endParaRPr kumimoji="0" lang="zh-CN" altLang="en-US" sz="2000" b="0" i="0" u="none" strike="noStrike" cap="none" spc="0" normalizeH="0" baseline="0" dirty="0" smtClean="0">
-              <a:solidFill>
-                <a:schemeClr val="bg1">
-                  <a:lumMod val="50000"/>
-                </a:schemeClr>
-              </a:solidFill>
-              <a:latin typeface="苹方-简" panose="020B0400000000000000" charset="-122"/>
-              <a:ea typeface="苹方-简" panose="020B0400000000000000" charset="-122"/>
-              <a:cs typeface="苹方-简" panose="020B0400000000000000" charset="-122"/>
-              <a:sym typeface="Times New Roman" panose="02020803070505020304"/>
-            </a:endParaRPr>
-          </a:p>
-          <a:p>
-            <a:pPr marL="0" marR="0" indent="0" algn="l" defTabSz="914400" rtl="0" fontAlgn="auto" latinLnBrk="0" hangingPunct="0">
-              <a:lnSpc>
-                <a:spcPct val="100000"/>
-              </a:lnSpc>
-              <a:spcBef>
-                <a:spcPts val="0"/>
-              </a:spcBef>
-              <a:spcAft>
-                <a:spcPts val="0"/>
-              </a:spcAft>
-              <a:buClrTx/>
-              <a:buSzTx/>
-              <a:buFontTx/>
-              <a:buNone/>
-            </a:pPr>
-            <a:r>
-              <a:rPr kumimoji="0" lang="zh-CN" altLang="en-US" sz="2000" b="0" i="0" u="none" strike="noStrike" cap="none" spc="0" normalizeH="0" baseline="0" dirty="0" smtClean="0">
-                <a:solidFill>
-                  <a:schemeClr val="bg1">
-                    <a:lumMod val="50000"/>
-                  </a:schemeClr>
-                </a:solidFill>
-                <a:latin typeface="苹方-简" panose="020B0400000000000000" charset="-122"/>
-                <a:ea typeface="苹方-简" panose="020B0400000000000000" charset="-122"/>
-                <a:cs typeface="苹方-简" panose="020B0400000000000000" charset="-122"/>
-                <a:sym typeface="Times New Roman" panose="02020803070505020304"/>
-              </a:rPr>
-              <a:t>        "name": "李月喜",</a:t>
-            </a:r>
-            <a:endParaRPr kumimoji="0" lang="zh-CN" altLang="en-US" sz="2000" b="0" i="0" u="none" strike="noStrike" cap="none" spc="0" normalizeH="0" baseline="0" dirty="0" smtClean="0">
-              <a:solidFill>
-                <a:schemeClr val="bg1">
-                  <a:lumMod val="50000"/>
-                </a:schemeClr>
-              </a:solidFill>
-              <a:latin typeface="苹方-简" panose="020B0400000000000000" charset="-122"/>
-              <a:ea typeface="苹方-简" panose="020B0400000000000000" charset="-122"/>
-              <a:cs typeface="苹方-简" panose="020B0400000000000000" charset="-122"/>
-              <a:sym typeface="Times New Roman" panose="02020803070505020304"/>
-            </a:endParaRPr>
-          </a:p>
-          <a:p>
-            <a:pPr marL="0" marR="0" indent="0" algn="l" defTabSz="914400" rtl="0" fontAlgn="auto" latinLnBrk="0" hangingPunct="0">
-              <a:lnSpc>
-                <a:spcPct val="100000"/>
-              </a:lnSpc>
-              <a:spcBef>
-                <a:spcPts val="0"/>
-              </a:spcBef>
-              <a:spcAft>
-                <a:spcPts val="0"/>
-              </a:spcAft>
-              <a:buClrTx/>
-              <a:buSzTx/>
-              <a:buFontTx/>
-              <a:buNone/>
-            </a:pPr>
-            <a:r>
-              <a:rPr kumimoji="0" lang="zh-CN" altLang="en-US" sz="2000" b="0" i="0" u="none" strike="noStrike" cap="none" spc="0" normalizeH="0" baseline="0" dirty="0" smtClean="0">
-                <a:solidFill>
-                  <a:schemeClr val="bg1">
-                    <a:lumMod val="50000"/>
-                  </a:schemeClr>
-                </a:solidFill>
-                <a:latin typeface="苹方-简" panose="020B0400000000000000" charset="-122"/>
-                <a:ea typeface="苹方-简" panose="020B0400000000000000" charset="-122"/>
-                <a:cs typeface="苹方-简" panose="020B0400000000000000" charset="-122"/>
-                <a:sym typeface="Times New Roman" panose="02020803070505020304"/>
-              </a:rPr>
-              <a:t>        "avatar": "http://wework.qpic.cn/bizmail/ZaLyxPDEoVwnaRMgT8JKzxiam15aTsQoRBTsiaz3iaMRWkNnVdMVKrCBw/0",</a:t>
-            </a:r>
-            <a:endParaRPr kumimoji="0" lang="zh-CN" altLang="en-US" sz="2000" b="0" i="0" u="none" strike="noStrike" cap="none" spc="0" normalizeH="0" baseline="0" dirty="0" smtClean="0">
-              <a:solidFill>
-                <a:schemeClr val="bg1">
-                  <a:lumMod val="50000"/>
-                </a:schemeClr>
-              </a:solidFill>
-              <a:latin typeface="苹方-简" panose="020B0400000000000000" charset="-122"/>
-              <a:ea typeface="苹方-简" panose="020B0400000000000000" charset="-122"/>
-              <a:cs typeface="苹方-简" panose="020B0400000000000000" charset="-122"/>
-              <a:sym typeface="Times New Roman" panose="02020803070505020304"/>
-            </a:endParaRPr>
-          </a:p>
-          <a:p>
-            <a:pPr marL="0" marR="0" indent="0" algn="l" defTabSz="914400" rtl="0" fontAlgn="auto" latinLnBrk="0" hangingPunct="0">
-              <a:lnSpc>
-                <a:spcPct val="100000"/>
-              </a:lnSpc>
-              <a:spcBef>
-                <a:spcPts val="0"/>
-              </a:spcBef>
-              <a:spcAft>
-                <a:spcPts val="0"/>
-              </a:spcAft>
-              <a:buClrTx/>
-              <a:buSzTx/>
-              <a:buFontTx/>
-              <a:buNone/>
-            </a:pPr>
-            <a:r>
-              <a:rPr kumimoji="0" lang="zh-CN" altLang="en-US" sz="2000" b="0" i="0" u="none" strike="noStrike" cap="none" spc="0" normalizeH="0" baseline="0" dirty="0" smtClean="0">
-                <a:solidFill>
-                  <a:schemeClr val="bg1">
-                    <a:lumMod val="50000"/>
-                  </a:schemeClr>
-                </a:solidFill>
-                <a:latin typeface="苹方-简" panose="020B0400000000000000" charset="-122"/>
-                <a:ea typeface="苹方-简" panose="020B0400000000000000" charset="-122"/>
-                <a:cs typeface="苹方-简" panose="020B0400000000000000" charset="-122"/>
-                <a:sym typeface="Times New Roman" panose="02020803070505020304"/>
-              </a:rPr>
-              <a:t>        "open_userid": "woKzI7BgAAK7kZ1FGgiTiAQunHXuM_NQ"</a:t>
-            </a:r>
-            <a:endParaRPr kumimoji="0" lang="zh-CN" altLang="en-US" sz="2000" b="0" i="0" u="none" strike="noStrike" cap="none" spc="0" normalizeH="0" baseline="0" dirty="0" smtClean="0">
-              <a:solidFill>
-                <a:schemeClr val="bg1">
-                  <a:lumMod val="50000"/>
-                </a:schemeClr>
-              </a:solidFill>
-              <a:latin typeface="苹方-简" panose="020B0400000000000000" charset="-122"/>
-              <a:ea typeface="苹方-简" panose="020B0400000000000000" charset="-122"/>
-              <a:cs typeface="苹方-简" panose="020B0400000000000000" charset="-122"/>
-              <a:sym typeface="Times New Roman" panose="02020803070505020304"/>
-            </a:endParaRPr>
-          </a:p>
-          <a:p>
-            <a:pPr marL="0" marR="0" indent="0" algn="l" defTabSz="914400" rtl="0" fontAlgn="auto" latinLnBrk="0" hangingPunct="0">
-              <a:lnSpc>
-                <a:spcPct val="100000"/>
-              </a:lnSpc>
-              <a:spcBef>
-                <a:spcPts val="0"/>
-              </a:spcBef>
-              <a:spcAft>
-                <a:spcPts val="0"/>
-              </a:spcAft>
-              <a:buClrTx/>
-              <a:buSzTx/>
-              <a:buFontTx/>
-              <a:buNone/>
-            </a:pPr>
-            <a:r>
-              <a:rPr kumimoji="0" lang="zh-CN" altLang="en-US" sz="2000" b="0" i="0" u="none" strike="noStrike" cap="none" spc="0" normalizeH="0" baseline="0" dirty="0" smtClean="0">
-                <a:solidFill>
-                  <a:schemeClr val="bg1">
-                    <a:lumMod val="50000"/>
-                  </a:schemeClr>
-                </a:solidFill>
-                <a:latin typeface="苹方-简" panose="020B0400000000000000" charset="-122"/>
-                <a:ea typeface="苹方-简" panose="020B0400000000000000" charset="-122"/>
-                <a:cs typeface="苹方-简" panose="020B0400000000000000" charset="-122"/>
-                <a:sym typeface="Times New Roman" panose="02020803070505020304"/>
-              </a:rPr>
-              <a:t>    }</a:t>
-            </a:r>
-            <a:endParaRPr kumimoji="0" lang="zh-CN" altLang="en-US" sz="2000" b="0" i="0" u="none" strike="noStrike" cap="none" spc="0" normalizeH="0" baseline="0" dirty="0" smtClean="0">
-              <a:solidFill>
-                <a:schemeClr val="bg1">
-                  <a:lumMod val="50000"/>
-                </a:schemeClr>
-              </a:solidFill>
-              <a:latin typeface="苹方-简" panose="020B0400000000000000" charset="-122"/>
-              <a:ea typeface="苹方-简" panose="020B0400000000000000" charset="-122"/>
-              <a:cs typeface="苹方-简" panose="020B0400000000000000" charset="-122"/>
-              <a:sym typeface="Times New Roman" panose="02020803070505020304"/>
-            </a:endParaRPr>
-          </a:p>
-          <a:p>
-            <a:pPr marL="0" marR="0" indent="0" algn="l" defTabSz="914400" rtl="0" fontAlgn="auto" latinLnBrk="0" hangingPunct="0">
-              <a:lnSpc>
-                <a:spcPct val="100000"/>
-              </a:lnSpc>
-              <a:spcBef>
-                <a:spcPts val="0"/>
-              </a:spcBef>
-              <a:spcAft>
-                <a:spcPts val="0"/>
-              </a:spcAft>
-              <a:buClrTx/>
-              <a:buSzTx/>
-              <a:buFontTx/>
-              <a:buNone/>
-            </a:pPr>
-            <a:r>
-              <a:rPr kumimoji="0" lang="zh-CN" altLang="en-US" sz="2000" b="0" i="0" u="none" strike="noStrike" cap="none" spc="0" normalizeH="0" baseline="0" dirty="0" smtClean="0">
-                <a:solidFill>
-                  <a:schemeClr val="bg1">
-                    <a:lumMod val="50000"/>
-                  </a:schemeClr>
-                </a:solidFill>
-                <a:latin typeface="苹方-简" panose="020B0400000000000000" charset="-122"/>
-                <a:ea typeface="苹方-简" panose="020B0400000000000000" charset="-122"/>
-                <a:cs typeface="苹方-简" panose="020B0400000000000000" charset="-122"/>
-                <a:sym typeface="Times New Roman" panose="02020803070505020304"/>
-              </a:rPr>
-              <a:t>}</a:t>
-            </a:r>
-            <a:endParaRPr kumimoji="0" lang="zh-CN" altLang="en-US" sz="2000" b="0" i="0" u="none" strike="noStrike" cap="none" spc="0" normalizeH="0" baseline="0" dirty="0" smtClean="0">
-              <a:solidFill>
-                <a:schemeClr val="bg1">
-                  <a:lumMod val="50000"/>
-                </a:schemeClr>
-              </a:solidFill>
-              <a:latin typeface="苹方-简" panose="020B0400000000000000" charset="-122"/>
-              <a:ea typeface="苹方-简" panose="020B0400000000000000" charset="-122"/>
-              <a:cs typeface="苹方-简" panose="020B0400000000000000" charset="-122"/>
-              <a:sym typeface="Times New Roman" panose="02020803070505020304"/>
-            </a:endParaRPr>
-          </a:p>
-          <a:p>
-            <a:pPr marL="0" marR="0" indent="0" algn="l" defTabSz="914400" rtl="0" fontAlgn="auto" latinLnBrk="0" hangingPunct="0">
-              <a:lnSpc>
-                <a:spcPct val="100000"/>
-              </a:lnSpc>
-              <a:spcBef>
-                <a:spcPts val="0"/>
-              </a:spcBef>
-              <a:spcAft>
-                <a:spcPts val="0"/>
-              </a:spcAft>
-              <a:buClrTx/>
-              <a:buSzTx/>
-              <a:buFontTx/>
-              <a:buNone/>
-            </a:pPr>
-            <a:endParaRPr kumimoji="0" lang="zh-CN" altLang="en-US" sz="2000" b="0" i="0" u="none" strike="noStrike" cap="none" spc="0" normalizeH="0" baseline="0" dirty="0" smtClean="0">
-              <a:solidFill>
-                <a:schemeClr val="bg1">
-                  <a:lumMod val="50000"/>
-                </a:schemeClr>
-              </a:solidFill>
-              <a:latin typeface="苹方-简" panose="020B0400000000000000" charset="-122"/>
-              <a:ea typeface="苹方-简" panose="020B0400000000000000" charset="-122"/>
-              <a:cs typeface="苹方-简" panose="020B0400000000000000" charset="-122"/>
-              <a:sym typeface="Times New Roman" panose="02020803070505020304"/>
-            </a:endParaRPr>
-          </a:p>
-        </p:txBody>
-      </p:sp>
-    </p:spTree>
-  </p:cSld>
-  <p:clrMapOvr>
-    <a:masterClrMapping/>
-  </p:clrMapOvr>
-  <p:transition spd="med"/>
-</p:sld>
-</file>
-
-<file path=ppt/slides/slide9.xml><?xml version="1.0" encoding="utf-8"?>
-<p:sld xmlns:a="http://schemas.openxmlformats.org/drawingml/2006/main" xmlns:r="http://schemas.openxmlformats.org/officeDocument/2006/relationships" xmlns:p="http://schemas.openxmlformats.org/presentationml/2006/main">
-  <p:cSld>
-    <p:spTree>
-      <p:nvGrpSpPr>
-        <p:cNvPr id="1" name=""/>
-        <p:cNvGrpSpPr/>
-        <p:nvPr/>
-      </p:nvGrpSpPr>
-      <p:grpSpPr/>
-      <p:sp>
-        <p:nvSpPr>
-          <p:cNvPr id="3" name="文本框 2"/>
-          <p:cNvSpPr txBox="1"/>
-          <p:nvPr/>
-        </p:nvSpPr>
-        <p:spPr>
-          <a:xfrm>
-            <a:off x="764540" y="939800"/>
-            <a:ext cx="6790055" cy="3969385"/>
-          </a:xfrm>
-          <a:prstGeom prst="rect">
-            <a:avLst/>
-          </a:prstGeom>
-          <a:noFill/>
-        </p:spPr>
-        <p:txBody>
-          <a:bodyPr wrap="square" rtlCol="0">
-            <a:spAutoFit/>
-          </a:bodyPr>
-          <a:p>
-            <a:pPr algn="l"/>
-            <a:r>
-              <a:rPr lang="zh-CN" altLang="en-US" dirty="0" smtClean="0">
-                <a:solidFill>
-                  <a:schemeClr val="bg1">
-                    <a:lumMod val="50000"/>
-                  </a:schemeClr>
-                </a:solidFill>
-                <a:latin typeface="苹方-简" panose="020B0400000000000000" charset="-122"/>
-                <a:ea typeface="苹方-简" panose="020B0400000000000000" charset="-122"/>
-                <a:cs typeface="苹方-简" panose="020B0400000000000000" charset="-122"/>
-                <a:sym typeface="Times New Roman" panose="02020803070505020304"/>
-              </a:rPr>
-              <a:t>程序保存</a:t>
-            </a:r>
-            <a:r>
-              <a:rPr lang="en-US" altLang="zh-CN">
-                <a:sym typeface="+mn-ea"/>
-              </a:rPr>
-              <a:t>suit ticket  </a:t>
-            </a:r>
-            <a:r>
-              <a:rPr lang="zh-CN" altLang="en-US">
-                <a:sym typeface="+mn-ea"/>
-              </a:rPr>
-              <a:t>，通过</a:t>
-            </a:r>
-            <a:r>
-              <a:rPr lang="en-US" altLang="zh-CN">
-                <a:sym typeface="+mn-ea"/>
-              </a:rPr>
-              <a:t>auth_code</a:t>
-            </a:r>
-            <a:r>
-              <a:rPr lang="zh-CN" altLang="en-US">
-                <a:sym typeface="+mn-ea"/>
-              </a:rPr>
-              <a:t>获取永久授权码</a:t>
-            </a:r>
-            <a:endParaRPr lang="zh-CN" altLang="en-US">
-              <a:sym typeface="+mn-ea"/>
-            </a:endParaRPr>
-          </a:p>
-          <a:p>
-            <a:pPr algn="l"/>
-            <a:endParaRPr lang="zh-CN" altLang="en-US" dirty="0" smtClean="0">
-              <a:solidFill>
-                <a:schemeClr val="bg1">
-                  <a:lumMod val="50000"/>
-                </a:schemeClr>
-              </a:solidFill>
-              <a:latin typeface="苹方-简" panose="020B0400000000000000" charset="-122"/>
-              <a:ea typeface="苹方-简" panose="020B0400000000000000" charset="-122"/>
-              <a:cs typeface="苹方-简" panose="020B0400000000000000" charset="-122"/>
-              <a:sym typeface="+mn-ea"/>
-            </a:endParaRPr>
-          </a:p>
-          <a:p>
-            <a:pPr algn="l"/>
-            <a:endParaRPr lang="zh-CN" altLang="en-US" dirty="0" smtClean="0">
-              <a:solidFill>
-                <a:schemeClr val="bg1">
-                  <a:lumMod val="50000"/>
-                </a:schemeClr>
-              </a:solidFill>
-              <a:latin typeface="苹方-简" panose="020B0400000000000000" charset="-122"/>
-              <a:ea typeface="苹方-简" panose="020B0400000000000000" charset="-122"/>
-              <a:cs typeface="苹方-简" panose="020B0400000000000000" charset="-122"/>
-              <a:sym typeface="Times New Roman" panose="02020803070505020304"/>
-            </a:endParaRPr>
-          </a:p>
-          <a:p>
-            <a:pPr algn="l"/>
-            <a:r>
-              <a:rPr lang="zh-CN" altLang="en-US" dirty="0" smtClean="0">
-                <a:solidFill>
-                  <a:schemeClr val="bg1">
-                    <a:lumMod val="50000"/>
-                  </a:schemeClr>
-                </a:solidFill>
-                <a:latin typeface="苹方-简" panose="020B0400000000000000" charset="-122"/>
-                <a:ea typeface="苹方-简" panose="020B0400000000000000" charset="-122"/>
-                <a:cs typeface="苹方-简" panose="020B0400000000000000" charset="-122"/>
-                <a:sym typeface="Times New Roman" panose="02020803070505020304"/>
-              </a:rPr>
-              <a:t>代开发模板回调</a:t>
-            </a:r>
-            <a:r>
-              <a:rPr lang="en-US" altLang="zh-CN" dirty="0" smtClean="0">
-                <a:solidFill>
-                  <a:schemeClr val="bg1">
-                    <a:lumMod val="50000"/>
-                  </a:schemeClr>
-                </a:solidFill>
-                <a:latin typeface="苹方-简" panose="020B0400000000000000" charset="-122"/>
-                <a:ea typeface="苹方-简" panose="020B0400000000000000" charset="-122"/>
-                <a:cs typeface="苹方-简" panose="020B0400000000000000" charset="-122"/>
-                <a:sym typeface="Times New Roman" panose="02020803070505020304"/>
-              </a:rPr>
-              <a:t>URL</a:t>
-            </a:r>
-            <a:endParaRPr lang="zh-CN" altLang="en-US"/>
-          </a:p>
-          <a:p>
-            <a:pPr algn="l"/>
-            <a:r>
-              <a:rPr lang="zh-CN" altLang="en-US"/>
-              <a:t>处理 </a:t>
-            </a:r>
-            <a:r>
-              <a:rPr lang="en-US" altLang="zh-CN"/>
-              <a:t>suit ticket  </a:t>
-            </a:r>
-            <a:endParaRPr lang="en-US" altLang="zh-CN"/>
-          </a:p>
-          <a:p>
-            <a:pPr algn="l"/>
-            <a:endParaRPr lang="en-US" altLang="zh-CN"/>
-          </a:p>
-          <a:p>
-            <a:pPr algn="l"/>
-            <a:r>
-              <a:rPr lang="zh-CN" altLang="en-US"/>
-              <a:t>处理授权成功</a:t>
-            </a:r>
-            <a:endParaRPr lang="zh-CN" altLang="en-US"/>
-          </a:p>
-          <a:p>
-            <a:pPr algn="l"/>
-            <a:endParaRPr lang="zh-CN" altLang="en-US"/>
-          </a:p>
-          <a:p>
-            <a:pPr algn="l"/>
-            <a:r>
-              <a:rPr lang="zh-CN" altLang="en-US"/>
-              <a:t>处理取消授权</a:t>
-            </a:r>
-            <a:endParaRPr lang="zh-CN" altLang="en-US"/>
-          </a:p>
-          <a:p>
-            <a:pPr algn="l"/>
-            <a:endParaRPr lang="zh-CN" altLang="en-US"/>
-          </a:p>
-          <a:p>
-            <a:pPr algn="l"/>
-            <a:endParaRPr lang="zh-CN" altLang="en-US"/>
-          </a:p>
-          <a:p>
-            <a:pPr algn="l"/>
-            <a:endParaRPr lang="zh-CN" altLang="en-US"/>
-          </a:p>
-          <a:p>
-            <a:pPr algn="l"/>
-            <a:r>
-              <a:rPr lang="zh-CN" altLang="en-US"/>
-              <a:t>获取永久授权码保存相应信息</a:t>
-            </a:r>
-            <a:endParaRPr lang="zh-CN" altLang="en-US"/>
-          </a:p>
-          <a:p>
-            <a:pPr algn="l"/>
-            <a:endParaRPr lang="zh-CN" altLang="en-US"/>
-          </a:p>
-        </p:txBody>
-      </p:sp>
-    </p:spTree>
-  </p:cSld>
-  <p:clrMapOvr>
-    <a:masterClrMapping/>
-  </p:clrMapOvr>
-  <p:transition spd="med"/>
-</p:sld>
-</file>
-
 <file path=ppt/tags/tag1.xml><?xml version="1.0" encoding="utf-8"?>
 <p:tagLst xmlns:p="http://schemas.openxmlformats.org/presentationml/2006/main">
   <p:tag name="KSO_WM_SLIDE_MODEL_TYPE" val="cover"/>
+</p:tagLst>
+</file>
+
+<file path=ppt/tags/tag2.xml><?xml version="1.0" encoding="utf-8"?>
+<p:tagLst xmlns:p="http://schemas.openxmlformats.org/presentationml/2006/main">
+  <p:tag name="KSO_WM_UNIT_TABLE_BEAUTIFY" val="smartTable{1856073b-4c34-4795-bc1b-4c70ec29767a}"/>
+  <p:tag name="TABLE_ENDDRAG_ORIGIN_RECT" val="808*232"/>
+  <p:tag name="TABLE_ENDDRAG_RECT" val="75*143*808*232"/>
 </p:tagLst>
 </file>
 

--- a/企业微信开发自建应用代开发篇.pptx
+++ b/企业微信开发自建应用代开发篇.pptx
@@ -8164,7 +8164,7 @@
         <p:spPr>
           <a:xfrm>
             <a:off x="786130" y="1839595"/>
-            <a:ext cx="10241280" cy="5631180"/>
+            <a:ext cx="10241280" cy="6000750"/>
           </a:xfrm>
           <a:prstGeom prst="rect">
             <a:avLst/>
@@ -8219,6 +8219,13 @@
             <a:endParaRPr lang="zh-CN" altLang="en-US" sz="2400"/>
           </a:p>
           <a:p>
+            <a:endParaRPr lang="zh-CN" altLang="en-US" sz="2400"/>
+          </a:p>
+          <a:p>
+            <a:r>
+              <a:rPr lang="zh-CN" altLang="en-US" sz="2400"/>
+              <a:t>客户使用需设置对应可见范围及权限</a:t>
+            </a:r>
             <a:endParaRPr lang="zh-CN" altLang="en-US" sz="2400"/>
           </a:p>
           <a:p>
